--- a/mixamo talk checklist.pptx
+++ b/mixamo talk checklist.pptx
@@ -8,9 +8,9 @@
     <p:sldId id="256" r:id="rId2"/>
     <p:sldId id="257" r:id="rId3"/>
     <p:sldId id="258" r:id="rId4"/>
-    <p:sldId id="259" r:id="rId5"/>
-    <p:sldId id="260" r:id="rId6"/>
-    <p:sldId id="261" r:id="rId7"/>
+    <p:sldId id="260" r:id="rId5"/>
+    <p:sldId id="261" r:id="rId6"/>
+    <p:sldId id="259" r:id="rId7"/>
   </p:sldIdLst>
   <p:sldSz cx="9144000" cy="6858000" type="screen4x3"/>
   <p:notesSz cx="6858000" cy="9144000"/>
@@ -3135,8 +3135,8 @@
         </p:nvSpPr>
         <p:spPr>
           <a:xfrm>
-            <a:off x="457200" y="1606550"/>
-            <a:ext cx="8229600" cy="4525963"/>
+            <a:off x="457200" y="1267097"/>
+            <a:ext cx="8229600" cy="5421085"/>
           </a:xfrm>
         </p:spPr>
         <p:txBody>
@@ -3145,157 +3145,116 @@
           </a:bodyPr>
           <a:lstStyle/>
           <a:p>
+            <a:pPr>
+              <a:defRPr sz="1800"/>
+            </a:pPr>
+            <a:r>
+              <a:rPr lang="sv-SE" dirty="0"/>
+              <a:t>Set up so i can just minimize to get to the next screeen</a:t>
+            </a:r>
+          </a:p>
+          <a:p>
+            <a:pPr>
+              <a:defRPr sz="1800"/>
+            </a:pPr>
+            <a:r>
+              <a:rPr lang="en-US" dirty="0"/>
+              <a:t>Today I’m going to first show how to use the free web service </a:t>
+            </a:r>
+            <a:r>
+              <a:rPr lang="en-US" dirty="0" err="1"/>
+              <a:t>Mixamo</a:t>
+            </a:r>
+            <a:r>
+              <a:rPr lang="en-US" dirty="0"/>
+              <a:t>, to:</a:t>
+            </a:r>
+          </a:p>
+          <a:p>
+            <a:pPr lvl="1">
+              <a:defRPr sz="1800"/>
+            </a:pPr>
+            <a:r>
+              <a:rPr lang="en-US" dirty="0"/>
+              <a:t>Get 3D models - show them</a:t>
+            </a:r>
+          </a:p>
+          <a:p>
+            <a:pPr lvl="1">
+              <a:defRPr sz="1800"/>
+            </a:pPr>
+            <a:r>
+              <a:rPr lang="en-US" dirty="0"/>
+              <a:t>Download animations</a:t>
+            </a:r>
+          </a:p>
+          <a:p>
+            <a:pPr lvl="1">
+              <a:defRPr sz="1800"/>
+            </a:pPr>
+            <a:r>
+              <a:rPr lang="en-US" dirty="0"/>
+              <a:t>Add skeletons to existing model you created or found on for example </a:t>
+            </a:r>
+            <a:r>
+              <a:rPr lang="en-US" dirty="0" err="1"/>
+              <a:t>sketchfab</a:t>
+            </a:r>
+            <a:r>
+              <a:rPr lang="sv-SE" dirty="0"/>
+              <a:t> </a:t>
+            </a:r>
+            <a:endParaRPr lang="en-US" dirty="0"/>
+          </a:p>
+          <a:p>
+            <a:pPr lvl="1">
+              <a:defRPr sz="1800"/>
+            </a:pPr>
+            <a:r>
+              <a:rPr lang="en-US" b="1" dirty="0"/>
+              <a:t>In Unity:</a:t>
+            </a:r>
+          </a:p>
+          <a:p>
+            <a:pPr lvl="1">
+              <a:defRPr sz="1800"/>
+            </a:pPr>
+            <a:r>
+              <a:rPr lang="en-US" dirty="0"/>
+              <a:t>Show how Unity's humanoid retargeting can be used to add same animation to different avatars:</a:t>
+            </a:r>
+          </a:p>
+          <a:p>
+            <a:pPr lvl="1">
+              <a:defRPr sz="1800"/>
+            </a:pPr>
+            <a:r>
+              <a:rPr lang="en-US" dirty="0"/>
+              <a:t>Set up and transition between animations and trigger them from code.</a:t>
+            </a:r>
+          </a:p>
+          <a:p>
+            <a:pPr lvl="1">
+              <a:defRPr sz="1800"/>
+            </a:pPr>
+            <a:r>
+              <a:rPr lang="en-US" dirty="0"/>
+              <a:t>Finally, Use avatar masks to play multiple animations at once (e.g., walk + wave)</a:t>
+            </a:r>
+          </a:p>
+          <a:p>
             <a:pPr marL="0" indent="0">
               <a:buNone/>
               <a:defRPr sz="1800"/>
             </a:pPr>
-            <a:r>
-              <a:rPr lang="sv-SE" dirty="0"/>
-              <a:t>Discord.me/endasil  </a:t>
-            </a:r>
-            <a:r>
-              <a:rPr lang="en-US" dirty="0" err="1"/>
-              <a:t>com.unity.cloud.gltfast</a:t>
-            </a:r>
-            <a:endParaRPr lang="en-US" dirty="0"/>
+            <a:endParaRPr lang="sv-SE" dirty="0"/>
           </a:p>
           <a:p>
             <a:pPr>
               <a:defRPr sz="1800"/>
             </a:pPr>
             <a:r>
-              <a:rPr lang="sv-SE" dirty="0"/>
-              <a:t>Turn on do not disturb, close uneccecary app, gumroad, VRCArena, VRCMods (at your </a:t>
-            </a:r>
-          </a:p>
-          <a:p>
-            <a:pPr>
-              <a:defRPr sz="1800"/>
-            </a:pPr>
-            <a:r>
-              <a:rPr lang="sv-SE" dirty="0"/>
-              <a:t>Set up so i can just minimize to get to the next screeen	</a:t>
-            </a:r>
-          </a:p>
-          <a:p>
-            <a:pPr>
-              <a:defRPr sz="1800"/>
-            </a:pPr>
-            <a:endParaRPr lang="sv-SE" dirty="0"/>
-          </a:p>
-          <a:p>
-            <a:pPr marL="0" indent="0">
-              <a:buNone/>
-              <a:defRPr sz="1800"/>
-            </a:pPr>
-            <a:r>
-              <a:rPr lang="sv-SE" dirty="0"/>
-              <a:t>Playing an animation by triggering in the animator only applies to the currnet character, not both.	</a:t>
-            </a:r>
-            <a:endParaRPr lang="en-US" dirty="0"/>
-          </a:p>
-          <a:p>
-            <a:pPr>
-              <a:defRPr sz="1800"/>
-            </a:pPr>
-            <a:r>
-              <a:rPr lang="en-US" dirty="0"/>
-              <a:t>First I’m going to show how to use the free web service </a:t>
-            </a:r>
-            <a:r>
-              <a:rPr lang="en-US" dirty="0" err="1"/>
-              <a:t>Mixamo</a:t>
-            </a:r>
-            <a:r>
-              <a:rPr lang="en-US" dirty="0"/>
-              <a:t>, at mixamo.com, to:</a:t>
-            </a:r>
-          </a:p>
-          <a:p>
-            <a:pPr lvl="1">
-              <a:defRPr sz="1800"/>
-            </a:pPr>
-            <a:r>
-              <a:rPr lang="en-US" dirty="0"/>
-              <a:t>Get 3D models - show them</a:t>
-            </a:r>
-          </a:p>
-          <a:p>
-            <a:pPr lvl="1">
-              <a:defRPr sz="1800"/>
-            </a:pPr>
-            <a:r>
-              <a:rPr lang="en-US" dirty="0"/>
-              <a:t>Download animations</a:t>
-            </a:r>
-          </a:p>
-          <a:p>
-            <a:pPr lvl="1">
-              <a:defRPr sz="1800"/>
-            </a:pPr>
-            <a:r>
-              <a:rPr lang="en-US" dirty="0"/>
-              <a:t>Add skeletons to existing model you created or found on for example </a:t>
-            </a:r>
-            <a:r>
-              <a:rPr lang="en-US" dirty="0" err="1"/>
-              <a:t>sketchfab</a:t>
-            </a:r>
-            <a:r>
-              <a:rPr lang="sv-SE" dirty="0"/>
-              <a:t> </a:t>
-            </a:r>
-            <a:endParaRPr lang="en-US" dirty="0"/>
-          </a:p>
-          <a:p>
-            <a:pPr lvl="1">
-              <a:defRPr sz="1800"/>
-            </a:pPr>
-            <a:r>
-              <a:rPr lang="en-US" b="1" dirty="0"/>
-              <a:t>In Unity:</a:t>
-            </a:r>
-          </a:p>
-          <a:p>
-            <a:pPr lvl="1">
-              <a:defRPr sz="1800"/>
-            </a:pPr>
-            <a:r>
-              <a:rPr lang="en-US" dirty="0"/>
-              <a:t>Show how Unity's humanoid retargeting can be used to add same animation to different avatars:</a:t>
-            </a:r>
-          </a:p>
-          <a:p>
-            <a:pPr lvl="1">
-              <a:defRPr sz="1800"/>
-            </a:pPr>
-            <a:r>
-              <a:rPr lang="en-US" dirty="0"/>
-              <a:t>Set up and transition between animations and trigger them from code.</a:t>
-            </a:r>
-          </a:p>
-          <a:p>
-            <a:pPr lvl="1">
-              <a:defRPr sz="1800"/>
-            </a:pPr>
-            <a:r>
-              <a:rPr lang="en-US" dirty="0"/>
-              <a:t>Use avatar masks to play multiple animations at once (e.g., walk + wave)</a:t>
-            </a:r>
-          </a:p>
-          <a:p>
-            <a:pPr marL="0" indent="0">
-              <a:buNone/>
-              <a:defRPr sz="1800"/>
-            </a:pPr>
-            <a:endParaRPr lang="sv-SE" dirty="0"/>
-          </a:p>
-          <a:p>
-            <a:pPr>
-              <a:defRPr sz="1800"/>
-            </a:pPr>
-            <a:r>
-              <a:rPr lang="sv-SE" dirty="0"/>
+              <a:rPr lang="sv-SE" b="1" dirty="0"/>
               <a:t>Have mixamo open. Two tabs so we can download at the same time. Unity +script open in VS</a:t>
             </a:r>
           </a:p>
@@ -3314,7 +3273,7 @@
             </a:pPr>
             <a:r>
               <a:rPr lang="sv-SE" dirty="0"/>
-              <a:t>Download another character while waiting, warrok W kur. T-Pose first!</a:t>
+              <a:t>Download another character while waiting, cute guy. T-Pose first!</a:t>
             </a:r>
           </a:p>
           <a:p>
@@ -3340,28 +3299,132 @@
               <a:defRPr sz="1800"/>
             </a:pPr>
             <a:r>
+              <a:rPr lang="sv-SE" dirty="0"/>
+              <a:t>I’m also going to drag in this ReadyPlayer.me avatar i conver</a:t>
+            </a:r>
+          </a:p>
+          <a:p>
+            <a:pPr>
+              <a:defRPr sz="1800"/>
+            </a:pPr>
+            <a:r>
               <a:rPr dirty="0"/>
               <a:t>Set rig to Humanoid</a:t>
             </a:r>
             <a:r>
               <a:rPr lang="sv-SE" dirty="0"/>
-              <a:t>, explain how humanoid retargeting works.</a:t>
-            </a:r>
-            <a:endParaRPr dirty="0"/>
-          </a:p>
-          <a:p>
-            <a:pPr>
+              <a:t>, explain how humanoid retargeting which i will explain soon.</a:t>
+            </a:r>
+          </a:p>
+          <a:p>
+            <a:pPr lvl="1">
               <a:defRPr sz="1800"/>
             </a:pPr>
             <a:r>
-              <a:rPr dirty="0"/>
-              <a:t>Create Player object, assign model as child</a:t>
-            </a:r>
-            <a:r>
               <a:rPr lang="sv-SE" dirty="0"/>
-              <a:t>1</a:t>
-            </a:r>
-            <a:endParaRPr dirty="0"/>
+              <a:t>So lets take a look at what that means, by checking out this this avatar definition </a:t>
+            </a:r>
+          </a:p>
+          <a:p>
+            <a:pPr lvl="1">
+              <a:defRPr sz="1800"/>
+            </a:pPr>
+            <a:r>
+              <a:rPr lang="en-US" dirty="0"/>
+              <a:t>So, they way animations work, is they tell bones how to move—like “move </a:t>
+            </a:r>
+            <a:r>
+              <a:rPr lang="en-US" dirty="0" err="1"/>
+              <a:t>mixamorig:LeftUpLeg</a:t>
+            </a:r>
+            <a:r>
+              <a:rPr lang="en-US" dirty="0"/>
+              <a:t> forward.”</a:t>
+            </a:r>
+          </a:p>
+          <a:p>
+            <a:pPr lvl="1">
+              <a:defRPr sz="1800"/>
+            </a:pPr>
+            <a:r>
+              <a:rPr lang="en-US" dirty="0"/>
+              <a:t>But if another character uses different bone names, like “</a:t>
+            </a:r>
+            <a:r>
+              <a:rPr lang="en-US" dirty="0" err="1"/>
+              <a:t>dwarf:LeftThigh</a:t>
+            </a:r>
+            <a:r>
+              <a:rPr lang="en-US" dirty="0"/>
+              <a:t>,” Unity won’t know what to do.</a:t>
+            </a:r>
+          </a:p>
+          <a:p>
+            <a:pPr lvl="1">
+              <a:defRPr sz="1800"/>
+            </a:pPr>
+            <a:r>
+              <a:rPr lang="en-US" dirty="0"/>
+              <a:t>That’s where Humanoid Retargeting and Avatar definitions come in.</a:t>
+            </a:r>
+          </a:p>
+          <a:p>
+            <a:pPr lvl="1">
+              <a:defRPr sz="1800"/>
+            </a:pPr>
+            <a:r>
+              <a:rPr lang="en-US" dirty="0"/>
+              <a:t>Here, on the left, we have standard human body parts.</a:t>
+            </a:r>
+          </a:p>
+          <a:p>
+            <a:pPr lvl="1">
+              <a:defRPr sz="1800"/>
+            </a:pPr>
+            <a:r>
+              <a:rPr lang="en-US" dirty="0"/>
+              <a:t>On the right are this model’s actual bone names.</a:t>
+            </a:r>
+          </a:p>
+          <a:p>
+            <a:pPr lvl="1">
+              <a:defRPr sz="1800"/>
+            </a:pPr>
+            <a:r>
+              <a:rPr lang="en-US" dirty="0"/>
+              <a:t>Unity uses this mapping to figure out which bone to move.</a:t>
+            </a:r>
+          </a:p>
+          <a:p>
+            <a:pPr lvl="1">
+              <a:defRPr sz="1800"/>
+            </a:pPr>
+            <a:r>
+              <a:rPr lang="en-US" dirty="0"/>
+              <a:t>So then an animation says “move Upper Left Leg,” Unity finds the right bone—whether it’s</a:t>
+            </a:r>
+          </a:p>
+          <a:p>
+            <a:pPr lvl="1">
+              <a:defRPr sz="1800"/>
+            </a:pPr>
+            <a:r>
+              <a:rPr lang="en-US" dirty="0" err="1"/>
+              <a:t>mixamorig:LeftUpLeg</a:t>
+            </a:r>
+            <a:r>
+              <a:rPr lang="en-US" dirty="0"/>
+              <a:t>, </a:t>
+            </a:r>
+            <a:r>
+              <a:rPr lang="en-US" dirty="0" err="1"/>
+              <a:t>dwarf:Hip</a:t>
+            </a:r>
+            <a:r>
+              <a:rPr lang="en-US" dirty="0"/>
+              <a:t>, or anything else—and it works across characters that uses humanoid avatar definitions.</a:t>
+            </a:r>
+            <a:endParaRPr lang="sv-SE" dirty="0"/>
           </a:p>
         </p:txBody>
       </p:sp>
@@ -3430,6 +3493,15 @@
               <a:defRPr sz="1800"/>
             </a:pPr>
             <a:r>
+              <a:rPr lang="sv-SE" dirty="0"/>
+              <a:t>!Playing an animation by triggering in the animator only applies to the currnet character, not both.	!</a:t>
+            </a:r>
+          </a:p>
+          <a:p>
+            <a:pPr>
+              <a:defRPr sz="1800"/>
+            </a:pPr>
+            <a:r>
               <a:rPr dirty="0"/>
               <a:t>Create Animator Controller</a:t>
             </a:r>
@@ -3681,7 +3753,7 @@
           <a:lstStyle/>
           <a:p>
             <a:r>
-              <a:t>Character Controller (5 min)</a:t>
+              <a:t>Wave Animation (8 min)</a:t>
             </a:r>
           </a:p>
         </p:txBody>
@@ -3706,15 +3778,16 @@
             </a:pPr>
             <a:r>
               <a:rPr dirty="0"/>
-              <a:t>Add </a:t>
-            </a:r>
-            <a:r>
-              <a:rPr dirty="0" err="1"/>
-              <a:t>CharacterController</a:t>
-            </a:r>
+              <a:t>Add Animator Layer</a:t>
+            </a:r>
+          </a:p>
+          <a:p>
+            <a:pPr>
+              <a:defRPr sz="1800"/>
+            </a:pPr>
             <a:r>
               <a:rPr dirty="0"/>
-              <a:t> to Player</a:t>
+              <a:t>Create Entry → Empty State</a:t>
             </a:r>
           </a:p>
           <a:p>
@@ -3723,7 +3796,7 @@
             </a:pPr>
             <a:r>
               <a:rPr dirty="0"/>
-              <a:t>Set center = 0.9</a:t>
+              <a:t>Add wave animation from Any State</a:t>
             </a:r>
           </a:p>
           <a:p>
@@ -3732,21 +3805,17 @@
             </a:pPr>
             <a:r>
               <a:rPr dirty="0"/>
-              <a:t>Add movement code (forward input</a:t>
-            </a:r>
-            <a:r>
-              <a:rPr lang="sv-SE" dirty="0"/>
-              <a:t>, horizontal</a:t>
-            </a:r>
+              <a:t>Set trigger in code</a:t>
+            </a:r>
+          </a:p>
+          <a:p>
+            <a:pPr>
+              <a:defRPr sz="1800"/>
+            </a:pPr>
             <a:r>
               <a:rPr dirty="0"/>
-              <a:t>)</a:t>
-            </a:r>
-            <a:r>
-              <a:rPr lang="sv-SE" dirty="0"/>
-              <a:t> charactercontroller.move(transform.forward * (vertical * Time.deltatime))</a:t>
-            </a:r>
-            <a:endParaRPr dirty="0"/>
+              <a:t>Show missing layer weight</a:t>
+            </a:r>
           </a:p>
           <a:p>
             <a:pPr>
@@ -3754,19 +3823,17 @@
             </a:pPr>
             <a:r>
               <a:rPr dirty="0"/>
-              <a:t>Add rotation code (horizontal input)</a:t>
-            </a:r>
-            <a:endParaRPr lang="sv-SE" dirty="0"/>
+              <a:t>Set layer weight = 1</a:t>
+            </a:r>
           </a:p>
           <a:p>
             <a:pPr>
               <a:defRPr sz="1800"/>
             </a:pPr>
             <a:r>
-              <a:rPr lang="sv-SE" dirty="0"/>
-              <a:t>movementFromLastFrame.magnitude / Time.deltaTime as speed</a:t>
-            </a:r>
-            <a:endParaRPr dirty="0"/>
+              <a:rPr dirty="0"/>
+              <a:t>Fix frozen legs with Avatar Mask</a:t>
+            </a:r>
           </a:p>
         </p:txBody>
       </p:sp>
@@ -3811,7 +3878,7 @@
           <a:lstStyle/>
           <a:p>
             <a:r>
-              <a:t>Wave Animation (8 min)</a:t>
+              <a:t>Wrap-up (2 min)</a:t>
             </a:r>
           </a:p>
         </p:txBody>
@@ -3828,7 +3895,9 @@
         </p:nvSpPr>
         <p:spPr/>
         <p:txBody>
-          <a:bodyPr/>
+          <a:bodyPr>
+            <a:normAutofit fontScale="32500" lnSpcReduction="20000"/>
+          </a:bodyPr>
           <a:lstStyle/>
           <a:p>
             <a:pPr>
@@ -3836,7 +3905,7 @@
             </a:pPr>
             <a:r>
               <a:rPr dirty="0"/>
-              <a:t>Add Animator Layer</a:t>
+              <a:t>Review: Import, Animate, Move, Layer</a:t>
             </a:r>
           </a:p>
           <a:p>
@@ -3845,53 +3914,2400 @@
             </a:pPr>
             <a:r>
               <a:rPr dirty="0"/>
-              <a:t>Create Entry → Empty State</a:t>
-            </a:r>
+              <a:t>Confirm character is interactive + extensible</a:t>
+            </a:r>
+            <a:endParaRPr lang="sv-SE" dirty="0"/>
           </a:p>
           <a:p>
             <a:pPr>
               <a:defRPr sz="1800"/>
             </a:pPr>
-            <a:r>
-              <a:rPr dirty="0"/>
-              <a:t>Add wave animation from Any State</a:t>
-            </a:r>
+            <a:endParaRPr lang="sv-SE" dirty="0"/>
           </a:p>
           <a:p>
             <a:pPr>
               <a:defRPr sz="1800"/>
             </a:pPr>
-            <a:r>
-              <a:rPr dirty="0"/>
-              <a:t>Set trigger in code</a:t>
-            </a:r>
-          </a:p>
-          <a:p>
-            <a:pPr>
-              <a:defRPr sz="1800"/>
-            </a:pPr>
-            <a:r>
-              <a:rPr dirty="0"/>
-              <a:t>Show missing layer weight</a:t>
-            </a:r>
-          </a:p>
-          <a:p>
-            <a:pPr>
-              <a:defRPr sz="1800"/>
-            </a:pPr>
-            <a:r>
-              <a:rPr dirty="0"/>
-              <a:t>Set layer weight = 1</a:t>
-            </a:r>
-          </a:p>
-          <a:p>
-            <a:pPr>
-              <a:defRPr sz="1800"/>
-            </a:pPr>
-            <a:r>
-              <a:rPr dirty="0"/>
-              <a:t>Fix frozen legs with Avatar Mask</a:t>
-            </a:r>
+            <a:endParaRPr lang="sv-SE" dirty="0"/>
+          </a:p>
+          <a:p>
+            <a:r>
+              <a:rPr lang="en-US" sz="1800" dirty="0">
+                <a:solidFill>
+                  <a:srgbClr val="0000FF"/>
+                </a:solidFill>
+                <a:highlight>
+                  <a:srgbClr val="FFFFFF"/>
+                </a:highlight>
+                <a:latin typeface="Cascadia Mono" panose="020B0609020000020004" pitchFamily="49" charset="0"/>
+              </a:rPr>
+              <a:t>using</a:t>
+            </a:r>
+            <a:r>
+              <a:rPr lang="en-US" sz="1800" dirty="0">
+                <a:solidFill>
+                  <a:srgbClr val="000000"/>
+                </a:solidFill>
+                <a:highlight>
+                  <a:srgbClr val="FFFFFF"/>
+                </a:highlight>
+                <a:latin typeface="Cascadia Mono" panose="020B0609020000020004" pitchFamily="49" charset="0"/>
+              </a:rPr>
+              <a:t> System;</a:t>
+            </a:r>
+          </a:p>
+          <a:p>
+            <a:r>
+              <a:rPr lang="en-US" sz="1800" dirty="0">
+                <a:solidFill>
+                  <a:srgbClr val="0000FF"/>
+                </a:solidFill>
+                <a:highlight>
+                  <a:srgbClr val="FFFFFF"/>
+                </a:highlight>
+                <a:latin typeface="Cascadia Mono" panose="020B0609020000020004" pitchFamily="49" charset="0"/>
+              </a:rPr>
+              <a:t>using</a:t>
+            </a:r>
+            <a:r>
+              <a:rPr lang="en-US" sz="1800" dirty="0">
+                <a:solidFill>
+                  <a:srgbClr val="000000"/>
+                </a:solidFill>
+                <a:highlight>
+                  <a:srgbClr val="FFFFFF"/>
+                </a:highlight>
+                <a:latin typeface="Cascadia Mono" panose="020B0609020000020004" pitchFamily="49" charset="0"/>
+              </a:rPr>
+              <a:t> </a:t>
+            </a:r>
+            <a:r>
+              <a:rPr lang="en-US" sz="1800" dirty="0" err="1">
+                <a:solidFill>
+                  <a:srgbClr val="000000"/>
+                </a:solidFill>
+                <a:highlight>
+                  <a:srgbClr val="FFFFFF"/>
+                </a:highlight>
+                <a:latin typeface="Cascadia Mono" panose="020B0609020000020004" pitchFamily="49" charset="0"/>
+              </a:rPr>
+              <a:t>UnityEngine</a:t>
+            </a:r>
+            <a:r>
+              <a:rPr lang="en-US" sz="1800" dirty="0">
+                <a:solidFill>
+                  <a:srgbClr val="000000"/>
+                </a:solidFill>
+                <a:highlight>
+                  <a:srgbClr val="FFFFFF"/>
+                </a:highlight>
+                <a:latin typeface="Cascadia Mono" panose="020B0609020000020004" pitchFamily="49" charset="0"/>
+              </a:rPr>
+              <a:t>;</a:t>
+            </a:r>
+          </a:p>
+          <a:p>
+            <a:endParaRPr lang="en-SE" sz="1800" dirty="0">
+              <a:solidFill>
+                <a:srgbClr val="000000"/>
+              </a:solidFill>
+              <a:highlight>
+                <a:srgbClr val="FFFFFF"/>
+              </a:highlight>
+              <a:latin typeface="Cascadia Mono" panose="020B0609020000020004" pitchFamily="49" charset="0"/>
+            </a:endParaRPr>
+          </a:p>
+          <a:p>
+            <a:r>
+              <a:rPr lang="en-US" sz="1800" dirty="0">
+                <a:solidFill>
+                  <a:srgbClr val="0000FF"/>
+                </a:solidFill>
+                <a:highlight>
+                  <a:srgbClr val="FFFFFF"/>
+                </a:highlight>
+                <a:latin typeface="Cascadia Mono" panose="020B0609020000020004" pitchFamily="49" charset="0"/>
+              </a:rPr>
+              <a:t>public</a:t>
+            </a:r>
+            <a:r>
+              <a:rPr lang="en-US" sz="1800" dirty="0">
+                <a:solidFill>
+                  <a:srgbClr val="000000"/>
+                </a:solidFill>
+                <a:highlight>
+                  <a:srgbClr val="FFFFFF"/>
+                </a:highlight>
+                <a:latin typeface="Cascadia Mono" panose="020B0609020000020004" pitchFamily="49" charset="0"/>
+              </a:rPr>
+              <a:t> </a:t>
+            </a:r>
+            <a:r>
+              <a:rPr lang="en-US" sz="1800" dirty="0">
+                <a:solidFill>
+                  <a:srgbClr val="0000FF"/>
+                </a:solidFill>
+                <a:highlight>
+                  <a:srgbClr val="FFFFFF"/>
+                </a:highlight>
+                <a:latin typeface="Cascadia Mono" panose="020B0609020000020004" pitchFamily="49" charset="0"/>
+              </a:rPr>
+              <a:t>class</a:t>
+            </a:r>
+            <a:r>
+              <a:rPr lang="en-US" sz="1800" dirty="0">
+                <a:solidFill>
+                  <a:srgbClr val="000000"/>
+                </a:solidFill>
+                <a:highlight>
+                  <a:srgbClr val="FFFFFF"/>
+                </a:highlight>
+                <a:latin typeface="Cascadia Mono" panose="020B0609020000020004" pitchFamily="49" charset="0"/>
+              </a:rPr>
+              <a:t> </a:t>
+            </a:r>
+            <a:r>
+              <a:rPr lang="en-US" sz="1800" dirty="0">
+                <a:solidFill>
+                  <a:srgbClr val="2B91AF"/>
+                </a:solidFill>
+                <a:highlight>
+                  <a:srgbClr val="FFFFFF"/>
+                </a:highlight>
+                <a:latin typeface="Cascadia Mono" panose="020B0609020000020004" pitchFamily="49" charset="0"/>
+              </a:rPr>
+              <a:t>Player</a:t>
+            </a:r>
+            <a:r>
+              <a:rPr lang="en-US" sz="1800" dirty="0">
+                <a:solidFill>
+                  <a:srgbClr val="000000"/>
+                </a:solidFill>
+                <a:highlight>
+                  <a:srgbClr val="FFFFFF"/>
+                </a:highlight>
+                <a:latin typeface="Cascadia Mono" panose="020B0609020000020004" pitchFamily="49" charset="0"/>
+              </a:rPr>
+              <a:t> : </a:t>
+            </a:r>
+            <a:r>
+              <a:rPr lang="en-US" sz="1800" dirty="0" err="1">
+                <a:solidFill>
+                  <a:srgbClr val="000000"/>
+                </a:solidFill>
+                <a:highlight>
+                  <a:srgbClr val="FFFFFF"/>
+                </a:highlight>
+                <a:latin typeface="Cascadia Mono" panose="020B0609020000020004" pitchFamily="49" charset="0"/>
+              </a:rPr>
+              <a:t>MonoBehaviour</a:t>
+            </a:r>
+            <a:endParaRPr lang="en-US" sz="1800" dirty="0">
+              <a:solidFill>
+                <a:srgbClr val="000000"/>
+              </a:solidFill>
+              <a:highlight>
+                <a:srgbClr val="FFFFFF"/>
+              </a:highlight>
+              <a:latin typeface="Cascadia Mono" panose="020B0609020000020004" pitchFamily="49" charset="0"/>
+            </a:endParaRPr>
+          </a:p>
+          <a:p>
+            <a:r>
+              <a:rPr lang="en-SE" sz="1800" dirty="0">
+                <a:solidFill>
+                  <a:srgbClr val="FF9900"/>
+                </a:solidFill>
+                <a:highlight>
+                  <a:srgbClr val="FFFFFF"/>
+                </a:highlight>
+                <a:latin typeface="Cascadia Mono" panose="020B0609020000020004" pitchFamily="49" charset="0"/>
+              </a:rPr>
+              <a:t>{</a:t>
+            </a:r>
+            <a:endParaRPr lang="en-SE" sz="1800" dirty="0">
+              <a:solidFill>
+                <a:srgbClr val="000000"/>
+              </a:solidFill>
+              <a:highlight>
+                <a:srgbClr val="FFFFFF"/>
+              </a:highlight>
+              <a:latin typeface="Cascadia Mono" panose="020B0609020000020004" pitchFamily="49" charset="0"/>
+            </a:endParaRPr>
+          </a:p>
+          <a:p>
+            <a:r>
+              <a:rPr lang="en-US" sz="1800" dirty="0">
+                <a:solidFill>
+                  <a:srgbClr val="000000"/>
+                </a:solidFill>
+                <a:highlight>
+                  <a:srgbClr val="FFFFFF"/>
+                </a:highlight>
+                <a:latin typeface="Cascadia Mono" panose="020B0609020000020004" pitchFamily="49" charset="0"/>
+              </a:rPr>
+              <a:t>    </a:t>
+            </a:r>
+            <a:r>
+              <a:rPr lang="en-US" sz="1800" dirty="0">
+                <a:solidFill>
+                  <a:srgbClr val="0000FF"/>
+                </a:solidFill>
+                <a:highlight>
+                  <a:srgbClr val="FFFFFF"/>
+                </a:highlight>
+                <a:latin typeface="Cascadia Mono" panose="020B0609020000020004" pitchFamily="49" charset="0"/>
+              </a:rPr>
+              <a:t>private</a:t>
+            </a:r>
+            <a:r>
+              <a:rPr lang="en-US" sz="1800" dirty="0">
+                <a:solidFill>
+                  <a:srgbClr val="000000"/>
+                </a:solidFill>
+                <a:highlight>
+                  <a:srgbClr val="FFFFFF"/>
+                </a:highlight>
+                <a:latin typeface="Cascadia Mono" panose="020B0609020000020004" pitchFamily="49" charset="0"/>
+              </a:rPr>
+              <a:t> Animator _animator;</a:t>
+            </a:r>
+          </a:p>
+          <a:p>
+            <a:r>
+              <a:rPr lang="en-US" sz="1800" dirty="0">
+                <a:solidFill>
+                  <a:srgbClr val="000000"/>
+                </a:solidFill>
+                <a:highlight>
+                  <a:srgbClr val="FFFFFF"/>
+                </a:highlight>
+                <a:latin typeface="Cascadia Mono" panose="020B0609020000020004" pitchFamily="49" charset="0"/>
+              </a:rPr>
+              <a:t>    </a:t>
+            </a:r>
+            <a:r>
+              <a:rPr lang="en-US" sz="1800" dirty="0">
+                <a:solidFill>
+                  <a:srgbClr val="0000FF"/>
+                </a:solidFill>
+                <a:highlight>
+                  <a:srgbClr val="FFFFFF"/>
+                </a:highlight>
+                <a:latin typeface="Cascadia Mono" panose="020B0609020000020004" pitchFamily="49" charset="0"/>
+              </a:rPr>
+              <a:t>public</a:t>
+            </a:r>
+            <a:r>
+              <a:rPr lang="en-US" sz="1800" dirty="0">
+                <a:solidFill>
+                  <a:srgbClr val="000000"/>
+                </a:solidFill>
+                <a:highlight>
+                  <a:srgbClr val="FFFFFF"/>
+                </a:highlight>
+                <a:latin typeface="Cascadia Mono" panose="020B0609020000020004" pitchFamily="49" charset="0"/>
+              </a:rPr>
+              <a:t> </a:t>
+            </a:r>
+            <a:r>
+              <a:rPr lang="en-US" sz="1800" dirty="0">
+                <a:solidFill>
+                  <a:srgbClr val="0000FF"/>
+                </a:solidFill>
+                <a:highlight>
+                  <a:srgbClr val="FFFFFF"/>
+                </a:highlight>
+                <a:latin typeface="Cascadia Mono" panose="020B0609020000020004" pitchFamily="49" charset="0"/>
+              </a:rPr>
+              <a:t>float</a:t>
+            </a:r>
+            <a:r>
+              <a:rPr lang="en-US" sz="1800" dirty="0">
+                <a:solidFill>
+                  <a:srgbClr val="000000"/>
+                </a:solidFill>
+                <a:highlight>
+                  <a:srgbClr val="FFFFFF"/>
+                </a:highlight>
+                <a:latin typeface="Cascadia Mono" panose="020B0609020000020004" pitchFamily="49" charset="0"/>
+              </a:rPr>
+              <a:t> </a:t>
+            </a:r>
+            <a:r>
+              <a:rPr lang="en-US" sz="1800" dirty="0" err="1">
+                <a:solidFill>
+                  <a:srgbClr val="000000"/>
+                </a:solidFill>
+                <a:highlight>
+                  <a:srgbClr val="FFFFFF"/>
+                </a:highlight>
+                <a:latin typeface="Cascadia Mono" panose="020B0609020000020004" pitchFamily="49" charset="0"/>
+              </a:rPr>
+              <a:t>MovementSpeed</a:t>
+            </a:r>
+            <a:r>
+              <a:rPr lang="en-US" sz="1800" dirty="0">
+                <a:solidFill>
+                  <a:srgbClr val="000000"/>
+                </a:solidFill>
+                <a:highlight>
+                  <a:srgbClr val="FFFFFF"/>
+                </a:highlight>
+                <a:latin typeface="Cascadia Mono" panose="020B0609020000020004" pitchFamily="49" charset="0"/>
+              </a:rPr>
+              <a:t> = 3;</a:t>
+            </a:r>
+          </a:p>
+          <a:p>
+            <a:r>
+              <a:rPr lang="en-US" sz="1800" dirty="0">
+                <a:solidFill>
+                  <a:srgbClr val="000000"/>
+                </a:solidFill>
+                <a:highlight>
+                  <a:srgbClr val="FFFFFF"/>
+                </a:highlight>
+                <a:latin typeface="Cascadia Mono" panose="020B0609020000020004" pitchFamily="49" charset="0"/>
+              </a:rPr>
+              <a:t>    </a:t>
+            </a:r>
+            <a:r>
+              <a:rPr lang="en-US" sz="1800" dirty="0">
+                <a:solidFill>
+                  <a:srgbClr val="0000FF"/>
+                </a:solidFill>
+                <a:highlight>
+                  <a:srgbClr val="FFFFFF"/>
+                </a:highlight>
+                <a:latin typeface="Cascadia Mono" panose="020B0609020000020004" pitchFamily="49" charset="0"/>
+              </a:rPr>
+              <a:t>public</a:t>
+            </a:r>
+            <a:r>
+              <a:rPr lang="en-US" sz="1800" dirty="0">
+                <a:solidFill>
+                  <a:srgbClr val="000000"/>
+                </a:solidFill>
+                <a:highlight>
+                  <a:srgbClr val="FFFFFF"/>
+                </a:highlight>
+                <a:latin typeface="Cascadia Mono" panose="020B0609020000020004" pitchFamily="49" charset="0"/>
+              </a:rPr>
+              <a:t> </a:t>
+            </a:r>
+            <a:r>
+              <a:rPr lang="en-US" sz="1800" dirty="0">
+                <a:solidFill>
+                  <a:srgbClr val="0000FF"/>
+                </a:solidFill>
+                <a:highlight>
+                  <a:srgbClr val="FFFFFF"/>
+                </a:highlight>
+                <a:latin typeface="Cascadia Mono" panose="020B0609020000020004" pitchFamily="49" charset="0"/>
+              </a:rPr>
+              <a:t>float</a:t>
+            </a:r>
+            <a:r>
+              <a:rPr lang="en-US" sz="1800" dirty="0">
+                <a:solidFill>
+                  <a:srgbClr val="000000"/>
+                </a:solidFill>
+                <a:highlight>
+                  <a:srgbClr val="FFFFFF"/>
+                </a:highlight>
+                <a:latin typeface="Cascadia Mono" panose="020B0609020000020004" pitchFamily="49" charset="0"/>
+              </a:rPr>
+              <a:t> </a:t>
+            </a:r>
+            <a:r>
+              <a:rPr lang="en-US" sz="1800" dirty="0" err="1">
+                <a:solidFill>
+                  <a:srgbClr val="000000"/>
+                </a:solidFill>
+                <a:highlight>
+                  <a:srgbClr val="FFFFFF"/>
+                </a:highlight>
+                <a:latin typeface="Cascadia Mono" panose="020B0609020000020004" pitchFamily="49" charset="0"/>
+              </a:rPr>
+              <a:t>RotationSpeed</a:t>
+            </a:r>
+            <a:r>
+              <a:rPr lang="en-US" sz="1800" dirty="0">
+                <a:solidFill>
+                  <a:srgbClr val="000000"/>
+                </a:solidFill>
+                <a:highlight>
+                  <a:srgbClr val="FFFFFF"/>
+                </a:highlight>
+                <a:latin typeface="Cascadia Mono" panose="020B0609020000020004" pitchFamily="49" charset="0"/>
+              </a:rPr>
+              <a:t> = 100;</a:t>
+            </a:r>
+          </a:p>
+          <a:p>
+            <a:r>
+              <a:rPr lang="en-US" sz="1800" dirty="0">
+                <a:solidFill>
+                  <a:srgbClr val="000000"/>
+                </a:solidFill>
+                <a:highlight>
+                  <a:srgbClr val="FFFFFF"/>
+                </a:highlight>
+                <a:latin typeface="Cascadia Mono" panose="020B0609020000020004" pitchFamily="49" charset="0"/>
+              </a:rPr>
+              <a:t>    </a:t>
+            </a:r>
+            <a:r>
+              <a:rPr lang="en-US" sz="1800" dirty="0">
+                <a:solidFill>
+                  <a:srgbClr val="0000FF"/>
+                </a:solidFill>
+                <a:highlight>
+                  <a:srgbClr val="FFFFFF"/>
+                </a:highlight>
+                <a:latin typeface="Cascadia Mono" panose="020B0609020000020004" pitchFamily="49" charset="0"/>
+              </a:rPr>
+              <a:t>private</a:t>
+            </a:r>
+            <a:r>
+              <a:rPr lang="en-US" sz="1800" dirty="0">
+                <a:solidFill>
+                  <a:srgbClr val="000000"/>
+                </a:solidFill>
+                <a:highlight>
+                  <a:srgbClr val="FFFFFF"/>
+                </a:highlight>
+                <a:latin typeface="Cascadia Mono" panose="020B0609020000020004" pitchFamily="49" charset="0"/>
+              </a:rPr>
+              <a:t> </a:t>
+            </a:r>
+            <a:r>
+              <a:rPr lang="en-US" sz="1800" dirty="0" err="1">
+                <a:solidFill>
+                  <a:srgbClr val="000000"/>
+                </a:solidFill>
+                <a:highlight>
+                  <a:srgbClr val="FFFFFF"/>
+                </a:highlight>
+                <a:latin typeface="Cascadia Mono" panose="020B0609020000020004" pitchFamily="49" charset="0"/>
+              </a:rPr>
+              <a:t>CharacterController</a:t>
+            </a:r>
+            <a:r>
+              <a:rPr lang="en-US" sz="1800" dirty="0">
+                <a:solidFill>
+                  <a:srgbClr val="000000"/>
+                </a:solidFill>
+                <a:highlight>
+                  <a:srgbClr val="FFFFFF"/>
+                </a:highlight>
+                <a:latin typeface="Cascadia Mono" panose="020B0609020000020004" pitchFamily="49" charset="0"/>
+              </a:rPr>
+              <a:t> _</a:t>
+            </a:r>
+            <a:r>
+              <a:rPr lang="en-US" sz="1800" dirty="0" err="1">
+                <a:solidFill>
+                  <a:srgbClr val="000000"/>
+                </a:solidFill>
+                <a:highlight>
+                  <a:srgbClr val="FFFFFF"/>
+                </a:highlight>
+                <a:latin typeface="Cascadia Mono" panose="020B0609020000020004" pitchFamily="49" charset="0"/>
+              </a:rPr>
+              <a:t>characterController</a:t>
+            </a:r>
+            <a:r>
+              <a:rPr lang="en-US" sz="1800" dirty="0">
+                <a:solidFill>
+                  <a:srgbClr val="000000"/>
+                </a:solidFill>
+                <a:highlight>
+                  <a:srgbClr val="FFFFFF"/>
+                </a:highlight>
+                <a:latin typeface="Cascadia Mono" panose="020B0609020000020004" pitchFamily="49" charset="0"/>
+              </a:rPr>
+              <a:t>;</a:t>
+            </a:r>
+          </a:p>
+          <a:p>
+            <a:endParaRPr lang="en-SE" sz="1800" dirty="0">
+              <a:solidFill>
+                <a:srgbClr val="000000"/>
+              </a:solidFill>
+              <a:highlight>
+                <a:srgbClr val="FFFFFF"/>
+              </a:highlight>
+              <a:latin typeface="Cascadia Mono" panose="020B0609020000020004" pitchFamily="49" charset="0"/>
+            </a:endParaRPr>
+          </a:p>
+          <a:p>
+            <a:r>
+              <a:rPr lang="en-US" sz="1800" dirty="0">
+                <a:solidFill>
+                  <a:srgbClr val="000000"/>
+                </a:solidFill>
+                <a:highlight>
+                  <a:srgbClr val="FFFFFF"/>
+                </a:highlight>
+                <a:latin typeface="Cascadia Mono" panose="020B0609020000020004" pitchFamily="49" charset="0"/>
+              </a:rPr>
+              <a:t>    </a:t>
+            </a:r>
+            <a:r>
+              <a:rPr lang="en-US" sz="1800" dirty="0">
+                <a:solidFill>
+                  <a:srgbClr val="0000FF"/>
+                </a:solidFill>
+                <a:highlight>
+                  <a:srgbClr val="FFFFFF"/>
+                </a:highlight>
+                <a:latin typeface="Cascadia Mono" panose="020B0609020000020004" pitchFamily="49" charset="0"/>
+              </a:rPr>
+              <a:t>private</a:t>
+            </a:r>
+            <a:r>
+              <a:rPr lang="en-US" sz="1800" dirty="0">
+                <a:solidFill>
+                  <a:srgbClr val="000000"/>
+                </a:solidFill>
+                <a:highlight>
+                  <a:srgbClr val="FFFFFF"/>
+                </a:highlight>
+                <a:latin typeface="Cascadia Mono" panose="020B0609020000020004" pitchFamily="49" charset="0"/>
+              </a:rPr>
+              <a:t> Vector3 _</a:t>
+            </a:r>
+            <a:r>
+              <a:rPr lang="en-US" sz="1800" dirty="0" err="1">
+                <a:solidFill>
+                  <a:srgbClr val="000000"/>
+                </a:solidFill>
+                <a:highlight>
+                  <a:srgbClr val="FFFFFF"/>
+                </a:highlight>
+                <a:latin typeface="Cascadia Mono" panose="020B0609020000020004" pitchFamily="49" charset="0"/>
+              </a:rPr>
+              <a:t>previousPosition</a:t>
+            </a:r>
+            <a:r>
+              <a:rPr lang="en-US" sz="1800" dirty="0">
+                <a:solidFill>
+                  <a:srgbClr val="000000"/>
+                </a:solidFill>
+                <a:highlight>
+                  <a:srgbClr val="FFFFFF"/>
+                </a:highlight>
+                <a:latin typeface="Cascadia Mono" panose="020B0609020000020004" pitchFamily="49" charset="0"/>
+              </a:rPr>
+              <a:t>;</a:t>
+            </a:r>
+          </a:p>
+          <a:p>
+            <a:endParaRPr lang="en-SE" sz="1800" dirty="0">
+              <a:solidFill>
+                <a:srgbClr val="000000"/>
+              </a:solidFill>
+              <a:highlight>
+                <a:srgbClr val="FFFFFF"/>
+              </a:highlight>
+              <a:latin typeface="Cascadia Mono" panose="020B0609020000020004" pitchFamily="49" charset="0"/>
+            </a:endParaRPr>
+          </a:p>
+          <a:p>
+            <a:r>
+              <a:rPr lang="en-US" sz="1800" dirty="0">
+                <a:solidFill>
+                  <a:srgbClr val="000000"/>
+                </a:solidFill>
+                <a:highlight>
+                  <a:srgbClr val="FFFFFF"/>
+                </a:highlight>
+                <a:latin typeface="Cascadia Mono" panose="020B0609020000020004" pitchFamily="49" charset="0"/>
+              </a:rPr>
+              <a:t>    </a:t>
+            </a:r>
+            <a:r>
+              <a:rPr lang="en-US" sz="1800" dirty="0">
+                <a:solidFill>
+                  <a:srgbClr val="008000"/>
+                </a:solidFill>
+                <a:highlight>
+                  <a:srgbClr val="FFFFFF"/>
+                </a:highlight>
+                <a:latin typeface="Cascadia Mono" panose="020B0609020000020004" pitchFamily="49" charset="0"/>
+              </a:rPr>
+              <a:t>// Start is called once before the first execution of Update after the </a:t>
+            </a:r>
+            <a:r>
+              <a:rPr lang="en-US" sz="1800" dirty="0" err="1">
+                <a:solidFill>
+                  <a:srgbClr val="008000"/>
+                </a:solidFill>
+                <a:highlight>
+                  <a:srgbClr val="FFFFFF"/>
+                </a:highlight>
+                <a:latin typeface="Cascadia Mono" panose="020B0609020000020004" pitchFamily="49" charset="0"/>
+              </a:rPr>
+              <a:t>MonoBehaviour</a:t>
+            </a:r>
+            <a:r>
+              <a:rPr lang="en-US" sz="1800" dirty="0">
+                <a:solidFill>
+                  <a:srgbClr val="008000"/>
+                </a:solidFill>
+                <a:highlight>
+                  <a:srgbClr val="FFFFFF"/>
+                </a:highlight>
+                <a:latin typeface="Cascadia Mono" panose="020B0609020000020004" pitchFamily="49" charset="0"/>
+              </a:rPr>
+              <a:t> is created</a:t>
+            </a:r>
+            <a:endParaRPr lang="en-US" sz="1800" dirty="0">
+              <a:solidFill>
+                <a:srgbClr val="000000"/>
+              </a:solidFill>
+              <a:highlight>
+                <a:srgbClr val="FFFFFF"/>
+              </a:highlight>
+              <a:latin typeface="Cascadia Mono" panose="020B0609020000020004" pitchFamily="49" charset="0"/>
+            </a:endParaRPr>
+          </a:p>
+          <a:p>
+            <a:r>
+              <a:rPr lang="en-US" sz="1800" dirty="0">
+                <a:solidFill>
+                  <a:srgbClr val="000000"/>
+                </a:solidFill>
+                <a:highlight>
+                  <a:srgbClr val="FFFFFF"/>
+                </a:highlight>
+                <a:latin typeface="Cascadia Mono" panose="020B0609020000020004" pitchFamily="49" charset="0"/>
+              </a:rPr>
+              <a:t>    </a:t>
+            </a:r>
+            <a:r>
+              <a:rPr lang="en-US" sz="1800" dirty="0">
+                <a:solidFill>
+                  <a:srgbClr val="0000FF"/>
+                </a:solidFill>
+                <a:highlight>
+                  <a:srgbClr val="FFFFFF"/>
+                </a:highlight>
+                <a:latin typeface="Cascadia Mono" panose="020B0609020000020004" pitchFamily="49" charset="0"/>
+              </a:rPr>
+              <a:t>void</a:t>
+            </a:r>
+            <a:r>
+              <a:rPr lang="en-US" sz="1800" dirty="0">
+                <a:solidFill>
+                  <a:srgbClr val="000000"/>
+                </a:solidFill>
+                <a:highlight>
+                  <a:srgbClr val="FFFFFF"/>
+                </a:highlight>
+                <a:latin typeface="Cascadia Mono" panose="020B0609020000020004" pitchFamily="49" charset="0"/>
+              </a:rPr>
+              <a:t> Start</a:t>
+            </a:r>
+            <a:r>
+              <a:rPr lang="en-US" sz="1800" dirty="0">
+                <a:solidFill>
+                  <a:srgbClr val="FF1493"/>
+                </a:solidFill>
+                <a:highlight>
+                  <a:srgbClr val="FFFFFF"/>
+                </a:highlight>
+                <a:latin typeface="Cascadia Mono" panose="020B0609020000020004" pitchFamily="49" charset="0"/>
+              </a:rPr>
+              <a:t>()</a:t>
+            </a:r>
+            <a:endParaRPr lang="en-US" sz="1800" dirty="0">
+              <a:solidFill>
+                <a:srgbClr val="000000"/>
+              </a:solidFill>
+              <a:highlight>
+                <a:srgbClr val="FFFFFF"/>
+              </a:highlight>
+              <a:latin typeface="Cascadia Mono" panose="020B0609020000020004" pitchFamily="49" charset="0"/>
+            </a:endParaRPr>
+          </a:p>
+          <a:p>
+            <a:r>
+              <a:rPr lang="en-SE" sz="1800" dirty="0">
+                <a:solidFill>
+                  <a:srgbClr val="000000"/>
+                </a:solidFill>
+                <a:highlight>
+                  <a:srgbClr val="FFFFFF"/>
+                </a:highlight>
+                <a:latin typeface="Cascadia Mono" panose="020B0609020000020004" pitchFamily="49" charset="0"/>
+              </a:rPr>
+              <a:t>    </a:t>
+            </a:r>
+            <a:r>
+              <a:rPr lang="en-SE" sz="1800" dirty="0">
+                <a:solidFill>
+                  <a:srgbClr val="FF1493"/>
+                </a:solidFill>
+                <a:highlight>
+                  <a:srgbClr val="FFFFFF"/>
+                </a:highlight>
+                <a:latin typeface="Cascadia Mono" panose="020B0609020000020004" pitchFamily="49" charset="0"/>
+              </a:rPr>
+              <a:t>{</a:t>
+            </a:r>
+            <a:endParaRPr lang="en-SE" sz="1800" dirty="0">
+              <a:solidFill>
+                <a:srgbClr val="000000"/>
+              </a:solidFill>
+              <a:highlight>
+                <a:srgbClr val="FFFFFF"/>
+              </a:highlight>
+              <a:latin typeface="Cascadia Mono" panose="020B0609020000020004" pitchFamily="49" charset="0"/>
+            </a:endParaRPr>
+          </a:p>
+          <a:p>
+            <a:r>
+              <a:rPr lang="en-US" sz="1800" dirty="0">
+                <a:solidFill>
+                  <a:srgbClr val="000000"/>
+                </a:solidFill>
+                <a:highlight>
+                  <a:srgbClr val="FFFFFF"/>
+                </a:highlight>
+                <a:latin typeface="Cascadia Mono" panose="020B0609020000020004" pitchFamily="49" charset="0"/>
+              </a:rPr>
+              <a:t>        _animator = </a:t>
+            </a:r>
+            <a:r>
+              <a:rPr lang="en-US" sz="1800" dirty="0" err="1">
+                <a:solidFill>
+                  <a:srgbClr val="000000"/>
+                </a:solidFill>
+                <a:highlight>
+                  <a:srgbClr val="FFFFFF"/>
+                </a:highlight>
+                <a:latin typeface="Cascadia Mono" panose="020B0609020000020004" pitchFamily="49" charset="0"/>
+              </a:rPr>
+              <a:t>GetComponentInChildren</a:t>
+            </a:r>
+            <a:r>
+              <a:rPr lang="en-US" sz="1800" dirty="0">
+                <a:solidFill>
+                  <a:srgbClr val="000000"/>
+                </a:solidFill>
+                <a:highlight>
+                  <a:srgbClr val="FFFFFF"/>
+                </a:highlight>
+                <a:latin typeface="Cascadia Mono" panose="020B0609020000020004" pitchFamily="49" charset="0"/>
+              </a:rPr>
+              <a:t>&lt;Animator&gt;</a:t>
+            </a:r>
+            <a:r>
+              <a:rPr lang="en-US" sz="1800" dirty="0">
+                <a:solidFill>
+                  <a:srgbClr val="9ACD32"/>
+                </a:solidFill>
+                <a:highlight>
+                  <a:srgbClr val="FFFFFF"/>
+                </a:highlight>
+                <a:latin typeface="Cascadia Mono" panose="020B0609020000020004" pitchFamily="49" charset="0"/>
+              </a:rPr>
+              <a:t>()</a:t>
+            </a:r>
+            <a:r>
+              <a:rPr lang="en-US" sz="1800" dirty="0">
+                <a:solidFill>
+                  <a:srgbClr val="000000"/>
+                </a:solidFill>
+                <a:highlight>
+                  <a:srgbClr val="FFFFFF"/>
+                </a:highlight>
+                <a:latin typeface="Cascadia Mono" panose="020B0609020000020004" pitchFamily="49" charset="0"/>
+              </a:rPr>
+              <a:t>;</a:t>
+            </a:r>
+          </a:p>
+          <a:p>
+            <a:r>
+              <a:rPr lang="en-US" sz="1800" dirty="0">
+                <a:solidFill>
+                  <a:srgbClr val="000000"/>
+                </a:solidFill>
+                <a:highlight>
+                  <a:srgbClr val="FFFFFF"/>
+                </a:highlight>
+                <a:latin typeface="Cascadia Mono" panose="020B0609020000020004" pitchFamily="49" charset="0"/>
+              </a:rPr>
+              <a:t>        _</a:t>
+            </a:r>
+            <a:r>
+              <a:rPr lang="en-US" sz="1800" dirty="0" err="1">
+                <a:solidFill>
+                  <a:srgbClr val="000000"/>
+                </a:solidFill>
+                <a:highlight>
+                  <a:srgbClr val="FFFFFF"/>
+                </a:highlight>
+                <a:latin typeface="Cascadia Mono" panose="020B0609020000020004" pitchFamily="49" charset="0"/>
+              </a:rPr>
+              <a:t>characterController</a:t>
+            </a:r>
+            <a:r>
+              <a:rPr lang="en-US" sz="1800" dirty="0">
+                <a:solidFill>
+                  <a:srgbClr val="000000"/>
+                </a:solidFill>
+                <a:highlight>
+                  <a:srgbClr val="FFFFFF"/>
+                </a:highlight>
+                <a:latin typeface="Cascadia Mono" panose="020B0609020000020004" pitchFamily="49" charset="0"/>
+              </a:rPr>
+              <a:t> = </a:t>
+            </a:r>
+            <a:r>
+              <a:rPr lang="en-US" sz="1800" dirty="0" err="1">
+                <a:solidFill>
+                  <a:srgbClr val="000000"/>
+                </a:solidFill>
+                <a:highlight>
+                  <a:srgbClr val="FFFFFF"/>
+                </a:highlight>
+                <a:latin typeface="Cascadia Mono" panose="020B0609020000020004" pitchFamily="49" charset="0"/>
+              </a:rPr>
+              <a:t>GetComponent</a:t>
+            </a:r>
+            <a:r>
+              <a:rPr lang="en-US" sz="1800" dirty="0">
+                <a:solidFill>
+                  <a:srgbClr val="000000"/>
+                </a:solidFill>
+                <a:highlight>
+                  <a:srgbClr val="FFFFFF"/>
+                </a:highlight>
+                <a:latin typeface="Cascadia Mono" panose="020B0609020000020004" pitchFamily="49" charset="0"/>
+              </a:rPr>
+              <a:t>&lt;</a:t>
+            </a:r>
+            <a:r>
+              <a:rPr lang="en-US" sz="1800" dirty="0" err="1">
+                <a:solidFill>
+                  <a:srgbClr val="000000"/>
+                </a:solidFill>
+                <a:highlight>
+                  <a:srgbClr val="FFFFFF"/>
+                </a:highlight>
+                <a:latin typeface="Cascadia Mono" panose="020B0609020000020004" pitchFamily="49" charset="0"/>
+              </a:rPr>
+              <a:t>CharacterController</a:t>
+            </a:r>
+            <a:r>
+              <a:rPr lang="en-US" sz="1800" dirty="0">
+                <a:solidFill>
+                  <a:srgbClr val="000000"/>
+                </a:solidFill>
+                <a:highlight>
+                  <a:srgbClr val="FFFFFF"/>
+                </a:highlight>
+                <a:latin typeface="Cascadia Mono" panose="020B0609020000020004" pitchFamily="49" charset="0"/>
+              </a:rPr>
+              <a:t>&gt;</a:t>
+            </a:r>
+            <a:r>
+              <a:rPr lang="en-US" sz="1800" dirty="0">
+                <a:solidFill>
+                  <a:srgbClr val="9ACD32"/>
+                </a:solidFill>
+                <a:highlight>
+                  <a:srgbClr val="FFFFFF"/>
+                </a:highlight>
+                <a:latin typeface="Cascadia Mono" panose="020B0609020000020004" pitchFamily="49" charset="0"/>
+              </a:rPr>
+              <a:t>()</a:t>
+            </a:r>
+            <a:r>
+              <a:rPr lang="en-US" sz="1800" dirty="0">
+                <a:solidFill>
+                  <a:srgbClr val="000000"/>
+                </a:solidFill>
+                <a:highlight>
+                  <a:srgbClr val="FFFFFF"/>
+                </a:highlight>
+                <a:latin typeface="Cascadia Mono" panose="020B0609020000020004" pitchFamily="49" charset="0"/>
+              </a:rPr>
+              <a:t>;</a:t>
+            </a:r>
+          </a:p>
+          <a:p>
+            <a:r>
+              <a:rPr lang="en-US" sz="1800" dirty="0">
+                <a:solidFill>
+                  <a:srgbClr val="000000"/>
+                </a:solidFill>
+                <a:highlight>
+                  <a:srgbClr val="FFFFFF"/>
+                </a:highlight>
+                <a:latin typeface="Cascadia Mono" panose="020B0609020000020004" pitchFamily="49" charset="0"/>
+              </a:rPr>
+              <a:t>        _</a:t>
+            </a:r>
+            <a:r>
+              <a:rPr lang="en-US" sz="1800" dirty="0" err="1">
+                <a:solidFill>
+                  <a:srgbClr val="000000"/>
+                </a:solidFill>
+                <a:highlight>
+                  <a:srgbClr val="FFFFFF"/>
+                </a:highlight>
+                <a:latin typeface="Cascadia Mono" panose="020B0609020000020004" pitchFamily="49" charset="0"/>
+              </a:rPr>
+              <a:t>previousPosition</a:t>
+            </a:r>
+            <a:r>
+              <a:rPr lang="en-US" sz="1800" dirty="0">
+                <a:solidFill>
+                  <a:srgbClr val="000000"/>
+                </a:solidFill>
+                <a:highlight>
+                  <a:srgbClr val="FFFFFF"/>
+                </a:highlight>
+                <a:latin typeface="Cascadia Mono" panose="020B0609020000020004" pitchFamily="49" charset="0"/>
+              </a:rPr>
+              <a:t> = </a:t>
+            </a:r>
+            <a:r>
+              <a:rPr lang="en-US" sz="1800" dirty="0" err="1">
+                <a:solidFill>
+                  <a:srgbClr val="000000"/>
+                </a:solidFill>
+                <a:highlight>
+                  <a:srgbClr val="FFFFFF"/>
+                </a:highlight>
+                <a:latin typeface="Cascadia Mono" panose="020B0609020000020004" pitchFamily="49" charset="0"/>
+              </a:rPr>
+              <a:t>transform.position</a:t>
+            </a:r>
+            <a:r>
+              <a:rPr lang="en-US" sz="1800" dirty="0">
+                <a:solidFill>
+                  <a:srgbClr val="000000"/>
+                </a:solidFill>
+                <a:highlight>
+                  <a:srgbClr val="FFFFFF"/>
+                </a:highlight>
+                <a:latin typeface="Cascadia Mono" panose="020B0609020000020004" pitchFamily="49" charset="0"/>
+              </a:rPr>
+              <a:t>;</a:t>
+            </a:r>
+          </a:p>
+          <a:p>
+            <a:r>
+              <a:rPr lang="en-SE" sz="1800" dirty="0">
+                <a:solidFill>
+                  <a:srgbClr val="000000"/>
+                </a:solidFill>
+                <a:highlight>
+                  <a:srgbClr val="FFFFFF"/>
+                </a:highlight>
+                <a:latin typeface="Cascadia Mono" panose="020B0609020000020004" pitchFamily="49" charset="0"/>
+              </a:rPr>
+              <a:t>    </a:t>
+            </a:r>
+            <a:r>
+              <a:rPr lang="en-SE" sz="1800" dirty="0">
+                <a:solidFill>
+                  <a:srgbClr val="FF1493"/>
+                </a:solidFill>
+                <a:highlight>
+                  <a:srgbClr val="FFFFFF"/>
+                </a:highlight>
+                <a:latin typeface="Cascadia Mono" panose="020B0609020000020004" pitchFamily="49" charset="0"/>
+              </a:rPr>
+              <a:t>}</a:t>
+            </a:r>
+            <a:endParaRPr lang="en-SE" sz="1800" dirty="0">
+              <a:solidFill>
+                <a:srgbClr val="000000"/>
+              </a:solidFill>
+              <a:highlight>
+                <a:srgbClr val="FFFFFF"/>
+              </a:highlight>
+              <a:latin typeface="Cascadia Mono" panose="020B0609020000020004" pitchFamily="49" charset="0"/>
+            </a:endParaRPr>
+          </a:p>
+          <a:p>
+            <a:endParaRPr lang="en-SE" sz="1800" dirty="0">
+              <a:solidFill>
+                <a:srgbClr val="000000"/>
+              </a:solidFill>
+              <a:highlight>
+                <a:srgbClr val="FFFFFF"/>
+              </a:highlight>
+              <a:latin typeface="Cascadia Mono" panose="020B0609020000020004" pitchFamily="49" charset="0"/>
+            </a:endParaRPr>
+          </a:p>
+          <a:p>
+            <a:r>
+              <a:rPr lang="en-US" sz="1800" dirty="0">
+                <a:solidFill>
+                  <a:srgbClr val="000000"/>
+                </a:solidFill>
+                <a:highlight>
+                  <a:srgbClr val="FFFFFF"/>
+                </a:highlight>
+                <a:latin typeface="Cascadia Mono" panose="020B0609020000020004" pitchFamily="49" charset="0"/>
+              </a:rPr>
+              <a:t>    </a:t>
+            </a:r>
+            <a:r>
+              <a:rPr lang="en-US" sz="1800" dirty="0">
+                <a:solidFill>
+                  <a:srgbClr val="008000"/>
+                </a:solidFill>
+                <a:highlight>
+                  <a:srgbClr val="FFFFFF"/>
+                </a:highlight>
+                <a:latin typeface="Cascadia Mono" panose="020B0609020000020004" pitchFamily="49" charset="0"/>
+              </a:rPr>
+              <a:t>// Update is called once per frame</a:t>
+            </a:r>
+            <a:endParaRPr lang="en-US" sz="1800" dirty="0">
+              <a:solidFill>
+                <a:srgbClr val="000000"/>
+              </a:solidFill>
+              <a:highlight>
+                <a:srgbClr val="FFFFFF"/>
+              </a:highlight>
+              <a:latin typeface="Cascadia Mono" panose="020B0609020000020004" pitchFamily="49" charset="0"/>
+            </a:endParaRPr>
+          </a:p>
+          <a:p>
+            <a:r>
+              <a:rPr lang="en-US" sz="1800" dirty="0">
+                <a:solidFill>
+                  <a:srgbClr val="000000"/>
+                </a:solidFill>
+                <a:highlight>
+                  <a:srgbClr val="FFFFFF"/>
+                </a:highlight>
+                <a:latin typeface="Cascadia Mono" panose="020B0609020000020004" pitchFamily="49" charset="0"/>
+              </a:rPr>
+              <a:t>    </a:t>
+            </a:r>
+            <a:r>
+              <a:rPr lang="en-US" sz="1800" dirty="0">
+                <a:solidFill>
+                  <a:srgbClr val="0000FF"/>
+                </a:solidFill>
+                <a:highlight>
+                  <a:srgbClr val="FFFFFF"/>
+                </a:highlight>
+                <a:latin typeface="Cascadia Mono" panose="020B0609020000020004" pitchFamily="49" charset="0"/>
+              </a:rPr>
+              <a:t>void</a:t>
+            </a:r>
+            <a:r>
+              <a:rPr lang="en-US" sz="1800" dirty="0">
+                <a:solidFill>
+                  <a:srgbClr val="000000"/>
+                </a:solidFill>
+                <a:highlight>
+                  <a:srgbClr val="FFFFFF"/>
+                </a:highlight>
+                <a:latin typeface="Cascadia Mono" panose="020B0609020000020004" pitchFamily="49" charset="0"/>
+              </a:rPr>
+              <a:t> Update</a:t>
+            </a:r>
+            <a:r>
+              <a:rPr lang="en-US" sz="1800" dirty="0">
+                <a:solidFill>
+                  <a:srgbClr val="FF1493"/>
+                </a:solidFill>
+                <a:highlight>
+                  <a:srgbClr val="FFFFFF"/>
+                </a:highlight>
+                <a:latin typeface="Cascadia Mono" panose="020B0609020000020004" pitchFamily="49" charset="0"/>
+              </a:rPr>
+              <a:t>()</a:t>
+            </a:r>
+            <a:endParaRPr lang="en-US" sz="1800" dirty="0">
+              <a:solidFill>
+                <a:srgbClr val="000000"/>
+              </a:solidFill>
+              <a:highlight>
+                <a:srgbClr val="FFFFFF"/>
+              </a:highlight>
+              <a:latin typeface="Cascadia Mono" panose="020B0609020000020004" pitchFamily="49" charset="0"/>
+            </a:endParaRPr>
+          </a:p>
+          <a:p>
+            <a:r>
+              <a:rPr lang="en-SE" sz="1800" dirty="0">
+                <a:solidFill>
+                  <a:srgbClr val="000000"/>
+                </a:solidFill>
+                <a:highlight>
+                  <a:srgbClr val="FFFFFF"/>
+                </a:highlight>
+                <a:latin typeface="Cascadia Mono" panose="020B0609020000020004" pitchFamily="49" charset="0"/>
+              </a:rPr>
+              <a:t>    </a:t>
+            </a:r>
+            <a:r>
+              <a:rPr lang="en-SE" sz="1800" dirty="0">
+                <a:solidFill>
+                  <a:srgbClr val="FF1493"/>
+                </a:solidFill>
+                <a:highlight>
+                  <a:srgbClr val="FFFFFF"/>
+                </a:highlight>
+                <a:latin typeface="Cascadia Mono" panose="020B0609020000020004" pitchFamily="49" charset="0"/>
+              </a:rPr>
+              <a:t>{</a:t>
+            </a:r>
+            <a:endParaRPr lang="en-SE" sz="1800" dirty="0">
+              <a:solidFill>
+                <a:srgbClr val="000000"/>
+              </a:solidFill>
+              <a:highlight>
+                <a:srgbClr val="FFFFFF"/>
+              </a:highlight>
+              <a:latin typeface="Cascadia Mono" panose="020B0609020000020004" pitchFamily="49" charset="0"/>
+            </a:endParaRPr>
+          </a:p>
+          <a:p>
+            <a:r>
+              <a:rPr lang="en-US" sz="1800" dirty="0">
+                <a:solidFill>
+                  <a:srgbClr val="000000"/>
+                </a:solidFill>
+                <a:highlight>
+                  <a:srgbClr val="FFFFFF"/>
+                </a:highlight>
+                <a:latin typeface="Cascadia Mono" panose="020B0609020000020004" pitchFamily="49" charset="0"/>
+              </a:rPr>
+              <a:t>        </a:t>
+            </a:r>
+            <a:r>
+              <a:rPr lang="en-US" sz="1800" dirty="0">
+                <a:solidFill>
+                  <a:srgbClr val="0000FF"/>
+                </a:solidFill>
+                <a:highlight>
+                  <a:srgbClr val="FFFFFF"/>
+                </a:highlight>
+                <a:latin typeface="Cascadia Mono" panose="020B0609020000020004" pitchFamily="49" charset="0"/>
+              </a:rPr>
+              <a:t>float</a:t>
+            </a:r>
+            <a:r>
+              <a:rPr lang="en-US" sz="1800" dirty="0">
+                <a:solidFill>
+                  <a:srgbClr val="000000"/>
+                </a:solidFill>
+                <a:highlight>
+                  <a:srgbClr val="FFFFFF"/>
+                </a:highlight>
+                <a:latin typeface="Cascadia Mono" panose="020B0609020000020004" pitchFamily="49" charset="0"/>
+              </a:rPr>
+              <a:t> vertical = </a:t>
+            </a:r>
+            <a:r>
+              <a:rPr lang="en-US" sz="1800" dirty="0" err="1">
+                <a:solidFill>
+                  <a:srgbClr val="000000"/>
+                </a:solidFill>
+                <a:highlight>
+                  <a:srgbClr val="FFFFFF"/>
+                </a:highlight>
+                <a:latin typeface="Cascadia Mono" panose="020B0609020000020004" pitchFamily="49" charset="0"/>
+              </a:rPr>
+              <a:t>Input.GetAxis</a:t>
+            </a:r>
+            <a:r>
+              <a:rPr lang="en-US" sz="1800" dirty="0">
+                <a:solidFill>
+                  <a:srgbClr val="9ACD32"/>
+                </a:solidFill>
+                <a:highlight>
+                  <a:srgbClr val="FFFFFF"/>
+                </a:highlight>
+                <a:latin typeface="Cascadia Mono" panose="020B0609020000020004" pitchFamily="49" charset="0"/>
+              </a:rPr>
+              <a:t>(</a:t>
+            </a:r>
+            <a:r>
+              <a:rPr lang="en-US" sz="1800" dirty="0">
+                <a:solidFill>
+                  <a:srgbClr val="A31515"/>
+                </a:solidFill>
+                <a:highlight>
+                  <a:srgbClr val="FFFFFF"/>
+                </a:highlight>
+                <a:latin typeface="Cascadia Mono" panose="020B0609020000020004" pitchFamily="49" charset="0"/>
+              </a:rPr>
+              <a:t>"Vertical"</a:t>
+            </a:r>
+            <a:r>
+              <a:rPr lang="en-US" sz="1800" dirty="0">
+                <a:solidFill>
+                  <a:srgbClr val="9ACD32"/>
+                </a:solidFill>
+                <a:highlight>
+                  <a:srgbClr val="FFFFFF"/>
+                </a:highlight>
+                <a:latin typeface="Cascadia Mono" panose="020B0609020000020004" pitchFamily="49" charset="0"/>
+              </a:rPr>
+              <a:t>)</a:t>
+            </a:r>
+            <a:r>
+              <a:rPr lang="en-US" sz="1800" dirty="0">
+                <a:solidFill>
+                  <a:srgbClr val="000000"/>
+                </a:solidFill>
+                <a:highlight>
+                  <a:srgbClr val="FFFFFF"/>
+                </a:highlight>
+                <a:latin typeface="Cascadia Mono" panose="020B0609020000020004" pitchFamily="49" charset="0"/>
+              </a:rPr>
+              <a:t>;</a:t>
+            </a:r>
+          </a:p>
+          <a:p>
+            <a:r>
+              <a:rPr lang="en-US" sz="1800" dirty="0">
+                <a:solidFill>
+                  <a:srgbClr val="000000"/>
+                </a:solidFill>
+                <a:highlight>
+                  <a:srgbClr val="FFFFFF"/>
+                </a:highlight>
+                <a:latin typeface="Cascadia Mono" panose="020B0609020000020004" pitchFamily="49" charset="0"/>
+              </a:rPr>
+              <a:t>        </a:t>
+            </a:r>
+            <a:r>
+              <a:rPr lang="en-US" sz="1800" dirty="0">
+                <a:solidFill>
+                  <a:srgbClr val="0000FF"/>
+                </a:solidFill>
+                <a:highlight>
+                  <a:srgbClr val="FFFFFF"/>
+                </a:highlight>
+                <a:latin typeface="Cascadia Mono" panose="020B0609020000020004" pitchFamily="49" charset="0"/>
+              </a:rPr>
+              <a:t>float</a:t>
+            </a:r>
+            <a:r>
+              <a:rPr lang="en-US" sz="1800" dirty="0">
+                <a:solidFill>
+                  <a:srgbClr val="000000"/>
+                </a:solidFill>
+                <a:highlight>
+                  <a:srgbClr val="FFFFFF"/>
+                </a:highlight>
+                <a:latin typeface="Cascadia Mono" panose="020B0609020000020004" pitchFamily="49" charset="0"/>
+              </a:rPr>
+              <a:t> horizontal = </a:t>
+            </a:r>
+            <a:r>
+              <a:rPr lang="en-US" sz="1800" dirty="0" err="1">
+                <a:solidFill>
+                  <a:srgbClr val="000000"/>
+                </a:solidFill>
+                <a:highlight>
+                  <a:srgbClr val="FFFFFF"/>
+                </a:highlight>
+                <a:latin typeface="Cascadia Mono" panose="020B0609020000020004" pitchFamily="49" charset="0"/>
+              </a:rPr>
+              <a:t>Input.GetAxis</a:t>
+            </a:r>
+            <a:r>
+              <a:rPr lang="en-US" sz="1800" dirty="0">
+                <a:solidFill>
+                  <a:srgbClr val="9ACD32"/>
+                </a:solidFill>
+                <a:highlight>
+                  <a:srgbClr val="FFFFFF"/>
+                </a:highlight>
+                <a:latin typeface="Cascadia Mono" panose="020B0609020000020004" pitchFamily="49" charset="0"/>
+              </a:rPr>
+              <a:t>(</a:t>
+            </a:r>
+            <a:r>
+              <a:rPr lang="en-US" sz="1800" dirty="0">
+                <a:solidFill>
+                  <a:srgbClr val="A31515"/>
+                </a:solidFill>
+                <a:highlight>
+                  <a:srgbClr val="FFFFFF"/>
+                </a:highlight>
+                <a:latin typeface="Cascadia Mono" panose="020B0609020000020004" pitchFamily="49" charset="0"/>
+              </a:rPr>
+              <a:t>"Horizontal"</a:t>
+            </a:r>
+            <a:r>
+              <a:rPr lang="en-US" sz="1800" dirty="0">
+                <a:solidFill>
+                  <a:srgbClr val="9ACD32"/>
+                </a:solidFill>
+                <a:highlight>
+                  <a:srgbClr val="FFFFFF"/>
+                </a:highlight>
+                <a:latin typeface="Cascadia Mono" panose="020B0609020000020004" pitchFamily="49" charset="0"/>
+              </a:rPr>
+              <a:t>)</a:t>
+            </a:r>
+            <a:r>
+              <a:rPr lang="en-US" sz="1800" dirty="0">
+                <a:solidFill>
+                  <a:srgbClr val="000000"/>
+                </a:solidFill>
+                <a:highlight>
+                  <a:srgbClr val="FFFFFF"/>
+                </a:highlight>
+                <a:latin typeface="Cascadia Mono" panose="020B0609020000020004" pitchFamily="49" charset="0"/>
+              </a:rPr>
+              <a:t>;</a:t>
+            </a:r>
+          </a:p>
+          <a:p>
+            <a:r>
+              <a:rPr lang="en-US" sz="1800" dirty="0">
+                <a:solidFill>
+                  <a:srgbClr val="000000"/>
+                </a:solidFill>
+                <a:highlight>
+                  <a:srgbClr val="FFFFFF"/>
+                </a:highlight>
+                <a:latin typeface="Cascadia Mono" panose="020B0609020000020004" pitchFamily="49" charset="0"/>
+              </a:rPr>
+              <a:t>        </a:t>
+            </a:r>
+            <a:r>
+              <a:rPr lang="en-US" sz="1800" dirty="0">
+                <a:solidFill>
+                  <a:srgbClr val="0000FF"/>
+                </a:solidFill>
+                <a:highlight>
+                  <a:srgbClr val="FFFFFF"/>
+                </a:highlight>
+                <a:latin typeface="Cascadia Mono" panose="020B0609020000020004" pitchFamily="49" charset="0"/>
+              </a:rPr>
+              <a:t>if</a:t>
+            </a:r>
+            <a:r>
+              <a:rPr lang="en-US" sz="1800" dirty="0">
+                <a:solidFill>
+                  <a:srgbClr val="000000"/>
+                </a:solidFill>
+                <a:highlight>
+                  <a:srgbClr val="FFFFFF"/>
+                </a:highlight>
+                <a:latin typeface="Cascadia Mono" panose="020B0609020000020004" pitchFamily="49" charset="0"/>
+              </a:rPr>
+              <a:t> </a:t>
+            </a:r>
+            <a:r>
+              <a:rPr lang="en-US" sz="1800" dirty="0">
+                <a:solidFill>
+                  <a:srgbClr val="9ACD32"/>
+                </a:solidFill>
+                <a:highlight>
+                  <a:srgbClr val="FFFFFF"/>
+                </a:highlight>
+                <a:latin typeface="Cascadia Mono" panose="020B0609020000020004" pitchFamily="49" charset="0"/>
+              </a:rPr>
+              <a:t>(</a:t>
+            </a:r>
+            <a:r>
+              <a:rPr lang="en-US" sz="1800" dirty="0" err="1">
+                <a:solidFill>
+                  <a:srgbClr val="000000"/>
+                </a:solidFill>
+                <a:highlight>
+                  <a:srgbClr val="FFFFFF"/>
+                </a:highlight>
+                <a:latin typeface="Cascadia Mono" panose="020B0609020000020004" pitchFamily="49" charset="0"/>
+              </a:rPr>
+              <a:t>Input.GetKeyDown</a:t>
+            </a:r>
+            <a:r>
+              <a:rPr lang="en-US" sz="1800" dirty="0">
+                <a:solidFill>
+                  <a:srgbClr val="9400D3"/>
+                </a:solidFill>
+                <a:highlight>
+                  <a:srgbClr val="FFFFFF"/>
+                </a:highlight>
+                <a:latin typeface="Cascadia Mono" panose="020B0609020000020004" pitchFamily="49" charset="0"/>
+              </a:rPr>
+              <a:t>(</a:t>
+            </a:r>
+            <a:r>
+              <a:rPr lang="en-US" sz="1800" dirty="0" err="1">
+                <a:solidFill>
+                  <a:srgbClr val="000000"/>
+                </a:solidFill>
+                <a:highlight>
+                  <a:srgbClr val="FFFFFF"/>
+                </a:highlight>
+                <a:latin typeface="Cascadia Mono" panose="020B0609020000020004" pitchFamily="49" charset="0"/>
+              </a:rPr>
+              <a:t>KeyCode.Z</a:t>
+            </a:r>
+            <a:r>
+              <a:rPr lang="en-US" sz="1800" dirty="0">
+                <a:solidFill>
+                  <a:srgbClr val="9400D3"/>
+                </a:solidFill>
+                <a:highlight>
+                  <a:srgbClr val="FFFFFF"/>
+                </a:highlight>
+                <a:latin typeface="Cascadia Mono" panose="020B0609020000020004" pitchFamily="49" charset="0"/>
+              </a:rPr>
+              <a:t>)</a:t>
+            </a:r>
+            <a:r>
+              <a:rPr lang="en-US" sz="1800" dirty="0">
+                <a:solidFill>
+                  <a:srgbClr val="9ACD32"/>
+                </a:solidFill>
+                <a:highlight>
+                  <a:srgbClr val="FFFFFF"/>
+                </a:highlight>
+                <a:latin typeface="Cascadia Mono" panose="020B0609020000020004" pitchFamily="49" charset="0"/>
+              </a:rPr>
+              <a:t>)</a:t>
+            </a:r>
+            <a:endParaRPr lang="en-US" sz="1800" dirty="0">
+              <a:solidFill>
+                <a:srgbClr val="000000"/>
+              </a:solidFill>
+              <a:highlight>
+                <a:srgbClr val="FFFFFF"/>
+              </a:highlight>
+              <a:latin typeface="Cascadia Mono" panose="020B0609020000020004" pitchFamily="49" charset="0"/>
+            </a:endParaRPr>
+          </a:p>
+          <a:p>
+            <a:r>
+              <a:rPr lang="en-SE" sz="1800" dirty="0">
+                <a:solidFill>
+                  <a:srgbClr val="000000"/>
+                </a:solidFill>
+                <a:highlight>
+                  <a:srgbClr val="FFFFFF"/>
+                </a:highlight>
+                <a:latin typeface="Cascadia Mono" panose="020B0609020000020004" pitchFamily="49" charset="0"/>
+              </a:rPr>
+              <a:t>        </a:t>
+            </a:r>
+            <a:r>
+              <a:rPr lang="en-SE" sz="1800" dirty="0">
+                <a:solidFill>
+                  <a:srgbClr val="9ACD32"/>
+                </a:solidFill>
+                <a:highlight>
+                  <a:srgbClr val="FFFFFF"/>
+                </a:highlight>
+                <a:latin typeface="Cascadia Mono" panose="020B0609020000020004" pitchFamily="49" charset="0"/>
+              </a:rPr>
+              <a:t>{</a:t>
+            </a:r>
+            <a:endParaRPr lang="en-SE" sz="1800" dirty="0">
+              <a:solidFill>
+                <a:srgbClr val="000000"/>
+              </a:solidFill>
+              <a:highlight>
+                <a:srgbClr val="FFFFFF"/>
+              </a:highlight>
+              <a:latin typeface="Cascadia Mono" panose="020B0609020000020004" pitchFamily="49" charset="0"/>
+            </a:endParaRPr>
+          </a:p>
+          <a:p>
+            <a:r>
+              <a:rPr lang="en-US" sz="1800" dirty="0">
+                <a:solidFill>
+                  <a:srgbClr val="000000"/>
+                </a:solidFill>
+                <a:highlight>
+                  <a:srgbClr val="FFFFFF"/>
+                </a:highlight>
+                <a:latin typeface="Cascadia Mono" panose="020B0609020000020004" pitchFamily="49" charset="0"/>
+              </a:rPr>
+              <a:t>            _</a:t>
+            </a:r>
+            <a:r>
+              <a:rPr lang="en-US" sz="1800" dirty="0" err="1">
+                <a:solidFill>
+                  <a:srgbClr val="000000"/>
+                </a:solidFill>
+                <a:highlight>
+                  <a:srgbClr val="FFFFFF"/>
+                </a:highlight>
+                <a:latin typeface="Cascadia Mono" panose="020B0609020000020004" pitchFamily="49" charset="0"/>
+              </a:rPr>
+              <a:t>animator.SetTrigger</a:t>
+            </a:r>
+            <a:r>
+              <a:rPr lang="en-US" sz="1800" dirty="0">
+                <a:solidFill>
+                  <a:srgbClr val="9400D3"/>
+                </a:solidFill>
+                <a:highlight>
+                  <a:srgbClr val="FFFFFF"/>
+                </a:highlight>
+                <a:latin typeface="Cascadia Mono" panose="020B0609020000020004" pitchFamily="49" charset="0"/>
+              </a:rPr>
+              <a:t>(</a:t>
+            </a:r>
+            <a:r>
+              <a:rPr lang="en-US" sz="1800" dirty="0">
+                <a:solidFill>
+                  <a:srgbClr val="A31515"/>
+                </a:solidFill>
+                <a:highlight>
+                  <a:srgbClr val="FFFFFF"/>
+                </a:highlight>
+                <a:latin typeface="Cascadia Mono" panose="020B0609020000020004" pitchFamily="49" charset="0"/>
+              </a:rPr>
+              <a:t>"wave"</a:t>
+            </a:r>
+            <a:r>
+              <a:rPr lang="en-US" sz="1800" dirty="0">
+                <a:solidFill>
+                  <a:srgbClr val="9400D3"/>
+                </a:solidFill>
+                <a:highlight>
+                  <a:srgbClr val="FFFFFF"/>
+                </a:highlight>
+                <a:latin typeface="Cascadia Mono" panose="020B0609020000020004" pitchFamily="49" charset="0"/>
+              </a:rPr>
+              <a:t>)</a:t>
+            </a:r>
+            <a:r>
+              <a:rPr lang="en-US" sz="1800" dirty="0">
+                <a:solidFill>
+                  <a:srgbClr val="000000"/>
+                </a:solidFill>
+                <a:highlight>
+                  <a:srgbClr val="FFFFFF"/>
+                </a:highlight>
+                <a:latin typeface="Cascadia Mono" panose="020B0609020000020004" pitchFamily="49" charset="0"/>
+              </a:rPr>
+              <a:t>;</a:t>
+            </a:r>
+          </a:p>
+          <a:p>
+            <a:r>
+              <a:rPr lang="en-SE" sz="1800" dirty="0">
+                <a:solidFill>
+                  <a:srgbClr val="000000"/>
+                </a:solidFill>
+                <a:highlight>
+                  <a:srgbClr val="FFFFFF"/>
+                </a:highlight>
+                <a:latin typeface="Cascadia Mono" panose="020B0609020000020004" pitchFamily="49" charset="0"/>
+              </a:rPr>
+              <a:t>        </a:t>
+            </a:r>
+            <a:r>
+              <a:rPr lang="en-SE" sz="1800" dirty="0">
+                <a:solidFill>
+                  <a:srgbClr val="9ACD32"/>
+                </a:solidFill>
+                <a:highlight>
+                  <a:srgbClr val="FFFFFF"/>
+                </a:highlight>
+                <a:latin typeface="Cascadia Mono" panose="020B0609020000020004" pitchFamily="49" charset="0"/>
+              </a:rPr>
+              <a:t>}</a:t>
+            </a:r>
+            <a:endParaRPr lang="en-SE" sz="1800" dirty="0">
+              <a:solidFill>
+                <a:srgbClr val="000000"/>
+              </a:solidFill>
+              <a:highlight>
+                <a:srgbClr val="FFFFFF"/>
+              </a:highlight>
+              <a:latin typeface="Cascadia Mono" panose="020B0609020000020004" pitchFamily="49" charset="0"/>
+            </a:endParaRPr>
+          </a:p>
+          <a:p>
+            <a:r>
+              <a:rPr lang="en-US" sz="1800" dirty="0">
+                <a:solidFill>
+                  <a:srgbClr val="000000"/>
+                </a:solidFill>
+                <a:highlight>
+                  <a:srgbClr val="FFFFFF"/>
+                </a:highlight>
+                <a:latin typeface="Cascadia Mono" panose="020B0609020000020004" pitchFamily="49" charset="0"/>
+              </a:rPr>
+              <a:t>        _</a:t>
+            </a:r>
+            <a:r>
+              <a:rPr lang="en-US" sz="1800" dirty="0" err="1">
+                <a:solidFill>
+                  <a:srgbClr val="000000"/>
+                </a:solidFill>
+                <a:highlight>
+                  <a:srgbClr val="FFFFFF"/>
+                </a:highlight>
+                <a:latin typeface="Cascadia Mono" panose="020B0609020000020004" pitchFamily="49" charset="0"/>
+              </a:rPr>
+              <a:t>characterController.Move</a:t>
+            </a:r>
+            <a:r>
+              <a:rPr lang="en-US" sz="1800" dirty="0">
+                <a:solidFill>
+                  <a:srgbClr val="9ACD32"/>
+                </a:solidFill>
+                <a:highlight>
+                  <a:srgbClr val="FFFFFF"/>
+                </a:highlight>
+                <a:latin typeface="Cascadia Mono" panose="020B0609020000020004" pitchFamily="49" charset="0"/>
+              </a:rPr>
+              <a:t>(</a:t>
+            </a:r>
+            <a:r>
+              <a:rPr lang="en-US" sz="1800" dirty="0" err="1">
+                <a:solidFill>
+                  <a:srgbClr val="000000"/>
+                </a:solidFill>
+                <a:highlight>
+                  <a:srgbClr val="FFFFFF"/>
+                </a:highlight>
+                <a:latin typeface="Cascadia Mono" panose="020B0609020000020004" pitchFamily="49" charset="0"/>
+              </a:rPr>
+              <a:t>transform.forward</a:t>
+            </a:r>
+            <a:r>
+              <a:rPr lang="en-US" sz="1800" dirty="0">
+                <a:solidFill>
+                  <a:srgbClr val="000000"/>
+                </a:solidFill>
+                <a:highlight>
+                  <a:srgbClr val="FFFFFF"/>
+                </a:highlight>
+                <a:latin typeface="Cascadia Mono" panose="020B0609020000020004" pitchFamily="49" charset="0"/>
+              </a:rPr>
+              <a:t> * </a:t>
+            </a:r>
+            <a:r>
+              <a:rPr lang="en-US" sz="1800" dirty="0">
+                <a:solidFill>
+                  <a:srgbClr val="9400D3"/>
+                </a:solidFill>
+                <a:highlight>
+                  <a:srgbClr val="FFFFFF"/>
+                </a:highlight>
+                <a:latin typeface="Cascadia Mono" panose="020B0609020000020004" pitchFamily="49" charset="0"/>
+              </a:rPr>
+              <a:t>(</a:t>
+            </a:r>
+            <a:r>
+              <a:rPr lang="en-US" sz="1800" dirty="0">
+                <a:solidFill>
+                  <a:srgbClr val="000000"/>
+                </a:solidFill>
+                <a:highlight>
+                  <a:srgbClr val="FFFFFF"/>
+                </a:highlight>
+                <a:latin typeface="Cascadia Mono" panose="020B0609020000020004" pitchFamily="49" charset="0"/>
+              </a:rPr>
+              <a:t>vertical * </a:t>
+            </a:r>
+            <a:r>
+              <a:rPr lang="en-US" sz="1800" dirty="0" err="1">
+                <a:solidFill>
+                  <a:srgbClr val="000000"/>
+                </a:solidFill>
+                <a:highlight>
+                  <a:srgbClr val="FFFFFF"/>
+                </a:highlight>
+                <a:latin typeface="Cascadia Mono" panose="020B0609020000020004" pitchFamily="49" charset="0"/>
+              </a:rPr>
+              <a:t>MovementSpeed</a:t>
+            </a:r>
+            <a:r>
+              <a:rPr lang="en-US" sz="1800" dirty="0">
+                <a:solidFill>
+                  <a:srgbClr val="000000"/>
+                </a:solidFill>
+                <a:highlight>
+                  <a:srgbClr val="FFFFFF"/>
+                </a:highlight>
+                <a:latin typeface="Cascadia Mono" panose="020B0609020000020004" pitchFamily="49" charset="0"/>
+              </a:rPr>
+              <a:t> * </a:t>
+            </a:r>
+            <a:r>
+              <a:rPr lang="en-US" sz="1800" dirty="0" err="1">
+                <a:solidFill>
+                  <a:srgbClr val="000000"/>
+                </a:solidFill>
+                <a:highlight>
+                  <a:srgbClr val="FFFFFF"/>
+                </a:highlight>
+                <a:latin typeface="Cascadia Mono" panose="020B0609020000020004" pitchFamily="49" charset="0"/>
+              </a:rPr>
+              <a:t>Time.deltaTime</a:t>
+            </a:r>
+            <a:r>
+              <a:rPr lang="en-US" sz="1800" dirty="0">
+                <a:solidFill>
+                  <a:srgbClr val="9400D3"/>
+                </a:solidFill>
+                <a:highlight>
+                  <a:srgbClr val="FFFFFF"/>
+                </a:highlight>
+                <a:latin typeface="Cascadia Mono" panose="020B0609020000020004" pitchFamily="49" charset="0"/>
+              </a:rPr>
+              <a:t>)</a:t>
+            </a:r>
+            <a:r>
+              <a:rPr lang="en-US" sz="1800" dirty="0">
+                <a:solidFill>
+                  <a:srgbClr val="9ACD32"/>
+                </a:solidFill>
+                <a:highlight>
+                  <a:srgbClr val="FFFFFF"/>
+                </a:highlight>
+                <a:latin typeface="Cascadia Mono" panose="020B0609020000020004" pitchFamily="49" charset="0"/>
+              </a:rPr>
+              <a:t>)</a:t>
+            </a:r>
+            <a:r>
+              <a:rPr lang="en-US" sz="1800" dirty="0">
+                <a:solidFill>
+                  <a:srgbClr val="000000"/>
+                </a:solidFill>
+                <a:highlight>
+                  <a:srgbClr val="FFFFFF"/>
+                </a:highlight>
+                <a:latin typeface="Cascadia Mono" panose="020B0609020000020004" pitchFamily="49" charset="0"/>
+              </a:rPr>
+              <a:t>;</a:t>
+            </a:r>
+          </a:p>
+          <a:p>
+            <a:r>
+              <a:rPr lang="en-US" sz="1800" dirty="0">
+                <a:solidFill>
+                  <a:srgbClr val="000000"/>
+                </a:solidFill>
+                <a:highlight>
+                  <a:srgbClr val="FFFFFF"/>
+                </a:highlight>
+                <a:latin typeface="Cascadia Mono" panose="020B0609020000020004" pitchFamily="49" charset="0"/>
+              </a:rPr>
+              <a:t>        Vector3 </a:t>
+            </a:r>
+            <a:r>
+              <a:rPr lang="en-US" sz="1800" dirty="0" err="1">
+                <a:solidFill>
+                  <a:srgbClr val="000000"/>
+                </a:solidFill>
+                <a:highlight>
+                  <a:srgbClr val="FFFFFF"/>
+                </a:highlight>
+                <a:latin typeface="Cascadia Mono" panose="020B0609020000020004" pitchFamily="49" charset="0"/>
+              </a:rPr>
+              <a:t>movementFromLastFrame</a:t>
+            </a:r>
+            <a:r>
+              <a:rPr lang="en-US" sz="1800" dirty="0">
+                <a:solidFill>
+                  <a:srgbClr val="000000"/>
+                </a:solidFill>
+                <a:highlight>
+                  <a:srgbClr val="FFFFFF"/>
+                </a:highlight>
+                <a:latin typeface="Cascadia Mono" panose="020B0609020000020004" pitchFamily="49" charset="0"/>
+              </a:rPr>
+              <a:t> = </a:t>
+            </a:r>
+            <a:r>
+              <a:rPr lang="en-US" sz="1800" dirty="0" err="1">
+                <a:solidFill>
+                  <a:srgbClr val="000000"/>
+                </a:solidFill>
+                <a:highlight>
+                  <a:srgbClr val="FFFFFF"/>
+                </a:highlight>
+                <a:latin typeface="Cascadia Mono" panose="020B0609020000020004" pitchFamily="49" charset="0"/>
+              </a:rPr>
+              <a:t>transform.position</a:t>
+            </a:r>
+            <a:r>
+              <a:rPr lang="en-US" sz="1800" dirty="0">
+                <a:solidFill>
+                  <a:srgbClr val="000000"/>
+                </a:solidFill>
+                <a:highlight>
+                  <a:srgbClr val="FFFFFF"/>
+                </a:highlight>
+                <a:latin typeface="Cascadia Mono" panose="020B0609020000020004" pitchFamily="49" charset="0"/>
+              </a:rPr>
+              <a:t> - _</a:t>
+            </a:r>
+            <a:r>
+              <a:rPr lang="en-US" sz="1800" dirty="0" err="1">
+                <a:solidFill>
+                  <a:srgbClr val="000000"/>
+                </a:solidFill>
+                <a:highlight>
+                  <a:srgbClr val="FFFFFF"/>
+                </a:highlight>
+                <a:latin typeface="Cascadia Mono" panose="020B0609020000020004" pitchFamily="49" charset="0"/>
+              </a:rPr>
+              <a:t>previousPosition</a:t>
+            </a:r>
+            <a:r>
+              <a:rPr lang="en-US" sz="1800" dirty="0">
+                <a:solidFill>
+                  <a:srgbClr val="000000"/>
+                </a:solidFill>
+                <a:highlight>
+                  <a:srgbClr val="FFFFFF"/>
+                </a:highlight>
+                <a:latin typeface="Cascadia Mono" panose="020B0609020000020004" pitchFamily="49" charset="0"/>
+              </a:rPr>
+              <a:t>;</a:t>
+            </a:r>
+          </a:p>
+          <a:p>
+            <a:r>
+              <a:rPr lang="en-US" sz="1800" dirty="0">
+                <a:solidFill>
+                  <a:srgbClr val="000000"/>
+                </a:solidFill>
+                <a:highlight>
+                  <a:srgbClr val="FFFFFF"/>
+                </a:highlight>
+                <a:latin typeface="Cascadia Mono" panose="020B0609020000020004" pitchFamily="49" charset="0"/>
+              </a:rPr>
+              <a:t>        </a:t>
+            </a:r>
+            <a:r>
+              <a:rPr lang="en-US" sz="1800" dirty="0" err="1">
+                <a:solidFill>
+                  <a:srgbClr val="000000"/>
+                </a:solidFill>
+                <a:highlight>
+                  <a:srgbClr val="FFFFFF"/>
+                </a:highlight>
+                <a:latin typeface="Cascadia Mono" panose="020B0609020000020004" pitchFamily="49" charset="0"/>
+              </a:rPr>
+              <a:t>movementFromLastFrame.y</a:t>
+            </a:r>
+            <a:r>
+              <a:rPr lang="en-US" sz="1800" dirty="0">
+                <a:solidFill>
+                  <a:srgbClr val="000000"/>
+                </a:solidFill>
+                <a:highlight>
+                  <a:srgbClr val="FFFFFF"/>
+                </a:highlight>
+                <a:latin typeface="Cascadia Mono" panose="020B0609020000020004" pitchFamily="49" charset="0"/>
+              </a:rPr>
+              <a:t> = 0;</a:t>
+            </a:r>
+          </a:p>
+          <a:p>
+            <a:r>
+              <a:rPr lang="en-US" sz="1800" dirty="0">
+                <a:solidFill>
+                  <a:srgbClr val="000000"/>
+                </a:solidFill>
+                <a:highlight>
+                  <a:srgbClr val="FFFFFF"/>
+                </a:highlight>
+                <a:latin typeface="Cascadia Mono" panose="020B0609020000020004" pitchFamily="49" charset="0"/>
+              </a:rPr>
+              <a:t>        </a:t>
+            </a:r>
+            <a:r>
+              <a:rPr lang="en-US" sz="1800" dirty="0">
+                <a:solidFill>
+                  <a:srgbClr val="0000FF"/>
+                </a:solidFill>
+                <a:highlight>
+                  <a:srgbClr val="FFFFFF"/>
+                </a:highlight>
+                <a:latin typeface="Cascadia Mono" panose="020B0609020000020004" pitchFamily="49" charset="0"/>
+              </a:rPr>
+              <a:t>float</a:t>
+            </a:r>
+            <a:r>
+              <a:rPr lang="en-US" sz="1800" dirty="0">
+                <a:solidFill>
+                  <a:srgbClr val="000000"/>
+                </a:solidFill>
+                <a:highlight>
+                  <a:srgbClr val="FFFFFF"/>
+                </a:highlight>
+                <a:latin typeface="Cascadia Mono" panose="020B0609020000020004" pitchFamily="49" charset="0"/>
+              </a:rPr>
+              <a:t> </a:t>
+            </a:r>
+            <a:r>
+              <a:rPr lang="en-US" sz="1800" dirty="0" err="1">
+                <a:solidFill>
+                  <a:srgbClr val="000000"/>
+                </a:solidFill>
+                <a:highlight>
+                  <a:srgbClr val="FFFFFF"/>
+                </a:highlight>
+                <a:latin typeface="Cascadia Mono" panose="020B0609020000020004" pitchFamily="49" charset="0"/>
+              </a:rPr>
+              <a:t>actualSpeed</a:t>
+            </a:r>
+            <a:r>
+              <a:rPr lang="en-US" sz="1800" dirty="0">
+                <a:solidFill>
+                  <a:srgbClr val="000000"/>
+                </a:solidFill>
+                <a:highlight>
+                  <a:srgbClr val="FFFFFF"/>
+                </a:highlight>
+                <a:latin typeface="Cascadia Mono" panose="020B0609020000020004" pitchFamily="49" charset="0"/>
+              </a:rPr>
+              <a:t> = </a:t>
+            </a:r>
+            <a:r>
+              <a:rPr lang="en-US" sz="1800" dirty="0" err="1">
+                <a:solidFill>
+                  <a:srgbClr val="000000"/>
+                </a:solidFill>
+                <a:highlight>
+                  <a:srgbClr val="FFFFFF"/>
+                </a:highlight>
+                <a:latin typeface="Cascadia Mono" panose="020B0609020000020004" pitchFamily="49" charset="0"/>
+              </a:rPr>
+              <a:t>movementFromLastFrame.magnitude</a:t>
+            </a:r>
+            <a:r>
+              <a:rPr lang="en-US" sz="1800" dirty="0">
+                <a:solidFill>
+                  <a:srgbClr val="000000"/>
+                </a:solidFill>
+                <a:highlight>
+                  <a:srgbClr val="FFFFFF"/>
+                </a:highlight>
+                <a:latin typeface="Cascadia Mono" panose="020B0609020000020004" pitchFamily="49" charset="0"/>
+              </a:rPr>
+              <a:t> / </a:t>
+            </a:r>
+            <a:r>
+              <a:rPr lang="en-US" sz="1800" dirty="0" err="1">
+                <a:solidFill>
+                  <a:srgbClr val="000000"/>
+                </a:solidFill>
+                <a:highlight>
+                  <a:srgbClr val="FFFFFF"/>
+                </a:highlight>
+                <a:latin typeface="Cascadia Mono" panose="020B0609020000020004" pitchFamily="49" charset="0"/>
+              </a:rPr>
+              <a:t>Time.deltaTime</a:t>
+            </a:r>
+            <a:r>
+              <a:rPr lang="en-US" sz="1800" dirty="0">
+                <a:solidFill>
+                  <a:srgbClr val="000000"/>
+                </a:solidFill>
+                <a:highlight>
+                  <a:srgbClr val="FFFFFF"/>
+                </a:highlight>
+                <a:latin typeface="Cascadia Mono" panose="020B0609020000020004" pitchFamily="49" charset="0"/>
+              </a:rPr>
+              <a:t>;</a:t>
+            </a:r>
+          </a:p>
+          <a:p>
+            <a:r>
+              <a:rPr lang="en-US" sz="1800" dirty="0">
+                <a:solidFill>
+                  <a:srgbClr val="000000"/>
+                </a:solidFill>
+                <a:highlight>
+                  <a:srgbClr val="FFFFFF"/>
+                </a:highlight>
+                <a:latin typeface="Cascadia Mono" panose="020B0609020000020004" pitchFamily="49" charset="0"/>
+              </a:rPr>
+              <a:t>        _</a:t>
+            </a:r>
+            <a:r>
+              <a:rPr lang="en-US" sz="1800" dirty="0" err="1">
+                <a:solidFill>
+                  <a:srgbClr val="000000"/>
+                </a:solidFill>
+                <a:highlight>
+                  <a:srgbClr val="FFFFFF"/>
+                </a:highlight>
+                <a:latin typeface="Cascadia Mono" panose="020B0609020000020004" pitchFamily="49" charset="0"/>
+              </a:rPr>
+              <a:t>animator.SetFloat</a:t>
+            </a:r>
+            <a:r>
+              <a:rPr lang="en-US" sz="1800" dirty="0">
+                <a:solidFill>
+                  <a:srgbClr val="9ACD32"/>
+                </a:solidFill>
+                <a:highlight>
+                  <a:srgbClr val="FFFFFF"/>
+                </a:highlight>
+                <a:latin typeface="Cascadia Mono" panose="020B0609020000020004" pitchFamily="49" charset="0"/>
+              </a:rPr>
+              <a:t>(</a:t>
+            </a:r>
+            <a:r>
+              <a:rPr lang="en-US" sz="1800" dirty="0">
+                <a:solidFill>
+                  <a:srgbClr val="A31515"/>
+                </a:solidFill>
+                <a:highlight>
+                  <a:srgbClr val="FFFFFF"/>
+                </a:highlight>
+                <a:latin typeface="Cascadia Mono" panose="020B0609020000020004" pitchFamily="49" charset="0"/>
+              </a:rPr>
+              <a:t>"speed"</a:t>
+            </a:r>
+            <a:r>
+              <a:rPr lang="en-US" sz="1800" dirty="0">
+                <a:solidFill>
+                  <a:srgbClr val="000000"/>
+                </a:solidFill>
+                <a:highlight>
+                  <a:srgbClr val="FFFFFF"/>
+                </a:highlight>
+                <a:latin typeface="Cascadia Mono" panose="020B0609020000020004" pitchFamily="49" charset="0"/>
+              </a:rPr>
+              <a:t>, </a:t>
+            </a:r>
+            <a:r>
+              <a:rPr lang="en-US" sz="1800" dirty="0" err="1">
+                <a:solidFill>
+                  <a:srgbClr val="000000"/>
+                </a:solidFill>
+                <a:highlight>
+                  <a:srgbClr val="FFFFFF"/>
+                </a:highlight>
+                <a:latin typeface="Cascadia Mono" panose="020B0609020000020004" pitchFamily="49" charset="0"/>
+              </a:rPr>
+              <a:t>actualSpeed</a:t>
+            </a:r>
+            <a:r>
+              <a:rPr lang="en-US" sz="1800" dirty="0">
+                <a:solidFill>
+                  <a:srgbClr val="9ACD32"/>
+                </a:solidFill>
+                <a:highlight>
+                  <a:srgbClr val="FFFFFF"/>
+                </a:highlight>
+                <a:latin typeface="Cascadia Mono" panose="020B0609020000020004" pitchFamily="49" charset="0"/>
+              </a:rPr>
+              <a:t>)</a:t>
+            </a:r>
+            <a:r>
+              <a:rPr lang="en-US" sz="1800" dirty="0">
+                <a:solidFill>
+                  <a:srgbClr val="000000"/>
+                </a:solidFill>
+                <a:highlight>
+                  <a:srgbClr val="FFFFFF"/>
+                </a:highlight>
+                <a:latin typeface="Cascadia Mono" panose="020B0609020000020004" pitchFamily="49" charset="0"/>
+              </a:rPr>
+              <a:t>;</a:t>
+            </a:r>
+          </a:p>
+          <a:p>
+            <a:endParaRPr lang="en-SE" sz="1800" dirty="0">
+              <a:solidFill>
+                <a:srgbClr val="000000"/>
+              </a:solidFill>
+              <a:highlight>
+                <a:srgbClr val="FFFFFF"/>
+              </a:highlight>
+              <a:latin typeface="Cascadia Mono" panose="020B0609020000020004" pitchFamily="49" charset="0"/>
+            </a:endParaRPr>
+          </a:p>
+          <a:p>
+            <a:r>
+              <a:rPr lang="en-SE" sz="1800" dirty="0">
+                <a:solidFill>
+                  <a:srgbClr val="000000"/>
+                </a:solidFill>
+                <a:highlight>
+                  <a:srgbClr val="FFFFFF"/>
+                </a:highlight>
+                <a:latin typeface="Cascadia Mono" panose="020B0609020000020004" pitchFamily="49" charset="0"/>
+              </a:rPr>
+              <a:t>        </a:t>
+            </a:r>
+          </a:p>
+          <a:p>
+            <a:r>
+              <a:rPr lang="en-US" sz="1800" dirty="0">
+                <a:solidFill>
+                  <a:srgbClr val="000000"/>
+                </a:solidFill>
+                <a:highlight>
+                  <a:srgbClr val="FFFFFF"/>
+                </a:highlight>
+                <a:latin typeface="Cascadia Mono" panose="020B0609020000020004" pitchFamily="49" charset="0"/>
+              </a:rPr>
+              <a:t>        _</a:t>
+            </a:r>
+            <a:r>
+              <a:rPr lang="en-US" sz="1800" dirty="0" err="1">
+                <a:solidFill>
+                  <a:srgbClr val="000000"/>
+                </a:solidFill>
+                <a:highlight>
+                  <a:srgbClr val="FFFFFF"/>
+                </a:highlight>
+                <a:latin typeface="Cascadia Mono" panose="020B0609020000020004" pitchFamily="49" charset="0"/>
+              </a:rPr>
+              <a:t>previousPosition</a:t>
+            </a:r>
+            <a:r>
+              <a:rPr lang="en-US" sz="1800" dirty="0">
+                <a:solidFill>
+                  <a:srgbClr val="000000"/>
+                </a:solidFill>
+                <a:highlight>
+                  <a:srgbClr val="FFFFFF"/>
+                </a:highlight>
+                <a:latin typeface="Cascadia Mono" panose="020B0609020000020004" pitchFamily="49" charset="0"/>
+              </a:rPr>
+              <a:t> = </a:t>
+            </a:r>
+            <a:r>
+              <a:rPr lang="en-US" sz="1800" dirty="0" err="1">
+                <a:solidFill>
+                  <a:srgbClr val="000000"/>
+                </a:solidFill>
+                <a:highlight>
+                  <a:srgbClr val="FFFFFF"/>
+                </a:highlight>
+                <a:latin typeface="Cascadia Mono" panose="020B0609020000020004" pitchFamily="49" charset="0"/>
+              </a:rPr>
+              <a:t>transform.position</a:t>
+            </a:r>
+            <a:r>
+              <a:rPr lang="en-US" sz="1800" dirty="0">
+                <a:solidFill>
+                  <a:srgbClr val="000000"/>
+                </a:solidFill>
+                <a:highlight>
+                  <a:srgbClr val="FFFFFF"/>
+                </a:highlight>
+                <a:latin typeface="Cascadia Mono" panose="020B0609020000020004" pitchFamily="49" charset="0"/>
+              </a:rPr>
+              <a:t>;</a:t>
+            </a:r>
+          </a:p>
+          <a:p>
+            <a:r>
+              <a:rPr lang="en-US" sz="1800" dirty="0">
+                <a:solidFill>
+                  <a:srgbClr val="000000"/>
+                </a:solidFill>
+                <a:highlight>
+                  <a:srgbClr val="FFFFFF"/>
+                </a:highlight>
+                <a:latin typeface="Cascadia Mono" panose="020B0609020000020004" pitchFamily="49" charset="0"/>
+              </a:rPr>
+              <a:t>        </a:t>
+            </a:r>
+            <a:r>
+              <a:rPr lang="en-US" sz="1800" dirty="0" err="1">
+                <a:solidFill>
+                  <a:srgbClr val="000000"/>
+                </a:solidFill>
+                <a:highlight>
+                  <a:srgbClr val="FFFFFF"/>
+                </a:highlight>
+                <a:latin typeface="Cascadia Mono" panose="020B0609020000020004" pitchFamily="49" charset="0"/>
+              </a:rPr>
+              <a:t>transform.Rotate</a:t>
+            </a:r>
+            <a:r>
+              <a:rPr lang="en-US" sz="1800" dirty="0">
+                <a:solidFill>
+                  <a:srgbClr val="9ACD32"/>
+                </a:solidFill>
+                <a:highlight>
+                  <a:srgbClr val="FFFFFF"/>
+                </a:highlight>
+                <a:latin typeface="Cascadia Mono" panose="020B0609020000020004" pitchFamily="49" charset="0"/>
+              </a:rPr>
+              <a:t>(</a:t>
+            </a:r>
+            <a:r>
+              <a:rPr lang="en-US" sz="1800" dirty="0">
+                <a:solidFill>
+                  <a:srgbClr val="000000"/>
+                </a:solidFill>
+                <a:highlight>
+                  <a:srgbClr val="FFFFFF"/>
+                </a:highlight>
+                <a:latin typeface="Cascadia Mono" panose="020B0609020000020004" pitchFamily="49" charset="0"/>
+              </a:rPr>
+              <a:t>Vector3.up * </a:t>
+            </a:r>
+            <a:r>
+              <a:rPr lang="en-US" sz="1800" dirty="0">
+                <a:solidFill>
+                  <a:srgbClr val="9400D3"/>
+                </a:solidFill>
+                <a:highlight>
+                  <a:srgbClr val="FFFFFF"/>
+                </a:highlight>
+                <a:latin typeface="Cascadia Mono" panose="020B0609020000020004" pitchFamily="49" charset="0"/>
+              </a:rPr>
+              <a:t>(</a:t>
+            </a:r>
+            <a:r>
+              <a:rPr lang="en-US" sz="1800" dirty="0">
+                <a:solidFill>
+                  <a:srgbClr val="000000"/>
+                </a:solidFill>
+                <a:highlight>
+                  <a:srgbClr val="FFFFFF"/>
+                </a:highlight>
+                <a:latin typeface="Cascadia Mono" panose="020B0609020000020004" pitchFamily="49" charset="0"/>
+              </a:rPr>
+              <a:t>horizontal * </a:t>
+            </a:r>
+            <a:r>
+              <a:rPr lang="en-US" sz="1800" dirty="0" err="1">
+                <a:solidFill>
+                  <a:srgbClr val="000000"/>
+                </a:solidFill>
+                <a:highlight>
+                  <a:srgbClr val="FFFFFF"/>
+                </a:highlight>
+                <a:latin typeface="Cascadia Mono" panose="020B0609020000020004" pitchFamily="49" charset="0"/>
+              </a:rPr>
+              <a:t>RotationSpeed</a:t>
+            </a:r>
+            <a:r>
+              <a:rPr lang="en-US" sz="1800" dirty="0">
+                <a:solidFill>
+                  <a:srgbClr val="000000"/>
+                </a:solidFill>
+                <a:highlight>
+                  <a:srgbClr val="FFFFFF"/>
+                </a:highlight>
+                <a:latin typeface="Cascadia Mono" panose="020B0609020000020004" pitchFamily="49" charset="0"/>
+              </a:rPr>
+              <a:t> * </a:t>
+            </a:r>
+            <a:r>
+              <a:rPr lang="en-US" sz="1800" dirty="0" err="1">
+                <a:solidFill>
+                  <a:srgbClr val="000000"/>
+                </a:solidFill>
+                <a:highlight>
+                  <a:srgbClr val="FFFFFF"/>
+                </a:highlight>
+                <a:latin typeface="Cascadia Mono" panose="020B0609020000020004" pitchFamily="49" charset="0"/>
+              </a:rPr>
+              <a:t>Time.deltaTime</a:t>
+            </a:r>
+            <a:r>
+              <a:rPr lang="en-US" sz="1800" dirty="0">
+                <a:solidFill>
+                  <a:srgbClr val="9400D3"/>
+                </a:solidFill>
+                <a:highlight>
+                  <a:srgbClr val="FFFFFF"/>
+                </a:highlight>
+                <a:latin typeface="Cascadia Mono" panose="020B0609020000020004" pitchFamily="49" charset="0"/>
+              </a:rPr>
+              <a:t>)</a:t>
+            </a:r>
+            <a:r>
+              <a:rPr lang="en-US" sz="1800" dirty="0">
+                <a:solidFill>
+                  <a:srgbClr val="9ACD32"/>
+                </a:solidFill>
+                <a:highlight>
+                  <a:srgbClr val="FFFFFF"/>
+                </a:highlight>
+                <a:latin typeface="Cascadia Mono" panose="020B0609020000020004" pitchFamily="49" charset="0"/>
+              </a:rPr>
+              <a:t>)</a:t>
+            </a:r>
+            <a:r>
+              <a:rPr lang="en-US" sz="1800" dirty="0">
+                <a:solidFill>
+                  <a:srgbClr val="000000"/>
+                </a:solidFill>
+                <a:highlight>
+                  <a:srgbClr val="FFFFFF"/>
+                </a:highlight>
+                <a:latin typeface="Cascadia Mono" panose="020B0609020000020004" pitchFamily="49" charset="0"/>
+              </a:rPr>
+              <a:t>;</a:t>
+            </a:r>
+          </a:p>
+          <a:p>
+            <a:r>
+              <a:rPr lang="en-SE" sz="1800" dirty="0">
+                <a:solidFill>
+                  <a:srgbClr val="000000"/>
+                </a:solidFill>
+                <a:highlight>
+                  <a:srgbClr val="FFFFFF"/>
+                </a:highlight>
+                <a:latin typeface="Cascadia Mono" panose="020B0609020000020004" pitchFamily="49" charset="0"/>
+              </a:rPr>
+              <a:t>    </a:t>
+            </a:r>
+            <a:r>
+              <a:rPr lang="en-SE" sz="1800" dirty="0">
+                <a:solidFill>
+                  <a:srgbClr val="FF1493"/>
+                </a:solidFill>
+                <a:highlight>
+                  <a:srgbClr val="FFFFFF"/>
+                </a:highlight>
+                <a:latin typeface="Cascadia Mono" panose="020B0609020000020004" pitchFamily="49" charset="0"/>
+              </a:rPr>
+              <a:t>}</a:t>
+            </a:r>
+            <a:endParaRPr lang="en-SE" sz="1800" dirty="0">
+              <a:solidFill>
+                <a:srgbClr val="000000"/>
+              </a:solidFill>
+              <a:highlight>
+                <a:srgbClr val="FFFFFF"/>
+              </a:highlight>
+              <a:latin typeface="Cascadia Mono" panose="020B0609020000020004" pitchFamily="49" charset="0"/>
+            </a:endParaRPr>
+          </a:p>
+          <a:p>
+            <a:r>
+              <a:rPr lang="en-SE" sz="1800" dirty="0">
+                <a:solidFill>
+                  <a:srgbClr val="FF9900"/>
+                </a:solidFill>
+                <a:highlight>
+                  <a:srgbClr val="FFFFFF"/>
+                </a:highlight>
+                <a:latin typeface="Cascadia Mono" panose="020B0609020000020004" pitchFamily="49" charset="0"/>
+              </a:rPr>
+              <a:t>}</a:t>
+            </a:r>
+            <a:endParaRPr dirty="0"/>
           </a:p>
         </p:txBody>
       </p:sp>
@@ -3936,7 +6352,7 @@
           <a:lstStyle/>
           <a:p>
             <a:r>
-              <a:t>Wrap-up (2 min)</a:t>
+              <a:t>Character Controller (5 min)</a:t>
             </a:r>
           </a:p>
         </p:txBody>
@@ -3953,9 +6369,7 @@
         </p:nvSpPr>
         <p:spPr/>
         <p:txBody>
-          <a:bodyPr>
-            <a:normAutofit fontScale="32500" lnSpcReduction="20000"/>
-          </a:bodyPr>
+          <a:bodyPr/>
           <a:lstStyle/>
           <a:p>
             <a:pPr>
@@ -3963,7 +6377,15 @@
             </a:pPr>
             <a:r>
               <a:rPr dirty="0"/>
-              <a:t>Review: Import, Animate, Move, Layer</a:t>
+              <a:t>Add </a:t>
+            </a:r>
+            <a:r>
+              <a:rPr dirty="0" err="1"/>
+              <a:t>CharacterController</a:t>
+            </a:r>
+            <a:r>
+              <a:rPr dirty="0"/>
+              <a:t> to Player</a:t>
             </a:r>
           </a:p>
           <a:p>
@@ -3972,7 +6394,38 @@
             </a:pPr>
             <a:r>
               <a:rPr dirty="0"/>
-              <a:t>Confirm character is interactive + extensible</a:t>
+              <a:t>Set center = 0.9</a:t>
+            </a:r>
+          </a:p>
+          <a:p>
+            <a:pPr>
+              <a:defRPr sz="1800"/>
+            </a:pPr>
+            <a:r>
+              <a:rPr dirty="0"/>
+              <a:t>Add movement code (forward input</a:t>
+            </a:r>
+            <a:r>
+              <a:rPr lang="sv-SE" dirty="0"/>
+              <a:t>, horizontal</a:t>
+            </a:r>
+            <a:r>
+              <a:rPr dirty="0"/>
+              <a:t>)</a:t>
+            </a:r>
+            <a:r>
+              <a:rPr lang="sv-SE" dirty="0"/>
+              <a:t> charactercontroller.move(transform.forward * (vertical * Time.deltatime))</a:t>
+            </a:r>
+            <a:endParaRPr dirty="0"/>
+          </a:p>
+          <a:p>
+            <a:pPr>
+              <a:defRPr sz="1800"/>
+            </a:pPr>
+            <a:r>
+              <a:rPr dirty="0"/>
+              <a:t>Add rotation code (horizontal input)</a:t>
             </a:r>
             <a:endParaRPr lang="sv-SE" dirty="0"/>
           </a:p>
@@ -3980,2396 +6433,47 @@
             <a:pPr>
               <a:defRPr sz="1800"/>
             </a:pPr>
-            <a:endParaRPr lang="sv-SE" dirty="0"/>
+            <a:r>
+              <a:rPr lang="sv-SE" dirty="0"/>
+              <a:t>movementFromLastFrame.magnitude / Time.deltaTime as speed</a:t>
+            </a:r>
           </a:p>
           <a:p>
             <a:pPr>
               <a:defRPr sz="1800"/>
             </a:pPr>
-            <a:endParaRPr lang="sv-SE" dirty="0"/>
-          </a:p>
-          <a:p>
-            <a:r>
-              <a:rPr lang="en-US" sz="1800" dirty="0">
-                <a:solidFill>
-                  <a:srgbClr val="0000FF"/>
-                </a:solidFill>
-                <a:highlight>
-                  <a:srgbClr val="FFFFFF"/>
-                </a:highlight>
-                <a:latin typeface="Cascadia Mono" panose="020B0609020000020004" pitchFamily="49" charset="0"/>
-              </a:rPr>
-              <a:t>using</a:t>
-            </a:r>
-            <a:r>
-              <a:rPr lang="en-US" sz="1800" dirty="0">
-                <a:solidFill>
-                  <a:srgbClr val="000000"/>
-                </a:solidFill>
-                <a:highlight>
-                  <a:srgbClr val="FFFFFF"/>
-                </a:highlight>
-                <a:latin typeface="Cascadia Mono" panose="020B0609020000020004" pitchFamily="49" charset="0"/>
-              </a:rPr>
-              <a:t> System;</a:t>
-            </a:r>
-          </a:p>
-          <a:p>
-            <a:r>
-              <a:rPr lang="en-US" sz="1800" dirty="0">
-                <a:solidFill>
-                  <a:srgbClr val="0000FF"/>
-                </a:solidFill>
-                <a:highlight>
-                  <a:srgbClr val="FFFFFF"/>
-                </a:highlight>
-                <a:latin typeface="Cascadia Mono" panose="020B0609020000020004" pitchFamily="49" charset="0"/>
-              </a:rPr>
-              <a:t>using</a:t>
-            </a:r>
-            <a:r>
-              <a:rPr lang="en-US" sz="1800" dirty="0">
-                <a:solidFill>
-                  <a:srgbClr val="000000"/>
-                </a:solidFill>
-                <a:highlight>
-                  <a:srgbClr val="FFFFFF"/>
-                </a:highlight>
-                <a:latin typeface="Cascadia Mono" panose="020B0609020000020004" pitchFamily="49" charset="0"/>
-              </a:rPr>
-              <a:t> </a:t>
-            </a:r>
-            <a:r>
-              <a:rPr lang="en-US" sz="1800" dirty="0" err="1">
-                <a:solidFill>
-                  <a:srgbClr val="000000"/>
-                </a:solidFill>
-                <a:highlight>
-                  <a:srgbClr val="FFFFFF"/>
-                </a:highlight>
-                <a:latin typeface="Cascadia Mono" panose="020B0609020000020004" pitchFamily="49" charset="0"/>
-              </a:rPr>
-              <a:t>UnityEngine</a:t>
-            </a:r>
-            <a:r>
-              <a:rPr lang="en-US" sz="1800" dirty="0">
-                <a:solidFill>
-                  <a:srgbClr val="000000"/>
-                </a:solidFill>
-                <a:highlight>
-                  <a:srgbClr val="FFFFFF"/>
-                </a:highlight>
-                <a:latin typeface="Cascadia Mono" panose="020B0609020000020004" pitchFamily="49" charset="0"/>
-              </a:rPr>
-              <a:t>;</a:t>
-            </a:r>
-          </a:p>
-          <a:p>
-            <a:endParaRPr lang="en-SE" sz="1800" dirty="0">
-              <a:solidFill>
-                <a:srgbClr val="000000"/>
-              </a:solidFill>
-              <a:highlight>
-                <a:srgbClr val="FFFFFF"/>
-              </a:highlight>
-              <a:latin typeface="Cascadia Mono" panose="020B0609020000020004" pitchFamily="49" charset="0"/>
-            </a:endParaRPr>
-          </a:p>
-          <a:p>
-            <a:r>
-              <a:rPr lang="en-US" sz="1800" dirty="0">
-                <a:solidFill>
-                  <a:srgbClr val="0000FF"/>
-                </a:solidFill>
-                <a:highlight>
-                  <a:srgbClr val="FFFFFF"/>
-                </a:highlight>
-                <a:latin typeface="Cascadia Mono" panose="020B0609020000020004" pitchFamily="49" charset="0"/>
-              </a:rPr>
-              <a:t>public</a:t>
-            </a:r>
-            <a:r>
-              <a:rPr lang="en-US" sz="1800" dirty="0">
-                <a:solidFill>
-                  <a:srgbClr val="000000"/>
-                </a:solidFill>
-                <a:highlight>
-                  <a:srgbClr val="FFFFFF"/>
-                </a:highlight>
-                <a:latin typeface="Cascadia Mono" panose="020B0609020000020004" pitchFamily="49" charset="0"/>
-              </a:rPr>
-              <a:t> </a:t>
-            </a:r>
-            <a:r>
-              <a:rPr lang="en-US" sz="1800" dirty="0">
-                <a:solidFill>
-                  <a:srgbClr val="0000FF"/>
-                </a:solidFill>
-                <a:highlight>
-                  <a:srgbClr val="FFFFFF"/>
-                </a:highlight>
-                <a:latin typeface="Cascadia Mono" panose="020B0609020000020004" pitchFamily="49" charset="0"/>
-              </a:rPr>
-              <a:t>class</a:t>
-            </a:r>
-            <a:r>
-              <a:rPr lang="en-US" sz="1800" dirty="0">
-                <a:solidFill>
-                  <a:srgbClr val="000000"/>
-                </a:solidFill>
-                <a:highlight>
-                  <a:srgbClr val="FFFFFF"/>
-                </a:highlight>
-                <a:latin typeface="Cascadia Mono" panose="020B0609020000020004" pitchFamily="49" charset="0"/>
-              </a:rPr>
-              <a:t> </a:t>
-            </a:r>
-            <a:r>
-              <a:rPr lang="en-US" sz="1800" dirty="0">
-                <a:solidFill>
-                  <a:srgbClr val="2B91AF"/>
-                </a:solidFill>
-                <a:highlight>
-                  <a:srgbClr val="FFFFFF"/>
-                </a:highlight>
-                <a:latin typeface="Cascadia Mono" panose="020B0609020000020004" pitchFamily="49" charset="0"/>
-              </a:rPr>
-              <a:t>Player</a:t>
-            </a:r>
-            <a:r>
-              <a:rPr lang="en-US" sz="1800" dirty="0">
-                <a:solidFill>
-                  <a:srgbClr val="000000"/>
-                </a:solidFill>
-                <a:highlight>
-                  <a:srgbClr val="FFFFFF"/>
-                </a:highlight>
-                <a:latin typeface="Cascadia Mono" panose="020B0609020000020004" pitchFamily="49" charset="0"/>
-              </a:rPr>
-              <a:t> : </a:t>
-            </a:r>
-            <a:r>
-              <a:rPr lang="en-US" sz="1800" dirty="0" err="1">
-                <a:solidFill>
-                  <a:srgbClr val="000000"/>
-                </a:solidFill>
-                <a:highlight>
-                  <a:srgbClr val="FFFFFF"/>
-                </a:highlight>
-                <a:latin typeface="Cascadia Mono" panose="020B0609020000020004" pitchFamily="49" charset="0"/>
-              </a:rPr>
-              <a:t>MonoBehaviour</a:t>
-            </a:r>
-            <a:endParaRPr lang="en-US" sz="1800" dirty="0">
-              <a:solidFill>
-                <a:srgbClr val="000000"/>
-              </a:solidFill>
-              <a:highlight>
-                <a:srgbClr val="FFFFFF"/>
-              </a:highlight>
-              <a:latin typeface="Cascadia Mono" panose="020B0609020000020004" pitchFamily="49" charset="0"/>
-            </a:endParaRPr>
-          </a:p>
-          <a:p>
-            <a:r>
-              <a:rPr lang="en-SE" sz="1800" dirty="0">
-                <a:solidFill>
-                  <a:srgbClr val="FF9900"/>
-                </a:solidFill>
-                <a:highlight>
-                  <a:srgbClr val="FFFFFF"/>
-                </a:highlight>
-                <a:latin typeface="Cascadia Mono" panose="020B0609020000020004" pitchFamily="49" charset="0"/>
-              </a:rPr>
-              <a:t>{</a:t>
-            </a:r>
-            <a:endParaRPr lang="en-SE" sz="1800" dirty="0">
-              <a:solidFill>
-                <a:srgbClr val="000000"/>
-              </a:solidFill>
-              <a:highlight>
-                <a:srgbClr val="FFFFFF"/>
-              </a:highlight>
-              <a:latin typeface="Cascadia Mono" panose="020B0609020000020004" pitchFamily="49" charset="0"/>
-            </a:endParaRPr>
-          </a:p>
-          <a:p>
-            <a:r>
-              <a:rPr lang="en-US" sz="1800" dirty="0">
-                <a:solidFill>
-                  <a:srgbClr val="000000"/>
-                </a:solidFill>
-                <a:highlight>
-                  <a:srgbClr val="FFFFFF"/>
-                </a:highlight>
-                <a:latin typeface="Cascadia Mono" panose="020B0609020000020004" pitchFamily="49" charset="0"/>
-              </a:rPr>
-              <a:t>    </a:t>
-            </a:r>
-            <a:r>
-              <a:rPr lang="en-US" sz="1800" dirty="0">
-                <a:solidFill>
-                  <a:srgbClr val="0000FF"/>
-                </a:solidFill>
-                <a:highlight>
-                  <a:srgbClr val="FFFFFF"/>
-                </a:highlight>
-                <a:latin typeface="Cascadia Mono" panose="020B0609020000020004" pitchFamily="49" charset="0"/>
-              </a:rPr>
-              <a:t>private</a:t>
-            </a:r>
-            <a:r>
-              <a:rPr lang="en-US" sz="1800" dirty="0">
-                <a:solidFill>
-                  <a:srgbClr val="000000"/>
-                </a:solidFill>
-                <a:highlight>
-                  <a:srgbClr val="FFFFFF"/>
-                </a:highlight>
-                <a:latin typeface="Cascadia Mono" panose="020B0609020000020004" pitchFamily="49" charset="0"/>
-              </a:rPr>
-              <a:t> Animator _animator;</a:t>
-            </a:r>
-          </a:p>
-          <a:p>
-            <a:r>
-              <a:rPr lang="en-US" sz="1800" dirty="0">
-                <a:solidFill>
-                  <a:srgbClr val="000000"/>
-                </a:solidFill>
-                <a:highlight>
-                  <a:srgbClr val="FFFFFF"/>
-                </a:highlight>
-                <a:latin typeface="Cascadia Mono" panose="020B0609020000020004" pitchFamily="49" charset="0"/>
-              </a:rPr>
-              <a:t>    </a:t>
-            </a:r>
-            <a:r>
-              <a:rPr lang="en-US" sz="1800" dirty="0">
-                <a:solidFill>
-                  <a:srgbClr val="0000FF"/>
-                </a:solidFill>
-                <a:highlight>
-                  <a:srgbClr val="FFFFFF"/>
-                </a:highlight>
-                <a:latin typeface="Cascadia Mono" panose="020B0609020000020004" pitchFamily="49" charset="0"/>
-              </a:rPr>
-              <a:t>public</a:t>
-            </a:r>
-            <a:r>
-              <a:rPr lang="en-US" sz="1800" dirty="0">
-                <a:solidFill>
-                  <a:srgbClr val="000000"/>
-                </a:solidFill>
-                <a:highlight>
-                  <a:srgbClr val="FFFFFF"/>
-                </a:highlight>
-                <a:latin typeface="Cascadia Mono" panose="020B0609020000020004" pitchFamily="49" charset="0"/>
-              </a:rPr>
-              <a:t> </a:t>
-            </a:r>
-            <a:r>
-              <a:rPr lang="en-US" sz="1800" dirty="0">
-                <a:solidFill>
-                  <a:srgbClr val="0000FF"/>
-                </a:solidFill>
-                <a:highlight>
-                  <a:srgbClr val="FFFFFF"/>
-                </a:highlight>
-                <a:latin typeface="Cascadia Mono" panose="020B0609020000020004" pitchFamily="49" charset="0"/>
-              </a:rPr>
-              <a:t>float</a:t>
-            </a:r>
-            <a:r>
-              <a:rPr lang="en-US" sz="1800" dirty="0">
-                <a:solidFill>
-                  <a:srgbClr val="000000"/>
-                </a:solidFill>
-                <a:highlight>
-                  <a:srgbClr val="FFFFFF"/>
-                </a:highlight>
-                <a:latin typeface="Cascadia Mono" panose="020B0609020000020004" pitchFamily="49" charset="0"/>
-              </a:rPr>
-              <a:t> </a:t>
-            </a:r>
-            <a:r>
-              <a:rPr lang="en-US" sz="1800" dirty="0" err="1">
-                <a:solidFill>
-                  <a:srgbClr val="000000"/>
-                </a:solidFill>
-                <a:highlight>
-                  <a:srgbClr val="FFFFFF"/>
-                </a:highlight>
-                <a:latin typeface="Cascadia Mono" panose="020B0609020000020004" pitchFamily="49" charset="0"/>
-              </a:rPr>
-              <a:t>MovementSpeed</a:t>
-            </a:r>
-            <a:r>
-              <a:rPr lang="en-US" sz="1800" dirty="0">
-                <a:solidFill>
-                  <a:srgbClr val="000000"/>
-                </a:solidFill>
-                <a:highlight>
-                  <a:srgbClr val="FFFFFF"/>
-                </a:highlight>
-                <a:latin typeface="Cascadia Mono" panose="020B0609020000020004" pitchFamily="49" charset="0"/>
-              </a:rPr>
-              <a:t> = 3;</a:t>
-            </a:r>
-          </a:p>
-          <a:p>
-            <a:r>
-              <a:rPr lang="en-US" sz="1800" dirty="0">
-                <a:solidFill>
-                  <a:srgbClr val="000000"/>
-                </a:solidFill>
-                <a:highlight>
-                  <a:srgbClr val="FFFFFF"/>
-                </a:highlight>
-                <a:latin typeface="Cascadia Mono" panose="020B0609020000020004" pitchFamily="49" charset="0"/>
-              </a:rPr>
-              <a:t>    </a:t>
-            </a:r>
-            <a:r>
-              <a:rPr lang="en-US" sz="1800" dirty="0">
-                <a:solidFill>
-                  <a:srgbClr val="0000FF"/>
-                </a:solidFill>
-                <a:highlight>
-                  <a:srgbClr val="FFFFFF"/>
-                </a:highlight>
-                <a:latin typeface="Cascadia Mono" panose="020B0609020000020004" pitchFamily="49" charset="0"/>
-              </a:rPr>
-              <a:t>public</a:t>
-            </a:r>
-            <a:r>
-              <a:rPr lang="en-US" sz="1800" dirty="0">
-                <a:solidFill>
-                  <a:srgbClr val="000000"/>
-                </a:solidFill>
-                <a:highlight>
-                  <a:srgbClr val="FFFFFF"/>
-                </a:highlight>
-                <a:latin typeface="Cascadia Mono" panose="020B0609020000020004" pitchFamily="49" charset="0"/>
-              </a:rPr>
-              <a:t> </a:t>
-            </a:r>
-            <a:r>
-              <a:rPr lang="en-US" sz="1800" dirty="0">
-                <a:solidFill>
-                  <a:srgbClr val="0000FF"/>
-                </a:solidFill>
-                <a:highlight>
-                  <a:srgbClr val="FFFFFF"/>
-                </a:highlight>
-                <a:latin typeface="Cascadia Mono" panose="020B0609020000020004" pitchFamily="49" charset="0"/>
-              </a:rPr>
-              <a:t>float</a:t>
-            </a:r>
-            <a:r>
-              <a:rPr lang="en-US" sz="1800" dirty="0">
-                <a:solidFill>
-                  <a:srgbClr val="000000"/>
-                </a:solidFill>
-                <a:highlight>
-                  <a:srgbClr val="FFFFFF"/>
-                </a:highlight>
-                <a:latin typeface="Cascadia Mono" panose="020B0609020000020004" pitchFamily="49" charset="0"/>
-              </a:rPr>
-              <a:t> </a:t>
-            </a:r>
-            <a:r>
-              <a:rPr lang="en-US" sz="1800" dirty="0" err="1">
-                <a:solidFill>
-                  <a:srgbClr val="000000"/>
-                </a:solidFill>
-                <a:highlight>
-                  <a:srgbClr val="FFFFFF"/>
-                </a:highlight>
-                <a:latin typeface="Cascadia Mono" panose="020B0609020000020004" pitchFamily="49" charset="0"/>
-              </a:rPr>
-              <a:t>RotationSpeed</a:t>
-            </a:r>
-            <a:r>
-              <a:rPr lang="en-US" sz="1800" dirty="0">
-                <a:solidFill>
-                  <a:srgbClr val="000000"/>
-                </a:solidFill>
-                <a:highlight>
-                  <a:srgbClr val="FFFFFF"/>
-                </a:highlight>
-                <a:latin typeface="Cascadia Mono" panose="020B0609020000020004" pitchFamily="49" charset="0"/>
-              </a:rPr>
-              <a:t> = 100;</a:t>
-            </a:r>
-          </a:p>
-          <a:p>
-            <a:r>
-              <a:rPr lang="en-US" sz="1800" dirty="0">
-                <a:solidFill>
-                  <a:srgbClr val="000000"/>
-                </a:solidFill>
-                <a:highlight>
-                  <a:srgbClr val="FFFFFF"/>
-                </a:highlight>
-                <a:latin typeface="Cascadia Mono" panose="020B0609020000020004" pitchFamily="49" charset="0"/>
-              </a:rPr>
-              <a:t>    </a:t>
-            </a:r>
-            <a:r>
-              <a:rPr lang="en-US" sz="1800" dirty="0">
-                <a:solidFill>
-                  <a:srgbClr val="0000FF"/>
-                </a:solidFill>
-                <a:highlight>
-                  <a:srgbClr val="FFFFFF"/>
-                </a:highlight>
-                <a:latin typeface="Cascadia Mono" panose="020B0609020000020004" pitchFamily="49" charset="0"/>
-              </a:rPr>
-              <a:t>private</a:t>
-            </a:r>
-            <a:r>
-              <a:rPr lang="en-US" sz="1800" dirty="0">
-                <a:solidFill>
-                  <a:srgbClr val="000000"/>
-                </a:solidFill>
-                <a:highlight>
-                  <a:srgbClr val="FFFFFF"/>
-                </a:highlight>
-                <a:latin typeface="Cascadia Mono" panose="020B0609020000020004" pitchFamily="49" charset="0"/>
-              </a:rPr>
-              <a:t> </a:t>
-            </a:r>
-            <a:r>
-              <a:rPr lang="en-US" sz="1800" dirty="0" err="1">
-                <a:solidFill>
-                  <a:srgbClr val="000000"/>
-                </a:solidFill>
-                <a:highlight>
-                  <a:srgbClr val="FFFFFF"/>
-                </a:highlight>
-                <a:latin typeface="Cascadia Mono" panose="020B0609020000020004" pitchFamily="49" charset="0"/>
-              </a:rPr>
-              <a:t>CharacterController</a:t>
-            </a:r>
-            <a:r>
-              <a:rPr lang="en-US" sz="1800" dirty="0">
-                <a:solidFill>
-                  <a:srgbClr val="000000"/>
-                </a:solidFill>
-                <a:highlight>
-                  <a:srgbClr val="FFFFFF"/>
-                </a:highlight>
-                <a:latin typeface="Cascadia Mono" panose="020B0609020000020004" pitchFamily="49" charset="0"/>
-              </a:rPr>
-              <a:t> _</a:t>
-            </a:r>
-            <a:r>
-              <a:rPr lang="en-US" sz="1800" dirty="0" err="1">
-                <a:solidFill>
-                  <a:srgbClr val="000000"/>
-                </a:solidFill>
-                <a:highlight>
-                  <a:srgbClr val="FFFFFF"/>
-                </a:highlight>
-                <a:latin typeface="Cascadia Mono" panose="020B0609020000020004" pitchFamily="49" charset="0"/>
-              </a:rPr>
-              <a:t>characterController</a:t>
-            </a:r>
-            <a:r>
-              <a:rPr lang="en-US" sz="1800" dirty="0">
-                <a:solidFill>
-                  <a:srgbClr val="000000"/>
-                </a:solidFill>
-                <a:highlight>
-                  <a:srgbClr val="FFFFFF"/>
-                </a:highlight>
-                <a:latin typeface="Cascadia Mono" panose="020B0609020000020004" pitchFamily="49" charset="0"/>
-              </a:rPr>
-              <a:t>;</a:t>
-            </a:r>
-          </a:p>
-          <a:p>
-            <a:endParaRPr lang="en-SE" sz="1800" dirty="0">
-              <a:solidFill>
-                <a:srgbClr val="000000"/>
-              </a:solidFill>
-              <a:highlight>
-                <a:srgbClr val="FFFFFF"/>
-              </a:highlight>
-              <a:latin typeface="Cascadia Mono" panose="020B0609020000020004" pitchFamily="49" charset="0"/>
-            </a:endParaRPr>
-          </a:p>
-          <a:p>
-            <a:r>
-              <a:rPr lang="en-US" sz="1800" dirty="0">
-                <a:solidFill>
-                  <a:srgbClr val="000000"/>
-                </a:solidFill>
-                <a:highlight>
-                  <a:srgbClr val="FFFFFF"/>
-                </a:highlight>
-                <a:latin typeface="Cascadia Mono" panose="020B0609020000020004" pitchFamily="49" charset="0"/>
-              </a:rPr>
-              <a:t>    </a:t>
-            </a:r>
-            <a:r>
-              <a:rPr lang="en-US" sz="1800" dirty="0">
-                <a:solidFill>
-                  <a:srgbClr val="0000FF"/>
-                </a:solidFill>
-                <a:highlight>
-                  <a:srgbClr val="FFFFFF"/>
-                </a:highlight>
-                <a:latin typeface="Cascadia Mono" panose="020B0609020000020004" pitchFamily="49" charset="0"/>
-              </a:rPr>
-              <a:t>private</a:t>
-            </a:r>
-            <a:r>
-              <a:rPr lang="en-US" sz="1800" dirty="0">
-                <a:solidFill>
-                  <a:srgbClr val="000000"/>
-                </a:solidFill>
-                <a:highlight>
-                  <a:srgbClr val="FFFFFF"/>
-                </a:highlight>
-                <a:latin typeface="Cascadia Mono" panose="020B0609020000020004" pitchFamily="49" charset="0"/>
-              </a:rPr>
-              <a:t> Vector3 _</a:t>
-            </a:r>
-            <a:r>
-              <a:rPr lang="en-US" sz="1800" dirty="0" err="1">
-                <a:solidFill>
-                  <a:srgbClr val="000000"/>
-                </a:solidFill>
-                <a:highlight>
-                  <a:srgbClr val="FFFFFF"/>
-                </a:highlight>
-                <a:latin typeface="Cascadia Mono" panose="020B0609020000020004" pitchFamily="49" charset="0"/>
-              </a:rPr>
-              <a:t>previousPosition</a:t>
-            </a:r>
-            <a:r>
-              <a:rPr lang="en-US" sz="1800" dirty="0">
-                <a:solidFill>
-                  <a:srgbClr val="000000"/>
-                </a:solidFill>
-                <a:highlight>
-                  <a:srgbClr val="FFFFFF"/>
-                </a:highlight>
-                <a:latin typeface="Cascadia Mono" panose="020B0609020000020004" pitchFamily="49" charset="0"/>
-              </a:rPr>
-              <a:t>;</a:t>
-            </a:r>
-          </a:p>
-          <a:p>
-            <a:endParaRPr lang="en-SE" sz="1800" dirty="0">
-              <a:solidFill>
-                <a:srgbClr val="000000"/>
-              </a:solidFill>
-              <a:highlight>
-                <a:srgbClr val="FFFFFF"/>
-              </a:highlight>
-              <a:latin typeface="Cascadia Mono" panose="020B0609020000020004" pitchFamily="49" charset="0"/>
-            </a:endParaRPr>
-          </a:p>
-          <a:p>
-            <a:r>
-              <a:rPr lang="en-US" sz="1800" dirty="0">
-                <a:solidFill>
-                  <a:srgbClr val="000000"/>
-                </a:solidFill>
-                <a:highlight>
-                  <a:srgbClr val="FFFFFF"/>
-                </a:highlight>
-                <a:latin typeface="Cascadia Mono" panose="020B0609020000020004" pitchFamily="49" charset="0"/>
-              </a:rPr>
-              <a:t>    </a:t>
-            </a:r>
-            <a:r>
-              <a:rPr lang="en-US" sz="1800" dirty="0">
-                <a:solidFill>
-                  <a:srgbClr val="008000"/>
-                </a:solidFill>
-                <a:highlight>
-                  <a:srgbClr val="FFFFFF"/>
-                </a:highlight>
-                <a:latin typeface="Cascadia Mono" panose="020B0609020000020004" pitchFamily="49" charset="0"/>
-              </a:rPr>
-              <a:t>// Start is called once before the first execution of Update after the </a:t>
-            </a:r>
-            <a:r>
-              <a:rPr lang="en-US" sz="1800" dirty="0" err="1">
-                <a:solidFill>
-                  <a:srgbClr val="008000"/>
-                </a:solidFill>
-                <a:highlight>
-                  <a:srgbClr val="FFFFFF"/>
-                </a:highlight>
-                <a:latin typeface="Cascadia Mono" panose="020B0609020000020004" pitchFamily="49" charset="0"/>
-              </a:rPr>
-              <a:t>MonoBehaviour</a:t>
-            </a:r>
-            <a:r>
-              <a:rPr lang="en-US" sz="1800" dirty="0">
-                <a:solidFill>
-                  <a:srgbClr val="008000"/>
-                </a:solidFill>
-                <a:highlight>
-                  <a:srgbClr val="FFFFFF"/>
-                </a:highlight>
-                <a:latin typeface="Cascadia Mono" panose="020B0609020000020004" pitchFamily="49" charset="0"/>
-              </a:rPr>
-              <a:t> is created</a:t>
-            </a:r>
-            <a:endParaRPr lang="en-US" sz="1800" dirty="0">
-              <a:solidFill>
-                <a:srgbClr val="000000"/>
-              </a:solidFill>
-              <a:highlight>
-                <a:srgbClr val="FFFFFF"/>
-              </a:highlight>
-              <a:latin typeface="Cascadia Mono" panose="020B0609020000020004" pitchFamily="49" charset="0"/>
-            </a:endParaRPr>
-          </a:p>
-          <a:p>
-            <a:r>
-              <a:rPr lang="en-US" sz="1800" dirty="0">
-                <a:solidFill>
-                  <a:srgbClr val="000000"/>
-                </a:solidFill>
-                <a:highlight>
-                  <a:srgbClr val="FFFFFF"/>
-                </a:highlight>
-                <a:latin typeface="Cascadia Mono" panose="020B0609020000020004" pitchFamily="49" charset="0"/>
-              </a:rPr>
-              <a:t>    </a:t>
-            </a:r>
-            <a:r>
-              <a:rPr lang="en-US" sz="1800" dirty="0">
-                <a:solidFill>
-                  <a:srgbClr val="0000FF"/>
-                </a:solidFill>
-                <a:highlight>
-                  <a:srgbClr val="FFFFFF"/>
-                </a:highlight>
-                <a:latin typeface="Cascadia Mono" panose="020B0609020000020004" pitchFamily="49" charset="0"/>
-              </a:rPr>
-              <a:t>void</a:t>
-            </a:r>
-            <a:r>
-              <a:rPr lang="en-US" sz="1800" dirty="0">
-                <a:solidFill>
-                  <a:srgbClr val="000000"/>
-                </a:solidFill>
-                <a:highlight>
-                  <a:srgbClr val="FFFFFF"/>
-                </a:highlight>
-                <a:latin typeface="Cascadia Mono" panose="020B0609020000020004" pitchFamily="49" charset="0"/>
-              </a:rPr>
-              <a:t> Start</a:t>
-            </a:r>
-            <a:r>
-              <a:rPr lang="en-US" sz="1800" dirty="0">
-                <a:solidFill>
-                  <a:srgbClr val="FF1493"/>
-                </a:solidFill>
-                <a:highlight>
-                  <a:srgbClr val="FFFFFF"/>
-                </a:highlight>
-                <a:latin typeface="Cascadia Mono" panose="020B0609020000020004" pitchFamily="49" charset="0"/>
-              </a:rPr>
-              <a:t>()</a:t>
-            </a:r>
-            <a:endParaRPr lang="en-US" sz="1800" dirty="0">
-              <a:solidFill>
-                <a:srgbClr val="000000"/>
-              </a:solidFill>
-              <a:highlight>
-                <a:srgbClr val="FFFFFF"/>
-              </a:highlight>
-              <a:latin typeface="Cascadia Mono" panose="020B0609020000020004" pitchFamily="49" charset="0"/>
-            </a:endParaRPr>
-          </a:p>
-          <a:p>
-            <a:r>
-              <a:rPr lang="en-SE" sz="1800" dirty="0">
-                <a:solidFill>
-                  <a:srgbClr val="000000"/>
-                </a:solidFill>
-                <a:highlight>
-                  <a:srgbClr val="FFFFFF"/>
-                </a:highlight>
-                <a:latin typeface="Cascadia Mono" panose="020B0609020000020004" pitchFamily="49" charset="0"/>
-              </a:rPr>
-              <a:t>    </a:t>
-            </a:r>
-            <a:r>
-              <a:rPr lang="en-SE" sz="1800" dirty="0">
-                <a:solidFill>
-                  <a:srgbClr val="FF1493"/>
-                </a:solidFill>
-                <a:highlight>
-                  <a:srgbClr val="FFFFFF"/>
-                </a:highlight>
-                <a:latin typeface="Cascadia Mono" panose="020B0609020000020004" pitchFamily="49" charset="0"/>
-              </a:rPr>
-              <a:t>{</a:t>
-            </a:r>
-            <a:endParaRPr lang="en-SE" sz="1800" dirty="0">
-              <a:solidFill>
-                <a:srgbClr val="000000"/>
-              </a:solidFill>
-              <a:highlight>
-                <a:srgbClr val="FFFFFF"/>
-              </a:highlight>
-              <a:latin typeface="Cascadia Mono" panose="020B0609020000020004" pitchFamily="49" charset="0"/>
-            </a:endParaRPr>
-          </a:p>
-          <a:p>
-            <a:r>
-              <a:rPr lang="en-US" sz="1800" dirty="0">
-                <a:solidFill>
-                  <a:srgbClr val="000000"/>
-                </a:solidFill>
-                <a:highlight>
-                  <a:srgbClr val="FFFFFF"/>
-                </a:highlight>
-                <a:latin typeface="Cascadia Mono" panose="020B0609020000020004" pitchFamily="49" charset="0"/>
-              </a:rPr>
-              <a:t>        _animator = </a:t>
-            </a:r>
-            <a:r>
-              <a:rPr lang="en-US" sz="1800" dirty="0" err="1">
-                <a:solidFill>
-                  <a:srgbClr val="000000"/>
-                </a:solidFill>
-                <a:highlight>
-                  <a:srgbClr val="FFFFFF"/>
-                </a:highlight>
-                <a:latin typeface="Cascadia Mono" panose="020B0609020000020004" pitchFamily="49" charset="0"/>
-              </a:rPr>
-              <a:t>GetComponentInChildren</a:t>
-            </a:r>
-            <a:r>
-              <a:rPr lang="en-US" sz="1800" dirty="0">
-                <a:solidFill>
-                  <a:srgbClr val="000000"/>
-                </a:solidFill>
-                <a:highlight>
-                  <a:srgbClr val="FFFFFF"/>
-                </a:highlight>
-                <a:latin typeface="Cascadia Mono" panose="020B0609020000020004" pitchFamily="49" charset="0"/>
-              </a:rPr>
-              <a:t>&lt;Animator&gt;</a:t>
-            </a:r>
-            <a:r>
-              <a:rPr lang="en-US" sz="1800" dirty="0">
-                <a:solidFill>
-                  <a:srgbClr val="9ACD32"/>
-                </a:solidFill>
-                <a:highlight>
-                  <a:srgbClr val="FFFFFF"/>
-                </a:highlight>
-                <a:latin typeface="Cascadia Mono" panose="020B0609020000020004" pitchFamily="49" charset="0"/>
-              </a:rPr>
-              <a:t>()</a:t>
-            </a:r>
-            <a:r>
-              <a:rPr lang="en-US" sz="1800" dirty="0">
-                <a:solidFill>
-                  <a:srgbClr val="000000"/>
-                </a:solidFill>
-                <a:highlight>
-                  <a:srgbClr val="FFFFFF"/>
-                </a:highlight>
-                <a:latin typeface="Cascadia Mono" panose="020B0609020000020004" pitchFamily="49" charset="0"/>
-              </a:rPr>
-              <a:t>;</a:t>
-            </a:r>
-          </a:p>
-          <a:p>
-            <a:r>
-              <a:rPr lang="en-US" sz="1800" dirty="0">
-                <a:solidFill>
-                  <a:srgbClr val="000000"/>
-                </a:solidFill>
-                <a:highlight>
-                  <a:srgbClr val="FFFFFF"/>
-                </a:highlight>
-                <a:latin typeface="Cascadia Mono" panose="020B0609020000020004" pitchFamily="49" charset="0"/>
-              </a:rPr>
-              <a:t>        _</a:t>
-            </a:r>
-            <a:r>
-              <a:rPr lang="en-US" sz="1800" dirty="0" err="1">
-                <a:solidFill>
-                  <a:srgbClr val="000000"/>
-                </a:solidFill>
-                <a:highlight>
-                  <a:srgbClr val="FFFFFF"/>
-                </a:highlight>
-                <a:latin typeface="Cascadia Mono" panose="020B0609020000020004" pitchFamily="49" charset="0"/>
-              </a:rPr>
-              <a:t>characterController</a:t>
-            </a:r>
-            <a:r>
-              <a:rPr lang="en-US" sz="1800" dirty="0">
-                <a:solidFill>
-                  <a:srgbClr val="000000"/>
-                </a:solidFill>
-                <a:highlight>
-                  <a:srgbClr val="FFFFFF"/>
-                </a:highlight>
-                <a:latin typeface="Cascadia Mono" panose="020B0609020000020004" pitchFamily="49" charset="0"/>
-              </a:rPr>
-              <a:t> = </a:t>
-            </a:r>
-            <a:r>
-              <a:rPr lang="en-US" sz="1800" dirty="0" err="1">
-                <a:solidFill>
-                  <a:srgbClr val="000000"/>
-                </a:solidFill>
-                <a:highlight>
-                  <a:srgbClr val="FFFFFF"/>
-                </a:highlight>
-                <a:latin typeface="Cascadia Mono" panose="020B0609020000020004" pitchFamily="49" charset="0"/>
-              </a:rPr>
-              <a:t>GetComponent</a:t>
-            </a:r>
-            <a:r>
-              <a:rPr lang="en-US" sz="1800" dirty="0">
-                <a:solidFill>
-                  <a:srgbClr val="000000"/>
-                </a:solidFill>
-                <a:highlight>
-                  <a:srgbClr val="FFFFFF"/>
-                </a:highlight>
-                <a:latin typeface="Cascadia Mono" panose="020B0609020000020004" pitchFamily="49" charset="0"/>
-              </a:rPr>
-              <a:t>&lt;</a:t>
-            </a:r>
-            <a:r>
-              <a:rPr lang="en-US" sz="1800" dirty="0" err="1">
-                <a:solidFill>
-                  <a:srgbClr val="000000"/>
-                </a:solidFill>
-                <a:highlight>
-                  <a:srgbClr val="FFFFFF"/>
-                </a:highlight>
-                <a:latin typeface="Cascadia Mono" panose="020B0609020000020004" pitchFamily="49" charset="0"/>
-              </a:rPr>
-              <a:t>CharacterController</a:t>
-            </a:r>
-            <a:r>
-              <a:rPr lang="en-US" sz="1800" dirty="0">
-                <a:solidFill>
-                  <a:srgbClr val="000000"/>
-                </a:solidFill>
-                <a:highlight>
-                  <a:srgbClr val="FFFFFF"/>
-                </a:highlight>
-                <a:latin typeface="Cascadia Mono" panose="020B0609020000020004" pitchFamily="49" charset="0"/>
-              </a:rPr>
-              <a:t>&gt;</a:t>
-            </a:r>
-            <a:r>
-              <a:rPr lang="en-US" sz="1800" dirty="0">
-                <a:solidFill>
-                  <a:srgbClr val="9ACD32"/>
-                </a:solidFill>
-                <a:highlight>
-                  <a:srgbClr val="FFFFFF"/>
-                </a:highlight>
-                <a:latin typeface="Cascadia Mono" panose="020B0609020000020004" pitchFamily="49" charset="0"/>
-              </a:rPr>
-              <a:t>()</a:t>
-            </a:r>
-            <a:r>
-              <a:rPr lang="en-US" sz="1800" dirty="0">
-                <a:solidFill>
-                  <a:srgbClr val="000000"/>
-                </a:solidFill>
-                <a:highlight>
-                  <a:srgbClr val="FFFFFF"/>
-                </a:highlight>
-                <a:latin typeface="Cascadia Mono" panose="020B0609020000020004" pitchFamily="49" charset="0"/>
-              </a:rPr>
-              <a:t>;</a:t>
-            </a:r>
-          </a:p>
-          <a:p>
-            <a:r>
-              <a:rPr lang="en-US" sz="1800" dirty="0">
-                <a:solidFill>
-                  <a:srgbClr val="000000"/>
-                </a:solidFill>
-                <a:highlight>
-                  <a:srgbClr val="FFFFFF"/>
-                </a:highlight>
-                <a:latin typeface="Cascadia Mono" panose="020B0609020000020004" pitchFamily="49" charset="0"/>
-              </a:rPr>
-              <a:t>        _</a:t>
-            </a:r>
-            <a:r>
-              <a:rPr lang="en-US" sz="1800" dirty="0" err="1">
-                <a:solidFill>
-                  <a:srgbClr val="000000"/>
-                </a:solidFill>
-                <a:highlight>
-                  <a:srgbClr val="FFFFFF"/>
-                </a:highlight>
-                <a:latin typeface="Cascadia Mono" panose="020B0609020000020004" pitchFamily="49" charset="0"/>
-              </a:rPr>
-              <a:t>previousPosition</a:t>
-            </a:r>
-            <a:r>
-              <a:rPr lang="en-US" sz="1800" dirty="0">
-                <a:solidFill>
-                  <a:srgbClr val="000000"/>
-                </a:solidFill>
-                <a:highlight>
-                  <a:srgbClr val="FFFFFF"/>
-                </a:highlight>
-                <a:latin typeface="Cascadia Mono" panose="020B0609020000020004" pitchFamily="49" charset="0"/>
-              </a:rPr>
-              <a:t> = </a:t>
-            </a:r>
-            <a:r>
-              <a:rPr lang="en-US" sz="1800" dirty="0" err="1">
-                <a:solidFill>
-                  <a:srgbClr val="000000"/>
-                </a:solidFill>
-                <a:highlight>
-                  <a:srgbClr val="FFFFFF"/>
-                </a:highlight>
-                <a:latin typeface="Cascadia Mono" panose="020B0609020000020004" pitchFamily="49" charset="0"/>
-              </a:rPr>
-              <a:t>transform.position</a:t>
-            </a:r>
-            <a:r>
-              <a:rPr lang="en-US" sz="1800" dirty="0">
-                <a:solidFill>
-                  <a:srgbClr val="000000"/>
-                </a:solidFill>
-                <a:highlight>
-                  <a:srgbClr val="FFFFFF"/>
-                </a:highlight>
-                <a:latin typeface="Cascadia Mono" panose="020B0609020000020004" pitchFamily="49" charset="0"/>
-              </a:rPr>
-              <a:t>;</a:t>
-            </a:r>
-          </a:p>
-          <a:p>
-            <a:r>
-              <a:rPr lang="en-SE" sz="1800" dirty="0">
-                <a:solidFill>
-                  <a:srgbClr val="000000"/>
-                </a:solidFill>
-                <a:highlight>
-                  <a:srgbClr val="FFFFFF"/>
-                </a:highlight>
-                <a:latin typeface="Cascadia Mono" panose="020B0609020000020004" pitchFamily="49" charset="0"/>
-              </a:rPr>
-              <a:t>    </a:t>
-            </a:r>
-            <a:r>
-              <a:rPr lang="en-SE" sz="1800" dirty="0">
-                <a:solidFill>
-                  <a:srgbClr val="FF1493"/>
-                </a:solidFill>
-                <a:highlight>
-                  <a:srgbClr val="FFFFFF"/>
-                </a:highlight>
-                <a:latin typeface="Cascadia Mono" panose="020B0609020000020004" pitchFamily="49" charset="0"/>
-              </a:rPr>
-              <a:t>}</a:t>
-            </a:r>
-            <a:endParaRPr lang="en-SE" sz="1800" dirty="0">
-              <a:solidFill>
-                <a:srgbClr val="000000"/>
-              </a:solidFill>
-              <a:highlight>
-                <a:srgbClr val="FFFFFF"/>
-              </a:highlight>
-              <a:latin typeface="Cascadia Mono" panose="020B0609020000020004" pitchFamily="49" charset="0"/>
-            </a:endParaRPr>
-          </a:p>
-          <a:p>
-            <a:endParaRPr lang="en-SE" sz="1800" dirty="0">
-              <a:solidFill>
-                <a:srgbClr val="000000"/>
-              </a:solidFill>
-              <a:highlight>
-                <a:srgbClr val="FFFFFF"/>
-              </a:highlight>
-              <a:latin typeface="Cascadia Mono" panose="020B0609020000020004" pitchFamily="49" charset="0"/>
-            </a:endParaRPr>
-          </a:p>
-          <a:p>
-            <a:r>
-              <a:rPr lang="en-US" sz="1800" dirty="0">
-                <a:solidFill>
-                  <a:srgbClr val="000000"/>
-                </a:solidFill>
-                <a:highlight>
-                  <a:srgbClr val="FFFFFF"/>
-                </a:highlight>
-                <a:latin typeface="Cascadia Mono" panose="020B0609020000020004" pitchFamily="49" charset="0"/>
-              </a:rPr>
-              <a:t>    </a:t>
-            </a:r>
-            <a:r>
-              <a:rPr lang="en-US" sz="1800" dirty="0">
-                <a:solidFill>
-                  <a:srgbClr val="008000"/>
-                </a:solidFill>
-                <a:highlight>
-                  <a:srgbClr val="FFFFFF"/>
-                </a:highlight>
-                <a:latin typeface="Cascadia Mono" panose="020B0609020000020004" pitchFamily="49" charset="0"/>
-              </a:rPr>
-              <a:t>// Update is called once per frame</a:t>
-            </a:r>
-            <a:endParaRPr lang="en-US" sz="1800" dirty="0">
-              <a:solidFill>
-                <a:srgbClr val="000000"/>
-              </a:solidFill>
-              <a:highlight>
-                <a:srgbClr val="FFFFFF"/>
-              </a:highlight>
-              <a:latin typeface="Cascadia Mono" panose="020B0609020000020004" pitchFamily="49" charset="0"/>
-            </a:endParaRPr>
-          </a:p>
-          <a:p>
-            <a:r>
-              <a:rPr lang="en-US" sz="1800" dirty="0">
-                <a:solidFill>
-                  <a:srgbClr val="000000"/>
-                </a:solidFill>
-                <a:highlight>
-                  <a:srgbClr val="FFFFFF"/>
-                </a:highlight>
-                <a:latin typeface="Cascadia Mono" panose="020B0609020000020004" pitchFamily="49" charset="0"/>
-              </a:rPr>
-              <a:t>    </a:t>
-            </a:r>
-            <a:r>
-              <a:rPr lang="en-US" sz="1800" dirty="0">
-                <a:solidFill>
-                  <a:srgbClr val="0000FF"/>
-                </a:solidFill>
-                <a:highlight>
-                  <a:srgbClr val="FFFFFF"/>
-                </a:highlight>
-                <a:latin typeface="Cascadia Mono" panose="020B0609020000020004" pitchFamily="49" charset="0"/>
-              </a:rPr>
-              <a:t>void</a:t>
-            </a:r>
-            <a:r>
-              <a:rPr lang="en-US" sz="1800" dirty="0">
-                <a:solidFill>
-                  <a:srgbClr val="000000"/>
-                </a:solidFill>
-                <a:highlight>
-                  <a:srgbClr val="FFFFFF"/>
-                </a:highlight>
-                <a:latin typeface="Cascadia Mono" panose="020B0609020000020004" pitchFamily="49" charset="0"/>
-              </a:rPr>
-              <a:t> Update</a:t>
-            </a:r>
-            <a:r>
-              <a:rPr lang="en-US" sz="1800" dirty="0">
-                <a:solidFill>
-                  <a:srgbClr val="FF1493"/>
-                </a:solidFill>
-                <a:highlight>
-                  <a:srgbClr val="FFFFFF"/>
-                </a:highlight>
-                <a:latin typeface="Cascadia Mono" panose="020B0609020000020004" pitchFamily="49" charset="0"/>
-              </a:rPr>
-              <a:t>()</a:t>
-            </a:r>
-            <a:endParaRPr lang="en-US" sz="1800" dirty="0">
-              <a:solidFill>
-                <a:srgbClr val="000000"/>
-              </a:solidFill>
-              <a:highlight>
-                <a:srgbClr val="FFFFFF"/>
-              </a:highlight>
-              <a:latin typeface="Cascadia Mono" panose="020B0609020000020004" pitchFamily="49" charset="0"/>
-            </a:endParaRPr>
-          </a:p>
-          <a:p>
-            <a:r>
-              <a:rPr lang="en-SE" sz="1800" dirty="0">
-                <a:solidFill>
-                  <a:srgbClr val="000000"/>
-                </a:solidFill>
-                <a:highlight>
-                  <a:srgbClr val="FFFFFF"/>
-                </a:highlight>
-                <a:latin typeface="Cascadia Mono" panose="020B0609020000020004" pitchFamily="49" charset="0"/>
-              </a:rPr>
-              <a:t>    </a:t>
-            </a:r>
-            <a:r>
-              <a:rPr lang="en-SE" sz="1800" dirty="0">
-                <a:solidFill>
-                  <a:srgbClr val="FF1493"/>
-                </a:solidFill>
-                <a:highlight>
-                  <a:srgbClr val="FFFFFF"/>
-                </a:highlight>
-                <a:latin typeface="Cascadia Mono" panose="020B0609020000020004" pitchFamily="49" charset="0"/>
-              </a:rPr>
-              <a:t>{</a:t>
-            </a:r>
-            <a:endParaRPr lang="en-SE" sz="1800" dirty="0">
-              <a:solidFill>
-                <a:srgbClr val="000000"/>
-              </a:solidFill>
-              <a:highlight>
-                <a:srgbClr val="FFFFFF"/>
-              </a:highlight>
-              <a:latin typeface="Cascadia Mono" panose="020B0609020000020004" pitchFamily="49" charset="0"/>
-            </a:endParaRPr>
-          </a:p>
-          <a:p>
-            <a:r>
-              <a:rPr lang="en-US" sz="1800" dirty="0">
-                <a:solidFill>
-                  <a:srgbClr val="000000"/>
-                </a:solidFill>
-                <a:highlight>
-                  <a:srgbClr val="FFFFFF"/>
-                </a:highlight>
-                <a:latin typeface="Cascadia Mono" panose="020B0609020000020004" pitchFamily="49" charset="0"/>
-              </a:rPr>
-              <a:t>        </a:t>
-            </a:r>
-            <a:r>
-              <a:rPr lang="en-US" sz="1800" dirty="0">
-                <a:solidFill>
-                  <a:srgbClr val="0000FF"/>
-                </a:solidFill>
-                <a:highlight>
-                  <a:srgbClr val="FFFFFF"/>
-                </a:highlight>
-                <a:latin typeface="Cascadia Mono" panose="020B0609020000020004" pitchFamily="49" charset="0"/>
-              </a:rPr>
-              <a:t>float</a:t>
-            </a:r>
-            <a:r>
-              <a:rPr lang="en-US" sz="1800" dirty="0">
-                <a:solidFill>
-                  <a:srgbClr val="000000"/>
-                </a:solidFill>
-                <a:highlight>
-                  <a:srgbClr val="FFFFFF"/>
-                </a:highlight>
-                <a:latin typeface="Cascadia Mono" panose="020B0609020000020004" pitchFamily="49" charset="0"/>
-              </a:rPr>
-              <a:t> vertical = </a:t>
-            </a:r>
-            <a:r>
-              <a:rPr lang="en-US" sz="1800" dirty="0" err="1">
-                <a:solidFill>
-                  <a:srgbClr val="000000"/>
-                </a:solidFill>
-                <a:highlight>
-                  <a:srgbClr val="FFFFFF"/>
-                </a:highlight>
-                <a:latin typeface="Cascadia Mono" panose="020B0609020000020004" pitchFamily="49" charset="0"/>
-              </a:rPr>
-              <a:t>Input.GetAxis</a:t>
-            </a:r>
-            <a:r>
-              <a:rPr lang="en-US" sz="1800" dirty="0">
-                <a:solidFill>
-                  <a:srgbClr val="9ACD32"/>
-                </a:solidFill>
-                <a:highlight>
-                  <a:srgbClr val="FFFFFF"/>
-                </a:highlight>
-                <a:latin typeface="Cascadia Mono" panose="020B0609020000020004" pitchFamily="49" charset="0"/>
-              </a:rPr>
-              <a:t>(</a:t>
-            </a:r>
-            <a:r>
-              <a:rPr lang="en-US" sz="1800" dirty="0">
-                <a:solidFill>
-                  <a:srgbClr val="A31515"/>
-                </a:solidFill>
-                <a:highlight>
-                  <a:srgbClr val="FFFFFF"/>
-                </a:highlight>
-                <a:latin typeface="Cascadia Mono" panose="020B0609020000020004" pitchFamily="49" charset="0"/>
-              </a:rPr>
-              <a:t>"Vertical"</a:t>
-            </a:r>
-            <a:r>
-              <a:rPr lang="en-US" sz="1800" dirty="0">
-                <a:solidFill>
-                  <a:srgbClr val="9ACD32"/>
-                </a:solidFill>
-                <a:highlight>
-                  <a:srgbClr val="FFFFFF"/>
-                </a:highlight>
-                <a:latin typeface="Cascadia Mono" panose="020B0609020000020004" pitchFamily="49" charset="0"/>
-              </a:rPr>
-              <a:t>)</a:t>
-            </a:r>
-            <a:r>
-              <a:rPr lang="en-US" sz="1800" dirty="0">
-                <a:solidFill>
-                  <a:srgbClr val="000000"/>
-                </a:solidFill>
-                <a:highlight>
-                  <a:srgbClr val="FFFFFF"/>
-                </a:highlight>
-                <a:latin typeface="Cascadia Mono" panose="020B0609020000020004" pitchFamily="49" charset="0"/>
-              </a:rPr>
-              <a:t>;</a:t>
-            </a:r>
-          </a:p>
-          <a:p>
-            <a:r>
-              <a:rPr lang="en-US" sz="1800" dirty="0">
-                <a:solidFill>
-                  <a:srgbClr val="000000"/>
-                </a:solidFill>
-                <a:highlight>
-                  <a:srgbClr val="FFFFFF"/>
-                </a:highlight>
-                <a:latin typeface="Cascadia Mono" panose="020B0609020000020004" pitchFamily="49" charset="0"/>
-              </a:rPr>
-              <a:t>        </a:t>
-            </a:r>
-            <a:r>
-              <a:rPr lang="en-US" sz="1800" dirty="0">
-                <a:solidFill>
-                  <a:srgbClr val="0000FF"/>
-                </a:solidFill>
-                <a:highlight>
-                  <a:srgbClr val="FFFFFF"/>
-                </a:highlight>
-                <a:latin typeface="Cascadia Mono" panose="020B0609020000020004" pitchFamily="49" charset="0"/>
-              </a:rPr>
-              <a:t>float</a:t>
-            </a:r>
-            <a:r>
-              <a:rPr lang="en-US" sz="1800" dirty="0">
-                <a:solidFill>
-                  <a:srgbClr val="000000"/>
-                </a:solidFill>
-                <a:highlight>
-                  <a:srgbClr val="FFFFFF"/>
-                </a:highlight>
-                <a:latin typeface="Cascadia Mono" panose="020B0609020000020004" pitchFamily="49" charset="0"/>
-              </a:rPr>
-              <a:t> horizontal = </a:t>
-            </a:r>
-            <a:r>
-              <a:rPr lang="en-US" sz="1800" dirty="0" err="1">
-                <a:solidFill>
-                  <a:srgbClr val="000000"/>
-                </a:solidFill>
-                <a:highlight>
-                  <a:srgbClr val="FFFFFF"/>
-                </a:highlight>
-                <a:latin typeface="Cascadia Mono" panose="020B0609020000020004" pitchFamily="49" charset="0"/>
-              </a:rPr>
-              <a:t>Input.GetAxis</a:t>
-            </a:r>
-            <a:r>
-              <a:rPr lang="en-US" sz="1800" dirty="0">
-                <a:solidFill>
-                  <a:srgbClr val="9ACD32"/>
-                </a:solidFill>
-                <a:highlight>
-                  <a:srgbClr val="FFFFFF"/>
-                </a:highlight>
-                <a:latin typeface="Cascadia Mono" panose="020B0609020000020004" pitchFamily="49" charset="0"/>
-              </a:rPr>
-              <a:t>(</a:t>
-            </a:r>
-            <a:r>
-              <a:rPr lang="en-US" sz="1800" dirty="0">
-                <a:solidFill>
-                  <a:srgbClr val="A31515"/>
-                </a:solidFill>
-                <a:highlight>
-                  <a:srgbClr val="FFFFFF"/>
-                </a:highlight>
-                <a:latin typeface="Cascadia Mono" panose="020B0609020000020004" pitchFamily="49" charset="0"/>
-              </a:rPr>
-              <a:t>"Horizontal"</a:t>
-            </a:r>
-            <a:r>
-              <a:rPr lang="en-US" sz="1800" dirty="0">
-                <a:solidFill>
-                  <a:srgbClr val="9ACD32"/>
-                </a:solidFill>
-                <a:highlight>
-                  <a:srgbClr val="FFFFFF"/>
-                </a:highlight>
-                <a:latin typeface="Cascadia Mono" panose="020B0609020000020004" pitchFamily="49" charset="0"/>
-              </a:rPr>
-              <a:t>)</a:t>
-            </a:r>
-            <a:r>
-              <a:rPr lang="en-US" sz="1800" dirty="0">
-                <a:solidFill>
-                  <a:srgbClr val="000000"/>
-                </a:solidFill>
-                <a:highlight>
-                  <a:srgbClr val="FFFFFF"/>
-                </a:highlight>
-                <a:latin typeface="Cascadia Mono" panose="020B0609020000020004" pitchFamily="49" charset="0"/>
-              </a:rPr>
-              <a:t>;</a:t>
-            </a:r>
-          </a:p>
-          <a:p>
-            <a:r>
-              <a:rPr lang="en-US" sz="1800" dirty="0">
-                <a:solidFill>
-                  <a:srgbClr val="000000"/>
-                </a:solidFill>
-                <a:highlight>
-                  <a:srgbClr val="FFFFFF"/>
-                </a:highlight>
-                <a:latin typeface="Cascadia Mono" panose="020B0609020000020004" pitchFamily="49" charset="0"/>
-              </a:rPr>
-              <a:t>        </a:t>
-            </a:r>
-            <a:r>
-              <a:rPr lang="en-US" sz="1800" dirty="0">
-                <a:solidFill>
-                  <a:srgbClr val="0000FF"/>
-                </a:solidFill>
-                <a:highlight>
-                  <a:srgbClr val="FFFFFF"/>
-                </a:highlight>
-                <a:latin typeface="Cascadia Mono" panose="020B0609020000020004" pitchFamily="49" charset="0"/>
-              </a:rPr>
-              <a:t>if</a:t>
-            </a:r>
-            <a:r>
-              <a:rPr lang="en-US" sz="1800" dirty="0">
-                <a:solidFill>
-                  <a:srgbClr val="000000"/>
-                </a:solidFill>
-                <a:highlight>
-                  <a:srgbClr val="FFFFFF"/>
-                </a:highlight>
-                <a:latin typeface="Cascadia Mono" panose="020B0609020000020004" pitchFamily="49" charset="0"/>
-              </a:rPr>
-              <a:t> </a:t>
-            </a:r>
-            <a:r>
-              <a:rPr lang="en-US" sz="1800" dirty="0">
-                <a:solidFill>
-                  <a:srgbClr val="9ACD32"/>
-                </a:solidFill>
-                <a:highlight>
-                  <a:srgbClr val="FFFFFF"/>
-                </a:highlight>
-                <a:latin typeface="Cascadia Mono" panose="020B0609020000020004" pitchFamily="49" charset="0"/>
-              </a:rPr>
-              <a:t>(</a:t>
-            </a:r>
-            <a:r>
-              <a:rPr lang="en-US" sz="1800" dirty="0" err="1">
-                <a:solidFill>
-                  <a:srgbClr val="000000"/>
-                </a:solidFill>
-                <a:highlight>
-                  <a:srgbClr val="FFFFFF"/>
-                </a:highlight>
-                <a:latin typeface="Cascadia Mono" panose="020B0609020000020004" pitchFamily="49" charset="0"/>
-              </a:rPr>
-              <a:t>Input.GetKeyDown</a:t>
-            </a:r>
-            <a:r>
-              <a:rPr lang="en-US" sz="1800" dirty="0">
-                <a:solidFill>
-                  <a:srgbClr val="9400D3"/>
-                </a:solidFill>
-                <a:highlight>
-                  <a:srgbClr val="FFFFFF"/>
-                </a:highlight>
-                <a:latin typeface="Cascadia Mono" panose="020B0609020000020004" pitchFamily="49" charset="0"/>
-              </a:rPr>
-              <a:t>(</a:t>
-            </a:r>
-            <a:r>
-              <a:rPr lang="en-US" sz="1800" dirty="0" err="1">
-                <a:solidFill>
-                  <a:srgbClr val="000000"/>
-                </a:solidFill>
-                <a:highlight>
-                  <a:srgbClr val="FFFFFF"/>
-                </a:highlight>
-                <a:latin typeface="Cascadia Mono" panose="020B0609020000020004" pitchFamily="49" charset="0"/>
-              </a:rPr>
-              <a:t>KeyCode.Z</a:t>
-            </a:r>
-            <a:r>
-              <a:rPr lang="en-US" sz="1800" dirty="0">
-                <a:solidFill>
-                  <a:srgbClr val="9400D3"/>
-                </a:solidFill>
-                <a:highlight>
-                  <a:srgbClr val="FFFFFF"/>
-                </a:highlight>
-                <a:latin typeface="Cascadia Mono" panose="020B0609020000020004" pitchFamily="49" charset="0"/>
-              </a:rPr>
-              <a:t>)</a:t>
-            </a:r>
-            <a:r>
-              <a:rPr lang="en-US" sz="1800" dirty="0">
-                <a:solidFill>
-                  <a:srgbClr val="9ACD32"/>
-                </a:solidFill>
-                <a:highlight>
-                  <a:srgbClr val="FFFFFF"/>
-                </a:highlight>
-                <a:latin typeface="Cascadia Mono" panose="020B0609020000020004" pitchFamily="49" charset="0"/>
-              </a:rPr>
-              <a:t>)</a:t>
-            </a:r>
-            <a:endParaRPr lang="en-US" sz="1800" dirty="0">
-              <a:solidFill>
-                <a:srgbClr val="000000"/>
-              </a:solidFill>
-              <a:highlight>
-                <a:srgbClr val="FFFFFF"/>
-              </a:highlight>
-              <a:latin typeface="Cascadia Mono" panose="020B0609020000020004" pitchFamily="49" charset="0"/>
-            </a:endParaRPr>
-          </a:p>
-          <a:p>
-            <a:r>
-              <a:rPr lang="en-SE" sz="1800" dirty="0">
-                <a:solidFill>
-                  <a:srgbClr val="000000"/>
-                </a:solidFill>
-                <a:highlight>
-                  <a:srgbClr val="FFFFFF"/>
-                </a:highlight>
-                <a:latin typeface="Cascadia Mono" panose="020B0609020000020004" pitchFamily="49" charset="0"/>
-              </a:rPr>
-              <a:t>        </a:t>
-            </a:r>
-            <a:r>
-              <a:rPr lang="en-SE" sz="1800" dirty="0">
-                <a:solidFill>
-                  <a:srgbClr val="9ACD32"/>
-                </a:solidFill>
-                <a:highlight>
-                  <a:srgbClr val="FFFFFF"/>
-                </a:highlight>
-                <a:latin typeface="Cascadia Mono" panose="020B0609020000020004" pitchFamily="49" charset="0"/>
-              </a:rPr>
-              <a:t>{</a:t>
-            </a:r>
-            <a:endParaRPr lang="en-SE" sz="1800" dirty="0">
-              <a:solidFill>
-                <a:srgbClr val="000000"/>
-              </a:solidFill>
-              <a:highlight>
-                <a:srgbClr val="FFFFFF"/>
-              </a:highlight>
-              <a:latin typeface="Cascadia Mono" panose="020B0609020000020004" pitchFamily="49" charset="0"/>
-            </a:endParaRPr>
-          </a:p>
-          <a:p>
-            <a:r>
-              <a:rPr lang="en-US" sz="1800" dirty="0">
-                <a:solidFill>
-                  <a:srgbClr val="000000"/>
-                </a:solidFill>
-                <a:highlight>
-                  <a:srgbClr val="FFFFFF"/>
-                </a:highlight>
-                <a:latin typeface="Cascadia Mono" panose="020B0609020000020004" pitchFamily="49" charset="0"/>
-              </a:rPr>
-              <a:t>            _</a:t>
-            </a:r>
-            <a:r>
-              <a:rPr lang="en-US" sz="1800" dirty="0" err="1">
-                <a:solidFill>
-                  <a:srgbClr val="000000"/>
-                </a:solidFill>
-                <a:highlight>
-                  <a:srgbClr val="FFFFFF"/>
-                </a:highlight>
-                <a:latin typeface="Cascadia Mono" panose="020B0609020000020004" pitchFamily="49" charset="0"/>
-              </a:rPr>
-              <a:t>animator.SetTrigger</a:t>
-            </a:r>
-            <a:r>
-              <a:rPr lang="en-US" sz="1800" dirty="0">
-                <a:solidFill>
-                  <a:srgbClr val="9400D3"/>
-                </a:solidFill>
-                <a:highlight>
-                  <a:srgbClr val="FFFFFF"/>
-                </a:highlight>
-                <a:latin typeface="Cascadia Mono" panose="020B0609020000020004" pitchFamily="49" charset="0"/>
-              </a:rPr>
-              <a:t>(</a:t>
-            </a:r>
-            <a:r>
-              <a:rPr lang="en-US" sz="1800" dirty="0">
-                <a:solidFill>
-                  <a:srgbClr val="A31515"/>
-                </a:solidFill>
-                <a:highlight>
-                  <a:srgbClr val="FFFFFF"/>
-                </a:highlight>
-                <a:latin typeface="Cascadia Mono" panose="020B0609020000020004" pitchFamily="49" charset="0"/>
-              </a:rPr>
-              <a:t>"wave"</a:t>
-            </a:r>
-            <a:r>
-              <a:rPr lang="en-US" sz="1800" dirty="0">
-                <a:solidFill>
-                  <a:srgbClr val="9400D3"/>
-                </a:solidFill>
-                <a:highlight>
-                  <a:srgbClr val="FFFFFF"/>
-                </a:highlight>
-                <a:latin typeface="Cascadia Mono" panose="020B0609020000020004" pitchFamily="49" charset="0"/>
-              </a:rPr>
-              <a:t>)</a:t>
-            </a:r>
-            <a:r>
-              <a:rPr lang="en-US" sz="1800" dirty="0">
-                <a:solidFill>
-                  <a:srgbClr val="000000"/>
-                </a:solidFill>
-                <a:highlight>
-                  <a:srgbClr val="FFFFFF"/>
-                </a:highlight>
-                <a:latin typeface="Cascadia Mono" panose="020B0609020000020004" pitchFamily="49" charset="0"/>
-              </a:rPr>
-              <a:t>;</a:t>
-            </a:r>
-          </a:p>
-          <a:p>
-            <a:r>
-              <a:rPr lang="en-SE" sz="1800" dirty="0">
-                <a:solidFill>
-                  <a:srgbClr val="000000"/>
-                </a:solidFill>
-                <a:highlight>
-                  <a:srgbClr val="FFFFFF"/>
-                </a:highlight>
-                <a:latin typeface="Cascadia Mono" panose="020B0609020000020004" pitchFamily="49" charset="0"/>
-              </a:rPr>
-              <a:t>        </a:t>
-            </a:r>
-            <a:r>
-              <a:rPr lang="en-SE" sz="1800" dirty="0">
-                <a:solidFill>
-                  <a:srgbClr val="9ACD32"/>
-                </a:solidFill>
-                <a:highlight>
-                  <a:srgbClr val="FFFFFF"/>
-                </a:highlight>
-                <a:latin typeface="Cascadia Mono" panose="020B0609020000020004" pitchFamily="49" charset="0"/>
-              </a:rPr>
-              <a:t>}</a:t>
-            </a:r>
-            <a:endParaRPr lang="en-SE" sz="1800" dirty="0">
-              <a:solidFill>
-                <a:srgbClr val="000000"/>
-              </a:solidFill>
-              <a:highlight>
-                <a:srgbClr val="FFFFFF"/>
-              </a:highlight>
-              <a:latin typeface="Cascadia Mono" panose="020B0609020000020004" pitchFamily="49" charset="0"/>
-            </a:endParaRPr>
-          </a:p>
-          <a:p>
-            <a:r>
-              <a:rPr lang="en-US" sz="1800" dirty="0">
-                <a:solidFill>
-                  <a:srgbClr val="000000"/>
-                </a:solidFill>
-                <a:highlight>
-                  <a:srgbClr val="FFFFFF"/>
-                </a:highlight>
-                <a:latin typeface="Cascadia Mono" panose="020B0609020000020004" pitchFamily="49" charset="0"/>
-              </a:rPr>
-              <a:t>        _</a:t>
-            </a:r>
-            <a:r>
-              <a:rPr lang="en-US" sz="1800" dirty="0" err="1">
-                <a:solidFill>
-                  <a:srgbClr val="000000"/>
-                </a:solidFill>
-                <a:highlight>
-                  <a:srgbClr val="FFFFFF"/>
-                </a:highlight>
-                <a:latin typeface="Cascadia Mono" panose="020B0609020000020004" pitchFamily="49" charset="0"/>
-              </a:rPr>
-              <a:t>characterController.Move</a:t>
-            </a:r>
-            <a:r>
-              <a:rPr lang="en-US" sz="1800" dirty="0">
-                <a:solidFill>
-                  <a:srgbClr val="9ACD32"/>
-                </a:solidFill>
-                <a:highlight>
-                  <a:srgbClr val="FFFFFF"/>
-                </a:highlight>
-                <a:latin typeface="Cascadia Mono" panose="020B0609020000020004" pitchFamily="49" charset="0"/>
-              </a:rPr>
-              <a:t>(</a:t>
-            </a:r>
-            <a:r>
-              <a:rPr lang="en-US" sz="1800" dirty="0" err="1">
-                <a:solidFill>
-                  <a:srgbClr val="000000"/>
-                </a:solidFill>
-                <a:highlight>
-                  <a:srgbClr val="FFFFFF"/>
-                </a:highlight>
-                <a:latin typeface="Cascadia Mono" panose="020B0609020000020004" pitchFamily="49" charset="0"/>
-              </a:rPr>
-              <a:t>transform.forward</a:t>
-            </a:r>
-            <a:r>
-              <a:rPr lang="en-US" sz="1800" dirty="0">
-                <a:solidFill>
-                  <a:srgbClr val="000000"/>
-                </a:solidFill>
-                <a:highlight>
-                  <a:srgbClr val="FFFFFF"/>
-                </a:highlight>
-                <a:latin typeface="Cascadia Mono" panose="020B0609020000020004" pitchFamily="49" charset="0"/>
-              </a:rPr>
-              <a:t> * </a:t>
-            </a:r>
-            <a:r>
-              <a:rPr lang="en-US" sz="1800" dirty="0">
-                <a:solidFill>
-                  <a:srgbClr val="9400D3"/>
-                </a:solidFill>
-                <a:highlight>
-                  <a:srgbClr val="FFFFFF"/>
-                </a:highlight>
-                <a:latin typeface="Cascadia Mono" panose="020B0609020000020004" pitchFamily="49" charset="0"/>
-              </a:rPr>
-              <a:t>(</a:t>
-            </a:r>
-            <a:r>
-              <a:rPr lang="en-US" sz="1800" dirty="0">
-                <a:solidFill>
-                  <a:srgbClr val="000000"/>
-                </a:solidFill>
-                <a:highlight>
-                  <a:srgbClr val="FFFFFF"/>
-                </a:highlight>
-                <a:latin typeface="Cascadia Mono" panose="020B0609020000020004" pitchFamily="49" charset="0"/>
-              </a:rPr>
-              <a:t>vertical * </a:t>
-            </a:r>
-            <a:r>
-              <a:rPr lang="en-US" sz="1800" dirty="0" err="1">
-                <a:solidFill>
-                  <a:srgbClr val="000000"/>
-                </a:solidFill>
-                <a:highlight>
-                  <a:srgbClr val="FFFFFF"/>
-                </a:highlight>
-                <a:latin typeface="Cascadia Mono" panose="020B0609020000020004" pitchFamily="49" charset="0"/>
-              </a:rPr>
-              <a:t>MovementSpeed</a:t>
-            </a:r>
-            <a:r>
-              <a:rPr lang="en-US" sz="1800" dirty="0">
-                <a:solidFill>
-                  <a:srgbClr val="000000"/>
-                </a:solidFill>
-                <a:highlight>
-                  <a:srgbClr val="FFFFFF"/>
-                </a:highlight>
-                <a:latin typeface="Cascadia Mono" panose="020B0609020000020004" pitchFamily="49" charset="0"/>
-              </a:rPr>
-              <a:t> * </a:t>
-            </a:r>
-            <a:r>
-              <a:rPr lang="en-US" sz="1800" dirty="0" err="1">
-                <a:solidFill>
-                  <a:srgbClr val="000000"/>
-                </a:solidFill>
-                <a:highlight>
-                  <a:srgbClr val="FFFFFF"/>
-                </a:highlight>
-                <a:latin typeface="Cascadia Mono" panose="020B0609020000020004" pitchFamily="49" charset="0"/>
-              </a:rPr>
-              <a:t>Time.deltaTime</a:t>
-            </a:r>
-            <a:r>
-              <a:rPr lang="en-US" sz="1800" dirty="0">
-                <a:solidFill>
-                  <a:srgbClr val="9400D3"/>
-                </a:solidFill>
-                <a:highlight>
-                  <a:srgbClr val="FFFFFF"/>
-                </a:highlight>
-                <a:latin typeface="Cascadia Mono" panose="020B0609020000020004" pitchFamily="49" charset="0"/>
-              </a:rPr>
-              <a:t>)</a:t>
-            </a:r>
-            <a:r>
-              <a:rPr lang="en-US" sz="1800" dirty="0">
-                <a:solidFill>
-                  <a:srgbClr val="9ACD32"/>
-                </a:solidFill>
-                <a:highlight>
-                  <a:srgbClr val="FFFFFF"/>
-                </a:highlight>
-                <a:latin typeface="Cascadia Mono" panose="020B0609020000020004" pitchFamily="49" charset="0"/>
-              </a:rPr>
-              <a:t>)</a:t>
-            </a:r>
-            <a:r>
-              <a:rPr lang="en-US" sz="1800" dirty="0">
-                <a:solidFill>
-                  <a:srgbClr val="000000"/>
-                </a:solidFill>
-                <a:highlight>
-                  <a:srgbClr val="FFFFFF"/>
-                </a:highlight>
-                <a:latin typeface="Cascadia Mono" panose="020B0609020000020004" pitchFamily="49" charset="0"/>
-              </a:rPr>
-              <a:t>;</a:t>
-            </a:r>
-          </a:p>
-          <a:p>
-            <a:r>
-              <a:rPr lang="en-US" sz="1800" dirty="0">
-                <a:solidFill>
-                  <a:srgbClr val="000000"/>
-                </a:solidFill>
-                <a:highlight>
-                  <a:srgbClr val="FFFFFF"/>
-                </a:highlight>
-                <a:latin typeface="Cascadia Mono" panose="020B0609020000020004" pitchFamily="49" charset="0"/>
-              </a:rPr>
-              <a:t>        Vector3 </a:t>
-            </a:r>
-            <a:r>
-              <a:rPr lang="en-US" sz="1800" dirty="0" err="1">
-                <a:solidFill>
-                  <a:srgbClr val="000000"/>
-                </a:solidFill>
-                <a:highlight>
-                  <a:srgbClr val="FFFFFF"/>
-                </a:highlight>
-                <a:latin typeface="Cascadia Mono" panose="020B0609020000020004" pitchFamily="49" charset="0"/>
-              </a:rPr>
-              <a:t>movementFromLastFrame</a:t>
-            </a:r>
-            <a:r>
-              <a:rPr lang="en-US" sz="1800" dirty="0">
-                <a:solidFill>
-                  <a:srgbClr val="000000"/>
-                </a:solidFill>
-                <a:highlight>
-                  <a:srgbClr val="FFFFFF"/>
-                </a:highlight>
-                <a:latin typeface="Cascadia Mono" panose="020B0609020000020004" pitchFamily="49" charset="0"/>
-              </a:rPr>
-              <a:t> = </a:t>
-            </a:r>
-            <a:r>
-              <a:rPr lang="en-US" sz="1800" dirty="0" err="1">
-                <a:solidFill>
-                  <a:srgbClr val="000000"/>
-                </a:solidFill>
-                <a:highlight>
-                  <a:srgbClr val="FFFFFF"/>
-                </a:highlight>
-                <a:latin typeface="Cascadia Mono" panose="020B0609020000020004" pitchFamily="49" charset="0"/>
-              </a:rPr>
-              <a:t>transform.position</a:t>
-            </a:r>
-            <a:r>
-              <a:rPr lang="en-US" sz="1800" dirty="0">
-                <a:solidFill>
-                  <a:srgbClr val="000000"/>
-                </a:solidFill>
-                <a:highlight>
-                  <a:srgbClr val="FFFFFF"/>
-                </a:highlight>
-                <a:latin typeface="Cascadia Mono" panose="020B0609020000020004" pitchFamily="49" charset="0"/>
-              </a:rPr>
-              <a:t> - _</a:t>
-            </a:r>
-            <a:r>
-              <a:rPr lang="en-US" sz="1800" dirty="0" err="1">
-                <a:solidFill>
-                  <a:srgbClr val="000000"/>
-                </a:solidFill>
-                <a:highlight>
-                  <a:srgbClr val="FFFFFF"/>
-                </a:highlight>
-                <a:latin typeface="Cascadia Mono" panose="020B0609020000020004" pitchFamily="49" charset="0"/>
-              </a:rPr>
-              <a:t>previousPosition</a:t>
-            </a:r>
-            <a:r>
-              <a:rPr lang="en-US" sz="1800" dirty="0">
-                <a:solidFill>
-                  <a:srgbClr val="000000"/>
-                </a:solidFill>
-                <a:highlight>
-                  <a:srgbClr val="FFFFFF"/>
-                </a:highlight>
-                <a:latin typeface="Cascadia Mono" panose="020B0609020000020004" pitchFamily="49" charset="0"/>
-              </a:rPr>
-              <a:t>;</a:t>
-            </a:r>
-          </a:p>
-          <a:p>
-            <a:r>
-              <a:rPr lang="en-US" sz="1800" dirty="0">
-                <a:solidFill>
-                  <a:srgbClr val="000000"/>
-                </a:solidFill>
-                <a:highlight>
-                  <a:srgbClr val="FFFFFF"/>
-                </a:highlight>
-                <a:latin typeface="Cascadia Mono" panose="020B0609020000020004" pitchFamily="49" charset="0"/>
-              </a:rPr>
-              <a:t>        </a:t>
-            </a:r>
-            <a:r>
-              <a:rPr lang="en-US" sz="1800" dirty="0" err="1">
-                <a:solidFill>
-                  <a:srgbClr val="000000"/>
-                </a:solidFill>
-                <a:highlight>
-                  <a:srgbClr val="FFFFFF"/>
-                </a:highlight>
-                <a:latin typeface="Cascadia Mono" panose="020B0609020000020004" pitchFamily="49" charset="0"/>
-              </a:rPr>
-              <a:t>movementFromLastFrame.y</a:t>
-            </a:r>
-            <a:r>
-              <a:rPr lang="en-US" sz="1800" dirty="0">
-                <a:solidFill>
-                  <a:srgbClr val="000000"/>
-                </a:solidFill>
-                <a:highlight>
-                  <a:srgbClr val="FFFFFF"/>
-                </a:highlight>
-                <a:latin typeface="Cascadia Mono" panose="020B0609020000020004" pitchFamily="49" charset="0"/>
-              </a:rPr>
-              <a:t> = 0;</a:t>
-            </a:r>
-          </a:p>
-          <a:p>
-            <a:r>
-              <a:rPr lang="en-US" sz="1800" dirty="0">
-                <a:solidFill>
-                  <a:srgbClr val="000000"/>
-                </a:solidFill>
-                <a:highlight>
-                  <a:srgbClr val="FFFFFF"/>
-                </a:highlight>
-                <a:latin typeface="Cascadia Mono" panose="020B0609020000020004" pitchFamily="49" charset="0"/>
-              </a:rPr>
-              <a:t>        </a:t>
-            </a:r>
-            <a:r>
-              <a:rPr lang="en-US" sz="1800" dirty="0">
-                <a:solidFill>
-                  <a:srgbClr val="0000FF"/>
-                </a:solidFill>
-                <a:highlight>
-                  <a:srgbClr val="FFFFFF"/>
-                </a:highlight>
-                <a:latin typeface="Cascadia Mono" panose="020B0609020000020004" pitchFamily="49" charset="0"/>
-              </a:rPr>
-              <a:t>float</a:t>
-            </a:r>
-            <a:r>
-              <a:rPr lang="en-US" sz="1800" dirty="0">
-                <a:solidFill>
-                  <a:srgbClr val="000000"/>
-                </a:solidFill>
-                <a:highlight>
-                  <a:srgbClr val="FFFFFF"/>
-                </a:highlight>
-                <a:latin typeface="Cascadia Mono" panose="020B0609020000020004" pitchFamily="49" charset="0"/>
-              </a:rPr>
-              <a:t> </a:t>
-            </a:r>
-            <a:r>
-              <a:rPr lang="en-US" sz="1800" dirty="0" err="1">
-                <a:solidFill>
-                  <a:srgbClr val="000000"/>
-                </a:solidFill>
-                <a:highlight>
-                  <a:srgbClr val="FFFFFF"/>
-                </a:highlight>
-                <a:latin typeface="Cascadia Mono" panose="020B0609020000020004" pitchFamily="49" charset="0"/>
-              </a:rPr>
-              <a:t>actualSpeed</a:t>
-            </a:r>
-            <a:r>
-              <a:rPr lang="en-US" sz="1800" dirty="0">
-                <a:solidFill>
-                  <a:srgbClr val="000000"/>
-                </a:solidFill>
-                <a:highlight>
-                  <a:srgbClr val="FFFFFF"/>
-                </a:highlight>
-                <a:latin typeface="Cascadia Mono" panose="020B0609020000020004" pitchFamily="49" charset="0"/>
-              </a:rPr>
-              <a:t> = </a:t>
-            </a:r>
-            <a:r>
-              <a:rPr lang="en-US" sz="1800" dirty="0" err="1">
-                <a:solidFill>
-                  <a:srgbClr val="000000"/>
-                </a:solidFill>
-                <a:highlight>
-                  <a:srgbClr val="FFFFFF"/>
-                </a:highlight>
-                <a:latin typeface="Cascadia Mono" panose="020B0609020000020004" pitchFamily="49" charset="0"/>
-              </a:rPr>
-              <a:t>movementFromLastFrame.magnitude</a:t>
-            </a:r>
-            <a:r>
-              <a:rPr lang="en-US" sz="1800" dirty="0">
-                <a:solidFill>
-                  <a:srgbClr val="000000"/>
-                </a:solidFill>
-                <a:highlight>
-                  <a:srgbClr val="FFFFFF"/>
-                </a:highlight>
-                <a:latin typeface="Cascadia Mono" panose="020B0609020000020004" pitchFamily="49" charset="0"/>
-              </a:rPr>
-              <a:t> / </a:t>
-            </a:r>
-            <a:r>
-              <a:rPr lang="en-US" sz="1800" dirty="0" err="1">
-                <a:solidFill>
-                  <a:srgbClr val="000000"/>
-                </a:solidFill>
-                <a:highlight>
-                  <a:srgbClr val="FFFFFF"/>
-                </a:highlight>
-                <a:latin typeface="Cascadia Mono" panose="020B0609020000020004" pitchFamily="49" charset="0"/>
-              </a:rPr>
-              <a:t>Time.deltaTime</a:t>
-            </a:r>
-            <a:r>
-              <a:rPr lang="en-US" sz="1800" dirty="0">
-                <a:solidFill>
-                  <a:srgbClr val="000000"/>
-                </a:solidFill>
-                <a:highlight>
-                  <a:srgbClr val="FFFFFF"/>
-                </a:highlight>
-                <a:latin typeface="Cascadia Mono" panose="020B0609020000020004" pitchFamily="49" charset="0"/>
-              </a:rPr>
-              <a:t>;</a:t>
-            </a:r>
-          </a:p>
-          <a:p>
-            <a:r>
-              <a:rPr lang="en-US" sz="1800" dirty="0">
-                <a:solidFill>
-                  <a:srgbClr val="000000"/>
-                </a:solidFill>
-                <a:highlight>
-                  <a:srgbClr val="FFFFFF"/>
-                </a:highlight>
-                <a:latin typeface="Cascadia Mono" panose="020B0609020000020004" pitchFamily="49" charset="0"/>
-              </a:rPr>
-              <a:t>        _</a:t>
-            </a:r>
-            <a:r>
-              <a:rPr lang="en-US" sz="1800" dirty="0" err="1">
-                <a:solidFill>
-                  <a:srgbClr val="000000"/>
-                </a:solidFill>
-                <a:highlight>
-                  <a:srgbClr val="FFFFFF"/>
-                </a:highlight>
-                <a:latin typeface="Cascadia Mono" panose="020B0609020000020004" pitchFamily="49" charset="0"/>
-              </a:rPr>
-              <a:t>animator.SetFloat</a:t>
-            </a:r>
-            <a:r>
-              <a:rPr lang="en-US" sz="1800" dirty="0">
-                <a:solidFill>
-                  <a:srgbClr val="9ACD32"/>
-                </a:solidFill>
-                <a:highlight>
-                  <a:srgbClr val="FFFFFF"/>
-                </a:highlight>
-                <a:latin typeface="Cascadia Mono" panose="020B0609020000020004" pitchFamily="49" charset="0"/>
-              </a:rPr>
-              <a:t>(</a:t>
-            </a:r>
-            <a:r>
-              <a:rPr lang="en-US" sz="1800" dirty="0">
-                <a:solidFill>
-                  <a:srgbClr val="A31515"/>
-                </a:solidFill>
-                <a:highlight>
-                  <a:srgbClr val="FFFFFF"/>
-                </a:highlight>
-                <a:latin typeface="Cascadia Mono" panose="020B0609020000020004" pitchFamily="49" charset="0"/>
-              </a:rPr>
-              <a:t>"speed"</a:t>
-            </a:r>
-            <a:r>
-              <a:rPr lang="en-US" sz="1800" dirty="0">
-                <a:solidFill>
-                  <a:srgbClr val="000000"/>
-                </a:solidFill>
-                <a:highlight>
-                  <a:srgbClr val="FFFFFF"/>
-                </a:highlight>
-                <a:latin typeface="Cascadia Mono" panose="020B0609020000020004" pitchFamily="49" charset="0"/>
-              </a:rPr>
-              <a:t>, </a:t>
-            </a:r>
-            <a:r>
-              <a:rPr lang="en-US" sz="1800" dirty="0" err="1">
-                <a:solidFill>
-                  <a:srgbClr val="000000"/>
-                </a:solidFill>
-                <a:highlight>
-                  <a:srgbClr val="FFFFFF"/>
-                </a:highlight>
-                <a:latin typeface="Cascadia Mono" panose="020B0609020000020004" pitchFamily="49" charset="0"/>
-              </a:rPr>
-              <a:t>actualSpeed</a:t>
-            </a:r>
-            <a:r>
-              <a:rPr lang="en-US" sz="1800" dirty="0">
-                <a:solidFill>
-                  <a:srgbClr val="9ACD32"/>
-                </a:solidFill>
-                <a:highlight>
-                  <a:srgbClr val="FFFFFF"/>
-                </a:highlight>
-                <a:latin typeface="Cascadia Mono" panose="020B0609020000020004" pitchFamily="49" charset="0"/>
-              </a:rPr>
-              <a:t>)</a:t>
-            </a:r>
-            <a:r>
-              <a:rPr lang="en-US" sz="1800" dirty="0">
-                <a:solidFill>
-                  <a:srgbClr val="000000"/>
-                </a:solidFill>
-                <a:highlight>
-                  <a:srgbClr val="FFFFFF"/>
-                </a:highlight>
-                <a:latin typeface="Cascadia Mono" panose="020B0609020000020004" pitchFamily="49" charset="0"/>
-              </a:rPr>
-              <a:t>;</a:t>
-            </a:r>
-          </a:p>
-          <a:p>
-            <a:endParaRPr lang="en-SE" sz="1800" dirty="0">
-              <a:solidFill>
-                <a:srgbClr val="000000"/>
-              </a:solidFill>
-              <a:highlight>
-                <a:srgbClr val="FFFFFF"/>
-              </a:highlight>
-              <a:latin typeface="Cascadia Mono" panose="020B0609020000020004" pitchFamily="49" charset="0"/>
-            </a:endParaRPr>
-          </a:p>
-          <a:p>
-            <a:r>
-              <a:rPr lang="en-SE" sz="1800" dirty="0">
-                <a:solidFill>
-                  <a:srgbClr val="000000"/>
-                </a:solidFill>
-                <a:highlight>
-                  <a:srgbClr val="FFFFFF"/>
-                </a:highlight>
-                <a:latin typeface="Cascadia Mono" panose="020B0609020000020004" pitchFamily="49" charset="0"/>
-              </a:rPr>
-              <a:t>        </a:t>
-            </a:r>
-          </a:p>
-          <a:p>
-            <a:r>
-              <a:rPr lang="en-US" sz="1800" dirty="0">
-                <a:solidFill>
-                  <a:srgbClr val="000000"/>
-                </a:solidFill>
-                <a:highlight>
-                  <a:srgbClr val="FFFFFF"/>
-                </a:highlight>
-                <a:latin typeface="Cascadia Mono" panose="020B0609020000020004" pitchFamily="49" charset="0"/>
-              </a:rPr>
-              <a:t>        _</a:t>
-            </a:r>
-            <a:r>
-              <a:rPr lang="en-US" sz="1800" dirty="0" err="1">
-                <a:solidFill>
-                  <a:srgbClr val="000000"/>
-                </a:solidFill>
-                <a:highlight>
-                  <a:srgbClr val="FFFFFF"/>
-                </a:highlight>
-                <a:latin typeface="Cascadia Mono" panose="020B0609020000020004" pitchFamily="49" charset="0"/>
-              </a:rPr>
-              <a:t>previousPosition</a:t>
-            </a:r>
-            <a:r>
-              <a:rPr lang="en-US" sz="1800" dirty="0">
-                <a:solidFill>
-                  <a:srgbClr val="000000"/>
-                </a:solidFill>
-                <a:highlight>
-                  <a:srgbClr val="FFFFFF"/>
-                </a:highlight>
-                <a:latin typeface="Cascadia Mono" panose="020B0609020000020004" pitchFamily="49" charset="0"/>
-              </a:rPr>
-              <a:t> = </a:t>
-            </a:r>
-            <a:r>
-              <a:rPr lang="en-US" sz="1800" dirty="0" err="1">
-                <a:solidFill>
-                  <a:srgbClr val="000000"/>
-                </a:solidFill>
-                <a:highlight>
-                  <a:srgbClr val="FFFFFF"/>
-                </a:highlight>
-                <a:latin typeface="Cascadia Mono" panose="020B0609020000020004" pitchFamily="49" charset="0"/>
-              </a:rPr>
-              <a:t>transform.position</a:t>
-            </a:r>
-            <a:r>
-              <a:rPr lang="en-US" sz="1800" dirty="0">
-                <a:solidFill>
-                  <a:srgbClr val="000000"/>
-                </a:solidFill>
-                <a:highlight>
-                  <a:srgbClr val="FFFFFF"/>
-                </a:highlight>
-                <a:latin typeface="Cascadia Mono" panose="020B0609020000020004" pitchFamily="49" charset="0"/>
-              </a:rPr>
-              <a:t>;</a:t>
-            </a:r>
-          </a:p>
-          <a:p>
-            <a:r>
-              <a:rPr lang="en-US" sz="1800" dirty="0">
-                <a:solidFill>
-                  <a:srgbClr val="000000"/>
-                </a:solidFill>
-                <a:highlight>
-                  <a:srgbClr val="FFFFFF"/>
-                </a:highlight>
-                <a:latin typeface="Cascadia Mono" panose="020B0609020000020004" pitchFamily="49" charset="0"/>
-              </a:rPr>
-              <a:t>        </a:t>
-            </a:r>
-            <a:r>
-              <a:rPr lang="en-US" sz="1800" dirty="0" err="1">
-                <a:solidFill>
-                  <a:srgbClr val="000000"/>
-                </a:solidFill>
-                <a:highlight>
-                  <a:srgbClr val="FFFFFF"/>
-                </a:highlight>
-                <a:latin typeface="Cascadia Mono" panose="020B0609020000020004" pitchFamily="49" charset="0"/>
-              </a:rPr>
-              <a:t>transform.Rotate</a:t>
-            </a:r>
-            <a:r>
-              <a:rPr lang="en-US" sz="1800" dirty="0">
-                <a:solidFill>
-                  <a:srgbClr val="9ACD32"/>
-                </a:solidFill>
-                <a:highlight>
-                  <a:srgbClr val="FFFFFF"/>
-                </a:highlight>
-                <a:latin typeface="Cascadia Mono" panose="020B0609020000020004" pitchFamily="49" charset="0"/>
-              </a:rPr>
-              <a:t>(</a:t>
-            </a:r>
-            <a:r>
-              <a:rPr lang="en-US" sz="1800" dirty="0">
-                <a:solidFill>
-                  <a:srgbClr val="000000"/>
-                </a:solidFill>
-                <a:highlight>
-                  <a:srgbClr val="FFFFFF"/>
-                </a:highlight>
-                <a:latin typeface="Cascadia Mono" panose="020B0609020000020004" pitchFamily="49" charset="0"/>
-              </a:rPr>
-              <a:t>Vector3.up * </a:t>
-            </a:r>
-            <a:r>
-              <a:rPr lang="en-US" sz="1800" dirty="0">
-                <a:solidFill>
-                  <a:srgbClr val="9400D3"/>
-                </a:solidFill>
-                <a:highlight>
-                  <a:srgbClr val="FFFFFF"/>
-                </a:highlight>
-                <a:latin typeface="Cascadia Mono" panose="020B0609020000020004" pitchFamily="49" charset="0"/>
-              </a:rPr>
-              <a:t>(</a:t>
-            </a:r>
-            <a:r>
-              <a:rPr lang="en-US" sz="1800" dirty="0">
-                <a:solidFill>
-                  <a:srgbClr val="000000"/>
-                </a:solidFill>
-                <a:highlight>
-                  <a:srgbClr val="FFFFFF"/>
-                </a:highlight>
-                <a:latin typeface="Cascadia Mono" panose="020B0609020000020004" pitchFamily="49" charset="0"/>
-              </a:rPr>
-              <a:t>horizontal * </a:t>
-            </a:r>
-            <a:r>
-              <a:rPr lang="en-US" sz="1800" dirty="0" err="1">
-                <a:solidFill>
-                  <a:srgbClr val="000000"/>
-                </a:solidFill>
-                <a:highlight>
-                  <a:srgbClr val="FFFFFF"/>
-                </a:highlight>
-                <a:latin typeface="Cascadia Mono" panose="020B0609020000020004" pitchFamily="49" charset="0"/>
-              </a:rPr>
-              <a:t>RotationSpeed</a:t>
-            </a:r>
-            <a:r>
-              <a:rPr lang="en-US" sz="1800" dirty="0">
-                <a:solidFill>
-                  <a:srgbClr val="000000"/>
-                </a:solidFill>
-                <a:highlight>
-                  <a:srgbClr val="FFFFFF"/>
-                </a:highlight>
-                <a:latin typeface="Cascadia Mono" panose="020B0609020000020004" pitchFamily="49" charset="0"/>
-              </a:rPr>
-              <a:t> * </a:t>
-            </a:r>
-            <a:r>
-              <a:rPr lang="en-US" sz="1800" dirty="0" err="1">
-                <a:solidFill>
-                  <a:srgbClr val="000000"/>
-                </a:solidFill>
-                <a:highlight>
-                  <a:srgbClr val="FFFFFF"/>
-                </a:highlight>
-                <a:latin typeface="Cascadia Mono" panose="020B0609020000020004" pitchFamily="49" charset="0"/>
-              </a:rPr>
-              <a:t>Time.deltaTime</a:t>
-            </a:r>
-            <a:r>
-              <a:rPr lang="en-US" sz="1800" dirty="0">
-                <a:solidFill>
-                  <a:srgbClr val="9400D3"/>
-                </a:solidFill>
-                <a:highlight>
-                  <a:srgbClr val="FFFFFF"/>
-                </a:highlight>
-                <a:latin typeface="Cascadia Mono" panose="020B0609020000020004" pitchFamily="49" charset="0"/>
-              </a:rPr>
-              <a:t>)</a:t>
-            </a:r>
-            <a:r>
-              <a:rPr lang="en-US" sz="1800" dirty="0">
-                <a:solidFill>
-                  <a:srgbClr val="9ACD32"/>
-                </a:solidFill>
-                <a:highlight>
-                  <a:srgbClr val="FFFFFF"/>
-                </a:highlight>
-                <a:latin typeface="Cascadia Mono" panose="020B0609020000020004" pitchFamily="49" charset="0"/>
-              </a:rPr>
-              <a:t>)</a:t>
-            </a:r>
-            <a:r>
-              <a:rPr lang="en-US" sz="1800" dirty="0">
-                <a:solidFill>
-                  <a:srgbClr val="000000"/>
-                </a:solidFill>
-                <a:highlight>
-                  <a:srgbClr val="FFFFFF"/>
-                </a:highlight>
-                <a:latin typeface="Cascadia Mono" panose="020B0609020000020004" pitchFamily="49" charset="0"/>
-              </a:rPr>
-              <a:t>;</a:t>
-            </a:r>
-          </a:p>
-          <a:p>
-            <a:r>
-              <a:rPr lang="en-SE" sz="1800" dirty="0">
-                <a:solidFill>
-                  <a:srgbClr val="000000"/>
-                </a:solidFill>
-                <a:highlight>
-                  <a:srgbClr val="FFFFFF"/>
-                </a:highlight>
-                <a:latin typeface="Cascadia Mono" panose="020B0609020000020004" pitchFamily="49" charset="0"/>
-              </a:rPr>
-              <a:t>    </a:t>
-            </a:r>
-            <a:r>
-              <a:rPr lang="en-SE" sz="1800" dirty="0">
-                <a:solidFill>
-                  <a:srgbClr val="FF1493"/>
-                </a:solidFill>
-                <a:highlight>
-                  <a:srgbClr val="FFFFFF"/>
-                </a:highlight>
-                <a:latin typeface="Cascadia Mono" panose="020B0609020000020004" pitchFamily="49" charset="0"/>
-              </a:rPr>
-              <a:t>}</a:t>
-            </a:r>
-            <a:endParaRPr lang="en-SE" sz="1800" dirty="0">
-              <a:solidFill>
-                <a:srgbClr val="000000"/>
-              </a:solidFill>
-              <a:highlight>
-                <a:srgbClr val="FFFFFF"/>
-              </a:highlight>
-              <a:latin typeface="Cascadia Mono" panose="020B0609020000020004" pitchFamily="49" charset="0"/>
-            </a:endParaRPr>
-          </a:p>
-          <a:p>
-            <a:r>
-              <a:rPr lang="en-SE" sz="1800" dirty="0">
-                <a:solidFill>
-                  <a:srgbClr val="FF9900"/>
-                </a:solidFill>
-                <a:highlight>
-                  <a:srgbClr val="FFFFFF"/>
-                </a:highlight>
-                <a:latin typeface="Cascadia Mono" panose="020B0609020000020004" pitchFamily="49" charset="0"/>
-              </a:rPr>
-              <a:t>}</a:t>
+            <a:r>
+              <a:rPr lang="sv-SE" dirty="0"/>
+              <a:t>Remove player code from another character</a:t>
+            </a:r>
+          </a:p>
+          <a:p>
+            <a:pPr>
+              <a:defRPr sz="1800"/>
+            </a:pPr>
+            <a:r>
+              <a:rPr lang="sv-SE" dirty="0"/>
+              <a:t>Add Greeter.cs </a:t>
+            </a:r>
+          </a:p>
+          <a:p>
+            <a:pPr>
+              <a:defRPr sz="1800"/>
+            </a:pPr>
+            <a:r>
+              <a:rPr lang="sv-SE" dirty="0"/>
+              <a:t>AudioRandomContainer</a:t>
             </a:r>
             <a:endParaRPr dirty="0"/>
           </a:p>
         </p:txBody>
       </p:sp>
     </p:spTree>
+    <p:extLst>
+      <p:ext uri="{BB962C8B-B14F-4D97-AF65-F5344CB8AC3E}">
+        <p14:creationId xmlns:p14="http://schemas.microsoft.com/office/powerpoint/2010/main" val="2601069349"/>
+      </p:ext>
+    </p:extLst>
   </p:cSld>
   <p:clrMapOvr>
     <a:masterClrMapping/>
